--- a/Управление проектами/lab3/Презентация.pptx
+++ b/Управление проектами/lab3/Презентация.pptx
@@ -9,10 +9,10 @@
   </p:notesMasterIdLst>
   <p:sldIdLst>
     <p:sldId id="256" r:id="rId2"/>
-    <p:sldId id="257" r:id="rId3"/>
+    <p:sldId id="269" r:id="rId3"/>
     <p:sldId id="260" r:id="rId4"/>
-    <p:sldId id="259" r:id="rId5"/>
-    <p:sldId id="261" r:id="rId6"/>
+    <p:sldId id="261" r:id="rId5"/>
+    <p:sldId id="270" r:id="rId6"/>
     <p:sldId id="262" r:id="rId7"/>
     <p:sldId id="258" r:id="rId8"/>
   </p:sldIdLst>
@@ -116,6 +116,9 @@
   <p:extLst>
     <p:ext uri="{EFAFB233-063F-42B5-8137-9DF3F51BA10A}">
       <p15:sldGuideLst xmlns:p15="http://schemas.microsoft.com/office/powerpoint/2012/main"/>
+    </p:ext>
+    <p:ext uri="{2D200454-40CA-4A62-9FC3-DE9A4176ACB9}">
+      <p15:notesGuideLst xmlns:p15="http://schemas.microsoft.com/office/powerpoint/2012/main"/>
     </p:ext>
   </p:extLst>
 </p:presentation>
@@ -135,6 +138,1567 @@
     </mc:Fallback>
   </mc:AlternateContent>
   <c:chart>
+    <c:autoTitleDeleted val="1"/>
+    <c:plotArea>
+      <c:layout/>
+      <c:pieChart>
+        <c:varyColors val="1"/>
+        <c:ser>
+          <c:idx val="0"/>
+          <c:order val="0"/>
+          <c:dPt>
+            <c:idx val="0"/>
+            <c:bubble3D val="0"/>
+            <c:spPr>
+              <a:solidFill>
+                <a:srgbClr val="07387B"/>
+              </a:solidFill>
+              <a:ln w="19050">
+                <a:solidFill>
+                  <a:schemeClr val="lt1"/>
+                </a:solidFill>
+              </a:ln>
+              <a:effectLst/>
+            </c:spPr>
+            <c:extLst>
+              <c:ext xmlns:c16="http://schemas.microsoft.com/office/drawing/2014/chart" uri="{C3380CC4-5D6E-409C-BE32-E72D297353CC}">
+                <c16:uniqueId val="{00000001-5F94-4819-9A12-399DB14C8C46}"/>
+              </c:ext>
+            </c:extLst>
+          </c:dPt>
+          <c:dPt>
+            <c:idx val="1"/>
+            <c:bubble3D val="0"/>
+            <c:spPr>
+              <a:solidFill>
+                <a:srgbClr val="BF8962"/>
+              </a:solidFill>
+              <a:ln w="19050">
+                <a:solidFill>
+                  <a:schemeClr val="lt1"/>
+                </a:solidFill>
+              </a:ln>
+              <a:effectLst/>
+            </c:spPr>
+            <c:extLst>
+              <c:ext xmlns:c16="http://schemas.microsoft.com/office/drawing/2014/chart" uri="{C3380CC4-5D6E-409C-BE32-E72D297353CC}">
+                <c16:uniqueId val="{00000003-5F94-4819-9A12-399DB14C8C46}"/>
+              </c:ext>
+            </c:extLst>
+          </c:dPt>
+          <c:dLbls>
+            <c:dLbl>
+              <c:idx val="0"/>
+              <c:layout>
+                <c:manualLayout>
+                  <c:x val="-0.1691524725773309"/>
+                  <c:y val="-9.7411363222940195E-2"/>
+                </c:manualLayout>
+              </c:layout>
+              <c:tx>
+                <c:rich>
+                  <a:bodyPr/>
+                  <a:lstStyle/>
+                  <a:p>
+                    <a:fld id="{2EF37961-0C2B-490F-A9F5-511E9E1E0833}" type="VALUE">
+                      <a:rPr lang="en-US"/>
+                      <a:pPr/>
+                      <a:t>[ЗНАЧЕНИЕ]</a:t>
+                    </a:fld>
+                    <a:r>
+                      <a:rPr lang="en-US"/>
+                      <a:t>%</a:t>
+                    </a:r>
+                  </a:p>
+                </c:rich>
+              </c:tx>
+              <c:showLegendKey val="0"/>
+              <c:showVal val="1"/>
+              <c:showCatName val="0"/>
+              <c:showSerName val="0"/>
+              <c:showPercent val="0"/>
+              <c:showBubbleSize val="0"/>
+              <c:extLst>
+                <c:ext xmlns:c15="http://schemas.microsoft.com/office/drawing/2012/chart" uri="{CE6537A1-D6FC-4f65-9D91-7224C49458BB}">
+                  <c15:layout/>
+                  <c15:dlblFieldTable/>
+                  <c15:showDataLabelsRange val="0"/>
+                </c:ext>
+                <c:ext xmlns:c16="http://schemas.microsoft.com/office/drawing/2014/chart" uri="{C3380CC4-5D6E-409C-BE32-E72D297353CC}">
+                  <c16:uniqueId val="{00000001-5F94-4819-9A12-399DB14C8C46}"/>
+                </c:ext>
+              </c:extLst>
+            </c:dLbl>
+            <c:dLbl>
+              <c:idx val="1"/>
+              <c:layout>
+                <c:manualLayout>
+                  <c:x val="0.14667438003680444"/>
+                  <c:y val="0.10552906547315322"/>
+                </c:manualLayout>
+              </c:layout>
+              <c:tx>
+                <c:rich>
+                  <a:bodyPr/>
+                  <a:lstStyle/>
+                  <a:p>
+                    <a:fld id="{AEF0FFF8-109D-44CA-A51E-9C7E0EFC64EF}" type="VALUE">
+                      <a:rPr lang="en-US"/>
+                      <a:pPr/>
+                      <a:t>[ЗНАЧЕНИЕ]</a:t>
+                    </a:fld>
+                    <a:r>
+                      <a:rPr lang="en-US"/>
+                      <a:t>%</a:t>
+                    </a:r>
+                  </a:p>
+                </c:rich>
+              </c:tx>
+              <c:showLegendKey val="0"/>
+              <c:showVal val="1"/>
+              <c:showCatName val="0"/>
+              <c:showSerName val="0"/>
+              <c:showPercent val="0"/>
+              <c:showBubbleSize val="0"/>
+              <c:extLst>
+                <c:ext xmlns:c15="http://schemas.microsoft.com/office/drawing/2012/chart" uri="{CE6537A1-D6FC-4f65-9D91-7224C49458BB}">
+                  <c15:layout/>
+                  <c15:dlblFieldTable/>
+                  <c15:showDataLabelsRange val="0"/>
+                </c:ext>
+                <c:ext xmlns:c16="http://schemas.microsoft.com/office/drawing/2014/chart" uri="{C3380CC4-5D6E-409C-BE32-E72D297353CC}">
+                  <c16:uniqueId val="{00000003-5F94-4819-9A12-399DB14C8C46}"/>
+                </c:ext>
+              </c:extLst>
+            </c:dLbl>
+            <c:spPr>
+              <a:noFill/>
+              <a:ln>
+                <a:noFill/>
+              </a:ln>
+              <a:effectLst/>
+            </c:spPr>
+            <c:txPr>
+              <a:bodyPr rot="0" spcFirstLastPara="1" vertOverflow="ellipsis" vert="horz" wrap="square" lIns="38100" tIns="19050" rIns="38100" bIns="19050" anchor="ctr" anchorCtr="1">
+                <a:spAutoFit/>
+              </a:bodyPr>
+              <a:lstStyle/>
+              <a:p>
+                <a:pPr>
+                  <a:defRPr sz="1400" b="0" i="0" u="none" strike="noStrike" kern="1200" baseline="0">
+                    <a:solidFill>
+                      <a:schemeClr val="bg1"/>
+                    </a:solidFill>
+                    <a:latin typeface="+mn-lt"/>
+                    <a:ea typeface="+mn-ea"/>
+                    <a:cs typeface="+mn-cs"/>
+                  </a:defRPr>
+                </a:pPr>
+                <a:endParaRPr lang="ru-RU"/>
+              </a:p>
+            </c:txPr>
+            <c:showLegendKey val="0"/>
+            <c:showVal val="1"/>
+            <c:showCatName val="0"/>
+            <c:showSerName val="0"/>
+            <c:showPercent val="0"/>
+            <c:showBubbleSize val="0"/>
+            <c:showLeaderLines val="1"/>
+            <c:leaderLines>
+              <c:spPr>
+                <a:ln w="9525" cap="flat" cmpd="sng" algn="ctr">
+                  <a:solidFill>
+                    <a:schemeClr val="tx1">
+                      <a:lumMod val="35000"/>
+                      <a:lumOff val="65000"/>
+                    </a:schemeClr>
+                  </a:solidFill>
+                  <a:round/>
+                </a:ln>
+                <a:effectLst/>
+              </c:spPr>
+            </c:leaderLines>
+            <c:extLst>
+              <c:ext xmlns:c15="http://schemas.microsoft.com/office/drawing/2012/chart" uri="{CE6537A1-D6FC-4f65-9D91-7224C49458BB}"/>
+            </c:extLst>
+          </c:dLbls>
+          <c:cat>
+            <c:strRef>
+              <c:f>Пэнсия!$A$2:$A$3</c:f>
+              <c:strCache>
+                <c:ptCount val="2"/>
+                <c:pt idx="0">
+                  <c:v>Люди допенсионного возраста</c:v>
+                </c:pt>
+                <c:pt idx="1">
+                  <c:v>Пенсионеры</c:v>
+                </c:pt>
+              </c:strCache>
+            </c:strRef>
+          </c:cat>
+          <c:val>
+            <c:numRef>
+              <c:f>Пэнсия!$B$2:$B$3</c:f>
+              <c:numCache>
+                <c:formatCode>General</c:formatCode>
+                <c:ptCount val="2"/>
+                <c:pt idx="0">
+                  <c:v>71.900000000000006</c:v>
+                </c:pt>
+                <c:pt idx="1">
+                  <c:v>28.1</c:v>
+                </c:pt>
+              </c:numCache>
+            </c:numRef>
+          </c:val>
+          <c:extLst>
+            <c:ext xmlns:c16="http://schemas.microsoft.com/office/drawing/2014/chart" uri="{C3380CC4-5D6E-409C-BE32-E72D297353CC}">
+              <c16:uniqueId val="{00000004-5F94-4819-9A12-399DB14C8C46}"/>
+            </c:ext>
+          </c:extLst>
+        </c:ser>
+        <c:dLbls>
+          <c:showLegendKey val="0"/>
+          <c:showVal val="0"/>
+          <c:showCatName val="0"/>
+          <c:showSerName val="0"/>
+          <c:showPercent val="0"/>
+          <c:showBubbleSize val="0"/>
+          <c:showLeaderLines val="1"/>
+        </c:dLbls>
+        <c:firstSliceAng val="0"/>
+      </c:pieChart>
+      <c:spPr>
+        <a:noFill/>
+        <a:ln>
+          <a:noFill/>
+        </a:ln>
+        <a:effectLst/>
+      </c:spPr>
+    </c:plotArea>
+    <c:legend>
+      <c:legendPos val="b"/>
+      <c:layout/>
+      <c:overlay val="0"/>
+      <c:spPr>
+        <a:solidFill>
+          <a:srgbClr val="EBE6E0"/>
+        </a:solidFill>
+        <a:ln>
+          <a:noFill/>
+        </a:ln>
+        <a:effectLst/>
+      </c:spPr>
+      <c:txPr>
+        <a:bodyPr rot="0" spcFirstLastPara="1" vertOverflow="ellipsis" vert="horz" wrap="square" anchor="ctr" anchorCtr="1"/>
+        <a:lstStyle/>
+        <a:p>
+          <a:pPr>
+            <a:defRPr sz="1600" b="0" i="0" u="none" strike="noStrike" kern="1200" baseline="0">
+              <a:solidFill>
+                <a:schemeClr val="tx1">
+                  <a:lumMod val="65000"/>
+                  <a:lumOff val="35000"/>
+                </a:schemeClr>
+              </a:solidFill>
+              <a:latin typeface="+mn-lt"/>
+              <a:ea typeface="+mn-ea"/>
+              <a:cs typeface="+mn-cs"/>
+            </a:defRPr>
+          </a:pPr>
+          <a:endParaRPr lang="ru-RU"/>
+        </a:p>
+      </c:txPr>
+    </c:legend>
+    <c:plotVisOnly val="1"/>
+    <c:dispBlanksAs val="gap"/>
+    <c:showDLblsOverMax val="0"/>
+    <c:extLst>
+      <c:ext xmlns:c16r3="http://schemas.microsoft.com/office/drawing/2017/03/chart" uri="{56B9EC1D-385E-4148-901F-78D8002777C0}">
+        <c16r3:dataDisplayOptions16>
+          <c16r3:dispNaAsBlank val="1"/>
+        </c16r3:dataDisplayOptions16>
+      </c:ext>
+    </c:extLst>
+  </c:chart>
+  <c:spPr>
+    <a:solidFill>
+      <a:srgbClr val="EBE6E0"/>
+    </a:solidFill>
+    <a:ln w="9525" cap="flat" cmpd="sng" algn="ctr">
+      <a:noFill/>
+      <a:round/>
+    </a:ln>
+    <a:effectLst/>
+  </c:spPr>
+  <c:txPr>
+    <a:bodyPr/>
+    <a:lstStyle/>
+    <a:p>
+      <a:pPr>
+        <a:defRPr/>
+      </a:pPr>
+      <a:endParaRPr lang="ru-RU"/>
+    </a:p>
+  </c:txPr>
+  <c:externalData r:id="rId3">
+    <c:autoUpdate val="0"/>
+  </c:externalData>
+</c:chartSpace>
+</file>
+
+<file path=ppt/charts/chart2.xml><?xml version="1.0" encoding="utf-8"?>
+<c:chartSpace xmlns:c="http://schemas.openxmlformats.org/drawingml/2006/chart" xmlns:a="http://schemas.openxmlformats.org/drawingml/2006/main" xmlns:r="http://schemas.openxmlformats.org/officeDocument/2006/relationships" xmlns:c16r2="http://schemas.microsoft.com/office/drawing/2015/06/chart">
+  <c:date1904 val="0"/>
+  <c:lang val="ru-RU"/>
+  <c:roundedCorners val="0"/>
+  <mc:AlternateContent xmlns:mc="http://schemas.openxmlformats.org/markup-compatibility/2006">
+    <mc:Choice xmlns:c14="http://schemas.microsoft.com/office/drawing/2007/8/2/chart" Requires="c14">
+      <c14:style val="102"/>
+    </mc:Choice>
+    <mc:Fallback>
+      <c:style val="2"/>
+    </mc:Fallback>
+  </mc:AlternateContent>
+  <c:chart>
+    <c:autoTitleDeleted val="1"/>
+    <c:plotArea>
+      <c:layout/>
+      <c:barChart>
+        <c:barDir val="col"/>
+        <c:grouping val="stacked"/>
+        <c:varyColors val="0"/>
+        <c:ser>
+          <c:idx val="0"/>
+          <c:order val="0"/>
+          <c:tx>
+            <c:strRef>
+              <c:f>Data!$B$1</c:f>
+              <c:strCache>
+                <c:ptCount val="1"/>
+                <c:pt idx="0">
+                  <c:v>Число запросов</c:v>
+                </c:pt>
+              </c:strCache>
+            </c:strRef>
+          </c:tx>
+          <c:spPr>
+            <a:solidFill>
+              <a:schemeClr val="accent1"/>
+            </a:solidFill>
+            <a:ln>
+              <a:noFill/>
+            </a:ln>
+            <a:effectLst/>
+          </c:spPr>
+          <c:invertIfNegative val="0"/>
+          <c:cat>
+            <c:strRef>
+              <c:f>Data!$A$2:$A$7</c:f>
+              <c:strCache>
+                <c:ptCount val="6"/>
+                <c:pt idx="0">
+                  <c:v>когда пить таблетки</c:v>
+                </c:pt>
+                <c:pt idx="1">
+                  <c:v>какие пить таблетки когда</c:v>
+                </c:pt>
+                <c:pt idx="2">
+                  <c:v>когда можно пить таблетки</c:v>
+                </c:pt>
+                <c:pt idx="3">
+                  <c:v>когда надо пить таблетки</c:v>
+                </c:pt>
+                <c:pt idx="4">
+                  <c:v>когда лучше пить таблетки</c:v>
+                </c:pt>
+                <c:pt idx="5">
+                  <c:v>когда нужно пить таблетки</c:v>
+                </c:pt>
+              </c:strCache>
+            </c:strRef>
+          </c:cat>
+          <c:val>
+            <c:numRef>
+              <c:f>Data!$B$2:$B$7</c:f>
+              <c:numCache>
+                <c:formatCode>0</c:formatCode>
+                <c:ptCount val="6"/>
+                <c:pt idx="0">
+                  <c:v>31211</c:v>
+                </c:pt>
+                <c:pt idx="1">
+                  <c:v>7307</c:v>
+                </c:pt>
+                <c:pt idx="2">
+                  <c:v>6799</c:v>
+                </c:pt>
+                <c:pt idx="3">
+                  <c:v>2901</c:v>
+                </c:pt>
+                <c:pt idx="4">
+                  <c:v>2847</c:v>
+                </c:pt>
+                <c:pt idx="5">
+                  <c:v>2787</c:v>
+                </c:pt>
+              </c:numCache>
+            </c:numRef>
+          </c:val>
+          <c:extLst>
+            <c:ext xmlns:c16="http://schemas.microsoft.com/office/drawing/2014/chart" uri="{C3380CC4-5D6E-409C-BE32-E72D297353CC}">
+              <c16:uniqueId val="{00000000-A7F3-4A3D-B225-0091C10292C1}"/>
+            </c:ext>
+          </c:extLst>
+        </c:ser>
+        <c:dLbls>
+          <c:showLegendKey val="0"/>
+          <c:showVal val="0"/>
+          <c:showCatName val="0"/>
+          <c:showSerName val="0"/>
+          <c:showPercent val="0"/>
+          <c:showBubbleSize val="0"/>
+        </c:dLbls>
+        <c:gapWidth val="150"/>
+        <c:overlap val="100"/>
+        <c:axId val="460555328"/>
+        <c:axId val="460553168"/>
+      </c:barChart>
+      <c:catAx>
+        <c:axId val="460555328"/>
+        <c:scaling>
+          <c:orientation val="minMax"/>
+        </c:scaling>
+        <c:delete val="0"/>
+        <c:axPos val="b"/>
+        <c:numFmt formatCode="General" sourceLinked="1"/>
+        <c:majorTickMark val="none"/>
+        <c:minorTickMark val="none"/>
+        <c:tickLblPos val="nextTo"/>
+        <c:spPr>
+          <a:noFill/>
+          <a:ln w="9525" cap="flat" cmpd="sng" algn="ctr">
+            <a:solidFill>
+              <a:schemeClr val="tx1">
+                <a:lumMod val="15000"/>
+                <a:lumOff val="85000"/>
+              </a:schemeClr>
+            </a:solidFill>
+            <a:round/>
+          </a:ln>
+          <a:effectLst/>
+        </c:spPr>
+        <c:txPr>
+          <a:bodyPr rot="-60000000" spcFirstLastPara="1" vertOverflow="ellipsis" vert="horz" wrap="square" anchor="ctr" anchorCtr="1"/>
+          <a:lstStyle/>
+          <a:p>
+            <a:pPr>
+              <a:defRPr sz="1400" b="0" i="0" u="none" strike="noStrike" kern="1200" baseline="0">
+                <a:solidFill>
+                  <a:schemeClr val="tx1">
+                    <a:lumMod val="65000"/>
+                    <a:lumOff val="35000"/>
+                  </a:schemeClr>
+                </a:solidFill>
+                <a:latin typeface="+mn-lt"/>
+                <a:ea typeface="+mn-ea"/>
+                <a:cs typeface="+mn-cs"/>
+              </a:defRPr>
+            </a:pPr>
+            <a:endParaRPr lang="ru-RU"/>
+          </a:p>
+        </c:txPr>
+        <c:crossAx val="460553168"/>
+        <c:crosses val="autoZero"/>
+        <c:auto val="1"/>
+        <c:lblAlgn val="ctr"/>
+        <c:lblOffset val="100"/>
+        <c:noMultiLvlLbl val="0"/>
+      </c:catAx>
+      <c:valAx>
+        <c:axId val="460553168"/>
+        <c:scaling>
+          <c:orientation val="minMax"/>
+        </c:scaling>
+        <c:delete val="0"/>
+        <c:axPos val="l"/>
+        <c:majorGridlines>
+          <c:spPr>
+            <a:ln w="9525" cap="flat" cmpd="sng" algn="ctr">
+              <a:solidFill>
+                <a:schemeClr val="tx1">
+                  <a:lumMod val="15000"/>
+                  <a:lumOff val="85000"/>
+                </a:schemeClr>
+              </a:solidFill>
+              <a:round/>
+            </a:ln>
+            <a:effectLst/>
+          </c:spPr>
+        </c:majorGridlines>
+        <c:numFmt formatCode="0" sourceLinked="1"/>
+        <c:majorTickMark val="none"/>
+        <c:minorTickMark val="none"/>
+        <c:tickLblPos val="nextTo"/>
+        <c:spPr>
+          <a:noFill/>
+          <a:ln>
+            <a:noFill/>
+          </a:ln>
+          <a:effectLst/>
+        </c:spPr>
+        <c:txPr>
+          <a:bodyPr rot="-60000000" spcFirstLastPara="1" vertOverflow="ellipsis" vert="horz" wrap="square" anchor="ctr" anchorCtr="1"/>
+          <a:lstStyle/>
+          <a:p>
+            <a:pPr>
+              <a:defRPr sz="1400" b="0" i="0" u="none" strike="noStrike" kern="1200" baseline="0">
+                <a:solidFill>
+                  <a:schemeClr val="tx1">
+                    <a:lumMod val="65000"/>
+                    <a:lumOff val="35000"/>
+                  </a:schemeClr>
+                </a:solidFill>
+                <a:latin typeface="+mn-lt"/>
+                <a:ea typeface="+mn-ea"/>
+                <a:cs typeface="+mn-cs"/>
+              </a:defRPr>
+            </a:pPr>
+            <a:endParaRPr lang="ru-RU"/>
+          </a:p>
+        </c:txPr>
+        <c:crossAx val="460555328"/>
+        <c:crosses val="autoZero"/>
+        <c:crossBetween val="between"/>
+      </c:valAx>
+      <c:spPr>
+        <a:noFill/>
+        <a:ln>
+          <a:noFill/>
+        </a:ln>
+        <a:effectLst/>
+      </c:spPr>
+    </c:plotArea>
+    <c:plotVisOnly val="1"/>
+    <c:dispBlanksAs val="gap"/>
+    <c:showDLblsOverMax val="0"/>
+    <c:extLst>
+      <c:ext xmlns:c16r3="http://schemas.microsoft.com/office/drawing/2017/03/chart" uri="{56B9EC1D-385E-4148-901F-78D8002777C0}">
+        <c16r3:dataDisplayOptions16>
+          <c16r3:dispNaAsBlank val="1"/>
+        </c16r3:dataDisplayOptions16>
+      </c:ext>
+    </c:extLst>
+  </c:chart>
+  <c:spPr>
+    <a:solidFill>
+      <a:srgbClr val="EBE6E0"/>
+    </a:solidFill>
+    <a:ln w="9525" cap="flat" cmpd="sng" algn="ctr">
+      <a:noFill/>
+      <a:round/>
+    </a:ln>
+    <a:effectLst/>
+  </c:spPr>
+  <c:txPr>
+    <a:bodyPr/>
+    <a:lstStyle/>
+    <a:p>
+      <a:pPr>
+        <a:defRPr/>
+      </a:pPr>
+      <a:endParaRPr lang="ru-RU"/>
+    </a:p>
+  </c:txPr>
+  <c:externalData r:id="rId3">
+    <c:autoUpdate val="0"/>
+  </c:externalData>
+</c:chartSpace>
+</file>
+
+<file path=ppt/charts/chart3.xml><?xml version="1.0" encoding="utf-8"?>
+<c:chartSpace xmlns:c="http://schemas.openxmlformats.org/drawingml/2006/chart" xmlns:a="http://schemas.openxmlformats.org/drawingml/2006/main" xmlns:r="http://schemas.openxmlformats.org/officeDocument/2006/relationships" xmlns:c16r2="http://schemas.microsoft.com/office/drawing/2015/06/chart">
+  <c:date1904 val="0"/>
+  <c:lang val="ru-RU"/>
+  <c:roundedCorners val="0"/>
+  <mc:AlternateContent xmlns:mc="http://schemas.openxmlformats.org/markup-compatibility/2006">
+    <mc:Choice xmlns:c14="http://schemas.microsoft.com/office/drawing/2007/8/2/chart" Requires="c14">
+      <c14:style val="102"/>
+    </mc:Choice>
+    <mc:Fallback>
+      <c:style val="2"/>
+    </mc:Fallback>
+  </mc:AlternateContent>
+  <c:chart>
+    <c:autoTitleDeleted val="1"/>
+    <c:plotArea>
+      <c:layout>
+        <c:manualLayout>
+          <c:layoutTarget val="inner"/>
+          <c:xMode val="edge"/>
+          <c:yMode val="edge"/>
+          <c:x val="0.17925400026067823"/>
+          <c:y val="0.11094616871096735"/>
+          <c:w val="0.6414916927983807"/>
+          <c:h val="0.69715575458259538"/>
+        </c:manualLayout>
+      </c:layout>
+      <c:pieChart>
+        <c:varyColors val="1"/>
+        <c:ser>
+          <c:idx val="0"/>
+          <c:order val="0"/>
+          <c:dPt>
+            <c:idx val="0"/>
+            <c:bubble3D val="0"/>
+            <c:spPr>
+              <a:solidFill>
+                <a:srgbClr val="07387B"/>
+              </a:solidFill>
+              <a:ln w="19050">
+                <a:solidFill>
+                  <a:schemeClr val="lt1"/>
+                </a:solidFill>
+              </a:ln>
+              <a:effectLst/>
+            </c:spPr>
+            <c:extLst>
+              <c:ext xmlns:c16="http://schemas.microsoft.com/office/drawing/2014/chart" uri="{C3380CC4-5D6E-409C-BE32-E72D297353CC}">
+                <c16:uniqueId val="{00000001-531F-4FD2-8EB3-C4DAFC4CE61E}"/>
+              </c:ext>
+            </c:extLst>
+          </c:dPt>
+          <c:dPt>
+            <c:idx val="1"/>
+            <c:bubble3D val="0"/>
+            <c:spPr>
+              <a:solidFill>
+                <a:srgbClr val="BF8962"/>
+              </a:solidFill>
+              <a:ln w="19050">
+                <a:solidFill>
+                  <a:schemeClr val="lt1"/>
+                </a:solidFill>
+              </a:ln>
+              <a:effectLst/>
+            </c:spPr>
+            <c:extLst>
+              <c:ext xmlns:c16="http://schemas.microsoft.com/office/drawing/2014/chart" uri="{C3380CC4-5D6E-409C-BE32-E72D297353CC}">
+                <c16:uniqueId val="{00000003-531F-4FD2-8EB3-C4DAFC4CE61E}"/>
+              </c:ext>
+            </c:extLst>
+          </c:dPt>
+          <c:dPt>
+            <c:idx val="2"/>
+            <c:bubble3D val="0"/>
+            <c:spPr>
+              <a:solidFill>
+                <a:srgbClr val="C6AA88"/>
+              </a:solidFill>
+              <a:ln w="19050">
+                <a:solidFill>
+                  <a:schemeClr val="lt1"/>
+                </a:solidFill>
+              </a:ln>
+              <a:effectLst/>
+            </c:spPr>
+            <c:extLst>
+              <c:ext xmlns:c16="http://schemas.microsoft.com/office/drawing/2014/chart" uri="{C3380CC4-5D6E-409C-BE32-E72D297353CC}">
+                <c16:uniqueId val="{00000005-531F-4FD2-8EB3-C4DAFC4CE61E}"/>
+              </c:ext>
+            </c:extLst>
+          </c:dPt>
+          <c:dPt>
+            <c:idx val="3"/>
+            <c:bubble3D val="0"/>
+            <c:spPr>
+              <a:solidFill>
+                <a:srgbClr val="DDCCB8"/>
+              </a:solidFill>
+              <a:ln w="19050">
+                <a:solidFill>
+                  <a:schemeClr val="lt1"/>
+                </a:solidFill>
+              </a:ln>
+              <a:effectLst/>
+            </c:spPr>
+            <c:extLst>
+              <c:ext xmlns:c16="http://schemas.microsoft.com/office/drawing/2014/chart" uri="{C3380CC4-5D6E-409C-BE32-E72D297353CC}">
+                <c16:uniqueId val="{00000007-531F-4FD2-8EB3-C4DAFC4CE61E}"/>
+              </c:ext>
+            </c:extLst>
+          </c:dPt>
+          <c:dPt>
+            <c:idx val="4"/>
+            <c:bubble3D val="0"/>
+            <c:spPr>
+              <a:solidFill>
+                <a:srgbClr val="002140"/>
+              </a:solidFill>
+              <a:ln w="19050">
+                <a:solidFill>
+                  <a:schemeClr val="lt1"/>
+                </a:solidFill>
+              </a:ln>
+              <a:effectLst/>
+            </c:spPr>
+            <c:extLst>
+              <c:ext xmlns:c16="http://schemas.microsoft.com/office/drawing/2014/chart" uri="{C3380CC4-5D6E-409C-BE32-E72D297353CC}">
+                <c16:uniqueId val="{00000009-531F-4FD2-8EB3-C4DAFC4CE61E}"/>
+              </c:ext>
+            </c:extLst>
+          </c:dPt>
+          <c:dLbls>
+            <c:dLbl>
+              <c:idx val="0"/>
+              <c:layout>
+                <c:manualLayout>
+                  <c:x val="-8.4436409293090528E-2"/>
+                  <c:y val="7.7477230966423005E-2"/>
+                </c:manualLayout>
+              </c:layout>
+              <c:spPr>
+                <a:noFill/>
+                <a:ln>
+                  <a:noFill/>
+                </a:ln>
+                <a:effectLst/>
+              </c:spPr>
+              <c:txPr>
+                <a:bodyPr rot="0" spcFirstLastPara="1" vertOverflow="ellipsis" vert="horz" wrap="square" lIns="38100" tIns="19050" rIns="38100" bIns="19050" anchor="ctr" anchorCtr="1">
+                  <a:spAutoFit/>
+                </a:bodyPr>
+                <a:lstStyle/>
+                <a:p>
+                  <a:pPr>
+                    <a:defRPr sz="1400" b="0" i="0" u="none" strike="noStrike" kern="1200" baseline="0">
+                      <a:solidFill>
+                        <a:srgbClr val="EBE6E0"/>
+                      </a:solidFill>
+                      <a:latin typeface="+mn-lt"/>
+                      <a:ea typeface="+mn-ea"/>
+                      <a:cs typeface="+mn-cs"/>
+                    </a:defRPr>
+                  </a:pPr>
+                  <a:endParaRPr lang="ru-RU"/>
+                </a:p>
+              </c:txPr>
+              <c:showLegendKey val="0"/>
+              <c:showVal val="1"/>
+              <c:showCatName val="0"/>
+              <c:showSerName val="0"/>
+              <c:showPercent val="0"/>
+              <c:showBubbleSize val="0"/>
+              <c:extLst>
+                <c:ext xmlns:c15="http://schemas.microsoft.com/office/drawing/2012/chart" uri="{CE6537A1-D6FC-4f65-9D91-7224C49458BB}">
+                  <c15:layout/>
+                </c:ext>
+                <c:ext xmlns:c16="http://schemas.microsoft.com/office/drawing/2014/chart" uri="{C3380CC4-5D6E-409C-BE32-E72D297353CC}">
+                  <c16:uniqueId val="{00000001-531F-4FD2-8EB3-C4DAFC4CE61E}"/>
+                </c:ext>
+              </c:extLst>
+            </c:dLbl>
+            <c:dLbl>
+              <c:idx val="1"/>
+              <c:layout>
+                <c:manualLayout>
+                  <c:x val="6.044922768461107E-2"/>
+                  <c:y val="-0.14928744276095701"/>
+                </c:manualLayout>
+              </c:layout>
+              <c:spPr>
+                <a:noFill/>
+                <a:ln>
+                  <a:noFill/>
+                </a:ln>
+                <a:effectLst/>
+              </c:spPr>
+              <c:txPr>
+                <a:bodyPr rot="0" spcFirstLastPara="1" vertOverflow="ellipsis" vert="horz" wrap="square" lIns="38100" tIns="19050" rIns="38100" bIns="19050" anchor="ctr" anchorCtr="1">
+                  <a:spAutoFit/>
+                </a:bodyPr>
+                <a:lstStyle/>
+                <a:p>
+                  <a:pPr>
+                    <a:defRPr sz="1400" b="0" i="0" u="none" strike="noStrike" kern="1200" baseline="0">
+                      <a:solidFill>
+                        <a:schemeClr val="bg1"/>
+                      </a:solidFill>
+                      <a:latin typeface="+mn-lt"/>
+                      <a:ea typeface="+mn-ea"/>
+                      <a:cs typeface="+mn-cs"/>
+                    </a:defRPr>
+                  </a:pPr>
+                  <a:endParaRPr lang="ru-RU"/>
+                </a:p>
+              </c:txPr>
+              <c:showLegendKey val="0"/>
+              <c:showVal val="1"/>
+              <c:showCatName val="0"/>
+              <c:showSerName val="0"/>
+              <c:showPercent val="0"/>
+              <c:showBubbleSize val="0"/>
+              <c:extLst>
+                <c:ext xmlns:c15="http://schemas.microsoft.com/office/drawing/2012/chart" uri="{CE6537A1-D6FC-4f65-9D91-7224C49458BB}">
+                  <c15:layout/>
+                </c:ext>
+                <c:ext xmlns:c16="http://schemas.microsoft.com/office/drawing/2014/chart" uri="{C3380CC4-5D6E-409C-BE32-E72D297353CC}">
+                  <c16:uniqueId val="{00000003-531F-4FD2-8EB3-C4DAFC4CE61E}"/>
+                </c:ext>
+              </c:extLst>
+            </c:dLbl>
+            <c:spPr>
+              <a:noFill/>
+              <a:ln>
+                <a:noFill/>
+              </a:ln>
+              <a:effectLst/>
+            </c:spPr>
+            <c:txPr>
+              <a:bodyPr rot="0" spcFirstLastPara="1" vertOverflow="ellipsis" vert="horz" wrap="square" lIns="38100" tIns="19050" rIns="38100" bIns="19050" anchor="ctr" anchorCtr="1">
+                <a:spAutoFit/>
+              </a:bodyPr>
+              <a:lstStyle/>
+              <a:p>
+                <a:pPr>
+                  <a:defRPr sz="1400" b="0" i="0" u="none" strike="noStrike" kern="1200" baseline="0">
+                    <a:solidFill>
+                      <a:schemeClr val="tx1">
+                        <a:lumMod val="75000"/>
+                        <a:lumOff val="25000"/>
+                      </a:schemeClr>
+                    </a:solidFill>
+                    <a:latin typeface="+mn-lt"/>
+                    <a:ea typeface="+mn-ea"/>
+                    <a:cs typeface="+mn-cs"/>
+                  </a:defRPr>
+                </a:pPr>
+                <a:endParaRPr lang="ru-RU"/>
+              </a:p>
+            </c:txPr>
+            <c:showLegendKey val="0"/>
+            <c:showVal val="1"/>
+            <c:showCatName val="0"/>
+            <c:showSerName val="0"/>
+            <c:showPercent val="0"/>
+            <c:showBubbleSize val="0"/>
+            <c:showLeaderLines val="1"/>
+            <c:leaderLines>
+              <c:spPr>
+                <a:ln w="9525" cap="flat" cmpd="sng" algn="ctr">
+                  <a:solidFill>
+                    <a:schemeClr val="tx1">
+                      <a:lumMod val="35000"/>
+                      <a:lumOff val="65000"/>
+                    </a:schemeClr>
+                  </a:solidFill>
+                  <a:round/>
+                </a:ln>
+                <a:effectLst/>
+              </c:spPr>
+            </c:leaderLines>
+            <c:extLst>
+              <c:ext xmlns:c15="http://schemas.microsoft.com/office/drawing/2012/chart" uri="{CE6537A1-D6FC-4f65-9D91-7224C49458BB}">
+                <c15:layout/>
+              </c:ext>
+            </c:extLst>
+          </c:dLbls>
+          <c:cat>
+            <c:strRef>
+              <c:f>Лист2!$A$1:$A$5</c:f>
+              <c:strCache>
+                <c:ptCount val="5"/>
+                <c:pt idx="0">
+                  <c:v>Ноутбуки</c:v>
+                </c:pt>
+                <c:pt idx="1">
+                  <c:v>Офис</c:v>
+                </c:pt>
+                <c:pt idx="2">
+                  <c:v>Столы</c:v>
+                </c:pt>
+                <c:pt idx="3">
+                  <c:v>Стулья</c:v>
+                </c:pt>
+                <c:pt idx="4">
+                  <c:v>Сервер</c:v>
+                </c:pt>
+              </c:strCache>
+            </c:strRef>
+          </c:cat>
+          <c:val>
+            <c:numRef>
+              <c:f>Лист2!$D$1:$D$5</c:f>
+              <c:numCache>
+                <c:formatCode>General</c:formatCode>
+                <c:ptCount val="5"/>
+                <c:pt idx="0">
+                  <c:v>200000</c:v>
+                </c:pt>
+                <c:pt idx="1">
+                  <c:v>360000</c:v>
+                </c:pt>
+                <c:pt idx="2">
+                  <c:v>20000</c:v>
+                </c:pt>
+                <c:pt idx="3">
+                  <c:v>10000</c:v>
+                </c:pt>
+                <c:pt idx="4">
+                  <c:v>30000</c:v>
+                </c:pt>
+              </c:numCache>
+            </c:numRef>
+          </c:val>
+          <c:extLst>
+            <c:ext xmlns:c16="http://schemas.microsoft.com/office/drawing/2014/chart" uri="{C3380CC4-5D6E-409C-BE32-E72D297353CC}">
+              <c16:uniqueId val="{0000000A-531F-4FD2-8EB3-C4DAFC4CE61E}"/>
+            </c:ext>
+          </c:extLst>
+        </c:ser>
+        <c:dLbls>
+          <c:showLegendKey val="0"/>
+          <c:showVal val="0"/>
+          <c:showCatName val="0"/>
+          <c:showSerName val="0"/>
+          <c:showPercent val="0"/>
+          <c:showBubbleSize val="0"/>
+          <c:showLeaderLines val="1"/>
+        </c:dLbls>
+        <c:firstSliceAng val="0"/>
+      </c:pieChart>
+      <c:spPr>
+        <a:noFill/>
+        <a:ln>
+          <a:noFill/>
+        </a:ln>
+        <a:effectLst/>
+      </c:spPr>
+    </c:plotArea>
+    <c:legend>
+      <c:legendPos val="t"/>
+      <c:layout>
+        <c:manualLayout>
+          <c:xMode val="edge"/>
+          <c:yMode val="edge"/>
+          <c:x val="7.4478221867836147E-2"/>
+          <c:y val="0.89932885906040272"/>
+          <c:w val="0.85104324958406485"/>
+          <c:h val="7.5503884162130747E-2"/>
+        </c:manualLayout>
+      </c:layout>
+      <c:overlay val="0"/>
+      <c:spPr>
+        <a:noFill/>
+        <a:ln>
+          <a:noFill/>
+        </a:ln>
+        <a:effectLst/>
+      </c:spPr>
+      <c:txPr>
+        <a:bodyPr rot="0" spcFirstLastPara="1" vertOverflow="ellipsis" vert="horz" wrap="square" anchor="ctr" anchorCtr="1"/>
+        <a:lstStyle/>
+        <a:p>
+          <a:pPr>
+            <a:defRPr sz="1600" b="0" i="0" u="none" strike="noStrike" kern="1200" baseline="0">
+              <a:solidFill>
+                <a:schemeClr val="tx1">
+                  <a:lumMod val="65000"/>
+                  <a:lumOff val="35000"/>
+                </a:schemeClr>
+              </a:solidFill>
+              <a:latin typeface="+mn-lt"/>
+              <a:ea typeface="+mn-ea"/>
+              <a:cs typeface="+mn-cs"/>
+            </a:defRPr>
+          </a:pPr>
+          <a:endParaRPr lang="ru-RU"/>
+        </a:p>
+      </c:txPr>
+    </c:legend>
+    <c:plotVisOnly val="1"/>
+    <c:dispBlanksAs val="gap"/>
+    <c:showDLblsOverMax val="0"/>
+    <c:extLst>
+      <c:ext xmlns:c16r3="http://schemas.microsoft.com/office/drawing/2017/03/chart" uri="{56B9EC1D-385E-4148-901F-78D8002777C0}">
+        <c16r3:dataDisplayOptions16>
+          <c16r3:dispNaAsBlank val="1"/>
+        </c16r3:dataDisplayOptions16>
+      </c:ext>
+    </c:extLst>
+  </c:chart>
+  <c:spPr>
+    <a:solidFill>
+      <a:srgbClr val="EBE6E0"/>
+    </a:solidFill>
+    <a:ln w="9525" cap="flat" cmpd="sng" algn="ctr">
+      <a:noFill/>
+      <a:round/>
+    </a:ln>
+    <a:effectLst/>
+  </c:spPr>
+  <c:txPr>
+    <a:bodyPr/>
+    <a:lstStyle/>
+    <a:p>
+      <a:pPr>
+        <a:defRPr/>
+      </a:pPr>
+      <a:endParaRPr lang="ru-RU"/>
+    </a:p>
+  </c:txPr>
+  <c:externalData r:id="rId3">
+    <c:autoUpdate val="0"/>
+  </c:externalData>
+</c:chartSpace>
+</file>
+
+<file path=ppt/charts/chart4.xml><?xml version="1.0" encoding="utf-8"?>
+<c:chartSpace xmlns:c="http://schemas.openxmlformats.org/drawingml/2006/chart" xmlns:a="http://schemas.openxmlformats.org/drawingml/2006/main" xmlns:r="http://schemas.openxmlformats.org/officeDocument/2006/relationships" xmlns:c16r2="http://schemas.microsoft.com/office/drawing/2015/06/chart">
+  <c:date1904 val="0"/>
+  <c:lang val="ru-RU"/>
+  <c:roundedCorners val="0"/>
+  <mc:AlternateContent xmlns:mc="http://schemas.openxmlformats.org/markup-compatibility/2006">
+    <mc:Choice xmlns:c14="http://schemas.microsoft.com/office/drawing/2007/8/2/chart" Requires="c14">
+      <c14:style val="102"/>
+    </mc:Choice>
+    <mc:Fallback>
+      <c:style val="2"/>
+    </mc:Fallback>
+  </mc:AlternateContent>
+  <c:chart>
+    <c:autoTitleDeleted val="1"/>
+    <c:plotArea>
+      <c:layout>
+        <c:manualLayout>
+          <c:layoutTarget val="inner"/>
+          <c:xMode val="edge"/>
+          <c:yMode val="edge"/>
+          <c:x val="0.17925400026067823"/>
+          <c:y val="0.11094616871096735"/>
+          <c:w val="0.6414916927983807"/>
+          <c:h val="0.69715575458259538"/>
+        </c:manualLayout>
+      </c:layout>
+      <c:pieChart>
+        <c:varyColors val="1"/>
+        <c:dLbls>
+          <c:showLegendKey val="0"/>
+          <c:showVal val="0"/>
+          <c:showCatName val="0"/>
+          <c:showSerName val="0"/>
+          <c:showPercent val="0"/>
+          <c:showBubbleSize val="0"/>
+          <c:showLeaderLines val="0"/>
+        </c:dLbls>
+        <c:firstSliceAng val="0"/>
+      </c:pieChart>
+      <c:spPr>
+        <a:noFill/>
+        <a:ln>
+          <a:noFill/>
+        </a:ln>
+        <a:effectLst/>
+      </c:spPr>
+    </c:plotArea>
+    <c:legend>
+      <c:legendPos val="t"/>
+      <c:layout>
+        <c:manualLayout>
+          <c:xMode val="edge"/>
+          <c:yMode val="edge"/>
+          <c:x val="7.4478221867836147E-2"/>
+          <c:y val="0.89932885906040272"/>
+          <c:w val="0.85104324958406485"/>
+          <c:h val="7.5503884162130747E-2"/>
+        </c:manualLayout>
+      </c:layout>
+      <c:overlay val="0"/>
+      <c:spPr>
+        <a:noFill/>
+        <a:ln>
+          <a:noFill/>
+        </a:ln>
+        <a:effectLst/>
+      </c:spPr>
+      <c:txPr>
+        <a:bodyPr rot="0" spcFirstLastPara="1" vertOverflow="ellipsis" vert="horz" wrap="square" anchor="ctr" anchorCtr="1"/>
+        <a:lstStyle/>
+        <a:p>
+          <a:pPr>
+            <a:defRPr sz="1600" b="0" i="0" u="none" strike="noStrike" kern="1200" baseline="0">
+              <a:solidFill>
+                <a:schemeClr val="tx1">
+                  <a:lumMod val="65000"/>
+                  <a:lumOff val="35000"/>
+                </a:schemeClr>
+              </a:solidFill>
+              <a:latin typeface="+mn-lt"/>
+              <a:ea typeface="+mn-ea"/>
+              <a:cs typeface="+mn-cs"/>
+            </a:defRPr>
+          </a:pPr>
+          <a:endParaRPr lang="ru-RU"/>
+        </a:p>
+      </c:txPr>
+    </c:legend>
+    <c:plotVisOnly val="1"/>
+    <c:dispBlanksAs val="gap"/>
+    <c:showDLblsOverMax val="0"/>
+    <c:extLst>
+      <c:ext xmlns:c16r3="http://schemas.microsoft.com/office/drawing/2017/03/chart" uri="{56B9EC1D-385E-4148-901F-78D8002777C0}">
+        <c16r3:dataDisplayOptions16>
+          <c16r3:dispNaAsBlank val="1"/>
+        </c16r3:dataDisplayOptions16>
+      </c:ext>
+    </c:extLst>
+  </c:chart>
+  <c:spPr>
+    <a:solidFill>
+      <a:srgbClr val="EBE6E0"/>
+    </a:solidFill>
+    <a:ln w="9525" cap="flat" cmpd="sng" algn="ctr">
+      <a:noFill/>
+      <a:round/>
+    </a:ln>
+    <a:effectLst/>
+  </c:spPr>
+  <c:txPr>
+    <a:bodyPr/>
+    <a:lstStyle/>
+    <a:p>
+      <a:pPr>
+        <a:defRPr/>
+      </a:pPr>
+      <a:endParaRPr lang="ru-RU"/>
+    </a:p>
+  </c:txPr>
+  <c:externalData r:id="rId3">
+    <c:autoUpdate val="0"/>
+  </c:externalData>
+</c:chartSpace>
+</file>
+
+<file path=ppt/charts/chart5.xml><?xml version="1.0" encoding="utf-8"?>
+<c:chartSpace xmlns:c="http://schemas.openxmlformats.org/drawingml/2006/chart" xmlns:a="http://schemas.openxmlformats.org/drawingml/2006/main" xmlns:r="http://schemas.openxmlformats.org/officeDocument/2006/relationships" xmlns:c16r2="http://schemas.microsoft.com/office/drawing/2015/06/chart">
+  <c:date1904 val="0"/>
+  <c:lang val="ru-RU"/>
+  <c:roundedCorners val="0"/>
+  <mc:AlternateContent xmlns:mc="http://schemas.openxmlformats.org/markup-compatibility/2006">
+    <mc:Choice xmlns:c14="http://schemas.microsoft.com/office/drawing/2007/8/2/chart" Requires="c14">
+      <c14:style val="102"/>
+    </mc:Choice>
+    <mc:Fallback>
+      <c:style val="2"/>
+    </mc:Fallback>
+  </mc:AlternateContent>
+  <c:chart>
+    <c:autoTitleDeleted val="1"/>
+    <c:plotArea>
+      <c:layout/>
+      <c:doughnutChart>
+        <c:varyColors val="1"/>
+        <c:ser>
+          <c:idx val="0"/>
+          <c:order val="0"/>
+          <c:tx>
+            <c:strRef>
+              <c:f>Лист2!$C$1</c:f>
+              <c:strCache>
+                <c:ptCount val="1"/>
+                <c:pt idx="0">
+                  <c:v>Доля</c:v>
+                </c:pt>
+              </c:strCache>
+            </c:strRef>
+          </c:tx>
+          <c:dPt>
+            <c:idx val="0"/>
+            <c:bubble3D val="0"/>
+            <c:spPr>
+              <a:gradFill>
+                <a:gsLst>
+                  <a:gs pos="100000">
+                    <a:schemeClr val="accent1">
+                      <a:lumMod val="60000"/>
+                      <a:lumOff val="40000"/>
+                    </a:schemeClr>
+                  </a:gs>
+                  <a:gs pos="0">
+                    <a:schemeClr val="accent1"/>
+                  </a:gs>
+                </a:gsLst>
+                <a:lin ang="5400000" scaled="0"/>
+              </a:gradFill>
+              <a:ln w="19050">
+                <a:solidFill>
+                  <a:schemeClr val="lt1"/>
+                </a:solidFill>
+              </a:ln>
+              <a:effectLst/>
+            </c:spPr>
+            <c:extLst>
+              <c:ext xmlns:c16="http://schemas.microsoft.com/office/drawing/2014/chart" uri="{C3380CC4-5D6E-409C-BE32-E72D297353CC}">
+                <c16:uniqueId val="{00000001-913E-45BD-A05F-7D00F7E8DA66}"/>
+              </c:ext>
+            </c:extLst>
+          </c:dPt>
+          <c:dPt>
+            <c:idx val="1"/>
+            <c:bubble3D val="0"/>
+            <c:spPr>
+              <a:gradFill>
+                <a:gsLst>
+                  <a:gs pos="100000">
+                    <a:schemeClr val="accent2">
+                      <a:lumMod val="60000"/>
+                      <a:lumOff val="40000"/>
+                    </a:schemeClr>
+                  </a:gs>
+                  <a:gs pos="0">
+                    <a:schemeClr val="accent2"/>
+                  </a:gs>
+                </a:gsLst>
+                <a:lin ang="5400000" scaled="0"/>
+              </a:gradFill>
+              <a:ln w="19050">
+                <a:solidFill>
+                  <a:schemeClr val="lt1"/>
+                </a:solidFill>
+              </a:ln>
+              <a:effectLst/>
+            </c:spPr>
+            <c:extLst>
+              <c:ext xmlns:c16="http://schemas.microsoft.com/office/drawing/2014/chart" uri="{C3380CC4-5D6E-409C-BE32-E72D297353CC}">
+                <c16:uniqueId val="{00000003-913E-45BD-A05F-7D00F7E8DA66}"/>
+              </c:ext>
+            </c:extLst>
+          </c:dPt>
+          <c:dPt>
+            <c:idx val="2"/>
+            <c:bubble3D val="0"/>
+            <c:spPr>
+              <a:gradFill>
+                <a:gsLst>
+                  <a:gs pos="100000">
+                    <a:schemeClr val="accent3">
+                      <a:lumMod val="60000"/>
+                      <a:lumOff val="40000"/>
+                    </a:schemeClr>
+                  </a:gs>
+                  <a:gs pos="0">
+                    <a:schemeClr val="accent3"/>
+                  </a:gs>
+                </a:gsLst>
+                <a:lin ang="5400000" scaled="0"/>
+              </a:gradFill>
+              <a:ln w="19050">
+                <a:solidFill>
+                  <a:schemeClr val="lt1"/>
+                </a:solidFill>
+              </a:ln>
+              <a:effectLst/>
+            </c:spPr>
+            <c:extLst>
+              <c:ext xmlns:c16="http://schemas.microsoft.com/office/drawing/2014/chart" uri="{C3380CC4-5D6E-409C-BE32-E72D297353CC}">
+                <c16:uniqueId val="{00000005-913E-45BD-A05F-7D00F7E8DA66}"/>
+              </c:ext>
+            </c:extLst>
+          </c:dPt>
+          <c:dPt>
+            <c:idx val="3"/>
+            <c:bubble3D val="0"/>
+            <c:spPr>
+              <a:gradFill>
+                <a:gsLst>
+                  <a:gs pos="100000">
+                    <a:schemeClr val="accent4">
+                      <a:lumMod val="60000"/>
+                      <a:lumOff val="40000"/>
+                    </a:schemeClr>
+                  </a:gs>
+                  <a:gs pos="0">
+                    <a:schemeClr val="accent4"/>
+                  </a:gs>
+                </a:gsLst>
+                <a:lin ang="5400000" scaled="0"/>
+              </a:gradFill>
+              <a:ln w="19050">
+                <a:solidFill>
+                  <a:schemeClr val="lt1"/>
+                </a:solidFill>
+              </a:ln>
+              <a:effectLst/>
+            </c:spPr>
+            <c:extLst>
+              <c:ext xmlns:c16="http://schemas.microsoft.com/office/drawing/2014/chart" uri="{C3380CC4-5D6E-409C-BE32-E72D297353CC}">
+                <c16:uniqueId val="{00000007-913E-45BD-A05F-7D00F7E8DA66}"/>
+              </c:ext>
+            </c:extLst>
+          </c:dPt>
+          <c:dPt>
+            <c:idx val="4"/>
+            <c:bubble3D val="0"/>
+            <c:spPr>
+              <a:gradFill>
+                <a:gsLst>
+                  <a:gs pos="100000">
+                    <a:schemeClr val="accent5">
+                      <a:lumMod val="60000"/>
+                      <a:lumOff val="40000"/>
+                    </a:schemeClr>
+                  </a:gs>
+                  <a:gs pos="0">
+                    <a:schemeClr val="accent5"/>
+                  </a:gs>
+                </a:gsLst>
+                <a:lin ang="5400000" scaled="0"/>
+              </a:gradFill>
+              <a:ln w="19050">
+                <a:solidFill>
+                  <a:schemeClr val="lt1"/>
+                </a:solidFill>
+              </a:ln>
+              <a:effectLst/>
+            </c:spPr>
+            <c:extLst>
+              <c:ext xmlns:c16="http://schemas.microsoft.com/office/drawing/2014/chart" uri="{C3380CC4-5D6E-409C-BE32-E72D297353CC}">
+                <c16:uniqueId val="{00000009-913E-45BD-A05F-7D00F7E8DA66}"/>
+              </c:ext>
+            </c:extLst>
+          </c:dPt>
+          <c:dLbls>
+            <c:spPr>
+              <a:noFill/>
+              <a:ln>
+                <a:noFill/>
+              </a:ln>
+              <a:effectLst/>
+            </c:spPr>
+            <c:txPr>
+              <a:bodyPr rot="0" spcFirstLastPara="1" vertOverflow="ellipsis" vert="horz" wrap="square" lIns="38100" tIns="19050" rIns="38100" bIns="19050" anchor="ctr" anchorCtr="1">
+                <a:spAutoFit/>
+              </a:bodyPr>
+              <a:lstStyle/>
+              <a:p>
+                <a:pPr>
+                  <a:defRPr sz="1197" b="0" i="0" u="none" strike="noStrike" kern="1200" baseline="0">
+                    <a:solidFill>
+                      <a:schemeClr val="dk1">
+                        <a:lumMod val="75000"/>
+                        <a:lumOff val="25000"/>
+                      </a:schemeClr>
+                    </a:solidFill>
+                    <a:latin typeface="+mn-lt"/>
+                    <a:ea typeface="+mn-ea"/>
+                    <a:cs typeface="+mn-cs"/>
+                  </a:defRPr>
+                </a:pPr>
+                <a:endParaRPr lang="ru-RU"/>
+              </a:p>
+            </c:txPr>
+            <c:showLegendKey val="0"/>
+            <c:showVal val="1"/>
+            <c:showCatName val="0"/>
+            <c:showSerName val="0"/>
+            <c:showPercent val="0"/>
+            <c:showBubbleSize val="0"/>
+            <c:showLeaderLines val="1"/>
+            <c:leaderLines>
+              <c:spPr>
+                <a:ln w="9525" cap="flat" cmpd="sng" algn="ctr">
+                  <a:solidFill>
+                    <a:schemeClr val="dk1">
+                      <a:lumMod val="35000"/>
+                      <a:lumOff val="65000"/>
+                    </a:schemeClr>
+                  </a:solidFill>
+                  <a:round/>
+                </a:ln>
+                <a:effectLst/>
+              </c:spPr>
+            </c:leaderLines>
+            <c:extLst>
+              <c:ext xmlns:c15="http://schemas.microsoft.com/office/drawing/2012/chart" uri="{CE6537A1-D6FC-4f65-9D91-7224C49458BB}">
+                <c15:layout/>
+              </c:ext>
+            </c:extLst>
+          </c:dLbls>
+          <c:cat>
+            <c:strRef>
+              <c:f>Лист2!$A$2:$A$6</c:f>
+              <c:strCache>
+                <c:ptCount val="5"/>
+                <c:pt idx="0">
+                  <c:v>Традиционные СМИ</c:v>
+                </c:pt>
+                <c:pt idx="1">
+                  <c:v>Локальные точки присутствия</c:v>
+                </c:pt>
+                <c:pt idx="2">
+                  <c:v>Онлайн-реклама</c:v>
+                </c:pt>
+                <c:pt idx="3">
+                  <c:v>Образовательные мероприятия</c:v>
+                </c:pt>
+                <c:pt idx="4">
+                  <c:v>Партнерские программы</c:v>
+                </c:pt>
+              </c:strCache>
+            </c:strRef>
+          </c:cat>
+          <c:val>
+            <c:numRef>
+              <c:f>Лист2!$C$2:$C$6</c:f>
+              <c:numCache>
+                <c:formatCode>0%</c:formatCode>
+                <c:ptCount val="5"/>
+                <c:pt idx="0">
+                  <c:v>0.4</c:v>
+                </c:pt>
+                <c:pt idx="1">
+                  <c:v>0.3</c:v>
+                </c:pt>
+                <c:pt idx="2">
+                  <c:v>0.15</c:v>
+                </c:pt>
+                <c:pt idx="3">
+                  <c:v>0.1</c:v>
+                </c:pt>
+                <c:pt idx="4">
+                  <c:v>0.05</c:v>
+                </c:pt>
+              </c:numCache>
+            </c:numRef>
+          </c:val>
+          <c:extLst>
+            <c:ext xmlns:c16="http://schemas.microsoft.com/office/drawing/2014/chart" uri="{C3380CC4-5D6E-409C-BE32-E72D297353CC}">
+              <c16:uniqueId val="{0000000A-913E-45BD-A05F-7D00F7E8DA66}"/>
+            </c:ext>
+          </c:extLst>
+        </c:ser>
+        <c:dLbls>
+          <c:showLegendKey val="0"/>
+          <c:showVal val="0"/>
+          <c:showCatName val="0"/>
+          <c:showSerName val="0"/>
+          <c:showPercent val="0"/>
+          <c:showBubbleSize val="0"/>
+          <c:showLeaderLines val="1"/>
+        </c:dLbls>
+        <c:firstSliceAng val="0"/>
+        <c:holeSize val="70"/>
+      </c:doughnutChart>
+      <c:spPr>
+        <a:noFill/>
+        <a:ln>
+          <a:noFill/>
+        </a:ln>
+        <a:effectLst/>
+      </c:spPr>
+    </c:plotArea>
+    <c:legend>
+      <c:legendPos val="r"/>
+      <c:layout>
+        <c:manualLayout>
+          <c:xMode val="edge"/>
+          <c:yMode val="edge"/>
+          <c:x val="0.61647115280793729"/>
+          <c:y val="6.4301927388984076E-2"/>
+          <c:w val="0.37133972382517727"/>
+          <c:h val="0.91515177485722821"/>
+        </c:manualLayout>
+      </c:layout>
+      <c:overlay val="0"/>
+      <c:spPr>
+        <a:solidFill>
+          <a:schemeClr val="lt1">
+            <a:alpha val="50000"/>
+          </a:schemeClr>
+        </a:solidFill>
+        <a:ln>
+          <a:noFill/>
+        </a:ln>
+        <a:effectLst/>
+      </c:spPr>
+      <c:txPr>
+        <a:bodyPr rot="0" spcFirstLastPara="1" vertOverflow="ellipsis" vert="horz" wrap="square" anchor="ctr" anchorCtr="1"/>
+        <a:lstStyle/>
+        <a:p>
+          <a:pPr>
+            <a:defRPr sz="1800" b="0" i="0" u="none" strike="noStrike" kern="1200" baseline="0">
+              <a:solidFill>
+                <a:schemeClr val="dk1">
+                  <a:lumMod val="65000"/>
+                  <a:lumOff val="35000"/>
+                </a:schemeClr>
+              </a:solidFill>
+              <a:latin typeface="+mn-lt"/>
+              <a:ea typeface="+mn-ea"/>
+              <a:cs typeface="+mn-cs"/>
+            </a:defRPr>
+          </a:pPr>
+          <a:endParaRPr lang="ru-RU"/>
+        </a:p>
+      </c:txPr>
+    </c:legend>
+    <c:plotVisOnly val="1"/>
+    <c:dispBlanksAs val="gap"/>
+    <c:showDLblsOverMax val="0"/>
+  </c:chart>
+  <c:spPr>
+    <a:pattFill prst="dkDnDiag">
+      <a:fgClr>
+        <a:schemeClr val="lt1"/>
+      </a:fgClr>
+      <a:bgClr>
+        <a:schemeClr val="dk1">
+          <a:lumMod val="10000"/>
+          <a:lumOff val="90000"/>
+        </a:schemeClr>
+      </a:bgClr>
+    </a:pattFill>
+    <a:ln w="9525" cap="flat" cmpd="sng" algn="ctr">
+      <a:solidFill>
+        <a:schemeClr val="dk1">
+          <a:lumMod val="15000"/>
+          <a:lumOff val="85000"/>
+        </a:schemeClr>
+      </a:solidFill>
+      <a:round/>
+    </a:ln>
+    <a:effectLst/>
+  </c:spPr>
+  <c:txPr>
+    <a:bodyPr/>
+    <a:lstStyle/>
+    <a:p>
+      <a:pPr>
+        <a:defRPr/>
+      </a:pPr>
+      <a:endParaRPr lang="ru-RU"/>
+    </a:p>
+  </c:txPr>
+  <c:externalData r:id="rId3">
+    <c:autoUpdate val="0"/>
+  </c:externalData>
+</c:chartSpace>
+</file>
+
+<file path=ppt/charts/chart6.xml><?xml version="1.0" encoding="utf-8"?>
+<c:chartSpace xmlns:c="http://schemas.openxmlformats.org/drawingml/2006/chart" xmlns:a="http://schemas.openxmlformats.org/drawingml/2006/main" xmlns:r="http://schemas.openxmlformats.org/officeDocument/2006/relationships" xmlns:c16r2="http://schemas.microsoft.com/office/drawing/2015/06/chart">
+  <c:date1904 val="0"/>
+  <c:lang val="ru-RU"/>
+  <c:roundedCorners val="0"/>
+  <mc:AlternateContent xmlns:mc="http://schemas.openxmlformats.org/markup-compatibility/2006">
+    <mc:Choice xmlns:c14="http://schemas.microsoft.com/office/drawing/2007/8/2/chart" Requires="c14">
+      <c14:style val="102"/>
+    </mc:Choice>
+    <mc:Fallback>
+      <c:style val="2"/>
+    </mc:Fallback>
+  </mc:AlternateContent>
+  <c:chart>
     <c:title>
       <c:tx>
         <c:rich>
@@ -156,16 +1720,12 @@
             </a:pPr>
             <a:r>
               <a:rPr lang="ru-RU"/>
-              <a:t>Чистая</a:t>
-            </a:r>
-            <a:r>
-              <a:rPr lang="ru-RU" baseline="0"/>
-              <a:t> приведенная стоимость</a:t>
-            </a:r>
-            <a:endParaRPr lang="ru-RU"/>
+              <a:t>Чистая приведенная стоимость</a:t>
+            </a:r>
           </a:p>
         </c:rich>
       </c:tx>
+      <c:layout/>
       <c:overlay val="0"/>
       <c:spPr>
         <a:noFill/>
@@ -198,14 +1758,14 @@
     <c:autoTitleDeleted val="0"/>
     <c:plotArea>
       <c:layout/>
-      <c:scatterChart>
-        <c:scatterStyle val="lineMarker"/>
+      <c:lineChart>
+        <c:grouping val="standard"/>
         <c:varyColors val="0"/>
         <c:ser>
           <c:idx val="0"/>
           <c:order val="0"/>
           <c:spPr>
-            <a:ln w="19050" cap="rnd">
+            <a:ln w="28575" cap="rnd">
               <a:solidFill>
                 <a:schemeClr val="accent1"/>
               </a:solidFill>
@@ -214,51 +1774,39 @@
             <a:effectLst/>
           </c:spPr>
           <c:marker>
-            <c:symbol val="circle"/>
-            <c:size val="5"/>
-            <c:spPr>
-              <a:solidFill>
-                <a:schemeClr val="accent1"/>
-              </a:solidFill>
-              <a:ln w="9525">
-                <a:solidFill>
-                  <a:schemeClr val="accent1"/>
-                </a:solidFill>
-              </a:ln>
-              <a:effectLst/>
-            </c:spPr>
+            <c:symbol val="none"/>
           </c:marker>
-          <c:yVal>
+          <c:val>
             <c:numRef>
               <c:f>Лист1!$D$3:$D$8</c:f>
               <c:numCache>
                 <c:formatCode>General</c:formatCode>
                 <c:ptCount val="6"/>
                 <c:pt idx="0">
-                  <c:v>-50000</c:v>
+                  <c:v>-6700000</c:v>
                 </c:pt>
                 <c:pt idx="1">
-                  <c:v>9090.9090909090901</c:v>
+                  <c:v>40000000</c:v>
                 </c:pt>
                 <c:pt idx="2">
-                  <c:v>12396.694214876032</c:v>
+                  <c:v>36363636.36363636</c:v>
                 </c:pt>
                 <c:pt idx="3">
-                  <c:v>15026.296018031551</c:v>
+                  <c:v>33057851.239669412</c:v>
                 </c:pt>
                 <c:pt idx="4">
-                  <c:v>17075.336384126764</c:v>
+                  <c:v>30052592.036063101</c:v>
                 </c:pt>
                 <c:pt idx="5">
-                  <c:v>18627.63969177465</c:v>
+                  <c:v>27320538.214602817</c:v>
                 </c:pt>
               </c:numCache>
             </c:numRef>
-          </c:yVal>
+          </c:val>
           <c:smooth val="0"/>
           <c:extLst>
             <c:ext xmlns:c16="http://schemas.microsoft.com/office/drawing/2014/chart" uri="{C3380CC4-5D6E-409C-BE32-E72D297353CC}">
-              <c16:uniqueId val="{00000000-3EEB-4435-9C76-A163EF6A73BC}"/>
+              <c16:uniqueId val="{00000000-1C59-4047-A041-4A0DA1E3D83C}"/>
             </c:ext>
           </c:extLst>
         </c:ser>
@@ -270,30 +1818,17 @@
           <c:showPercent val="0"/>
           <c:showBubbleSize val="0"/>
         </c:dLbls>
-        <c:axId val="447962016"/>
-        <c:axId val="447957096"/>
-      </c:scatterChart>
-      <c:valAx>
-        <c:axId val="447962016"/>
+        <c:smooth val="0"/>
+        <c:axId val="446608056"/>
+        <c:axId val="446604776"/>
+      </c:lineChart>
+      <c:catAx>
+        <c:axId val="446608056"/>
         <c:scaling>
           <c:orientation val="minMax"/>
         </c:scaling>
         <c:delete val="0"/>
         <c:axPos val="b"/>
-        <c:majorGridlines>
-          <c:spPr>
-            <a:ln w="9525" cap="flat" cmpd="sng" algn="ctr">
-              <a:solidFill>
-                <a:schemeClr val="tx1">
-                  <a:lumMod val="15000"/>
-                  <a:lumOff val="85000"/>
-                </a:schemeClr>
-              </a:solidFill>
-              <a:round/>
-            </a:ln>
-            <a:effectLst/>
-          </c:spPr>
-        </c:majorGridlines>
         <c:majorTickMark val="none"/>
         <c:minorTickMark val="none"/>
         <c:tickLblPos val="nextTo"/>
@@ -302,8 +1837,8 @@
           <a:ln w="9525" cap="flat" cmpd="sng" algn="ctr">
             <a:solidFill>
               <a:schemeClr val="tx1">
-                <a:lumMod val="25000"/>
-                <a:lumOff val="75000"/>
+                <a:lumMod val="15000"/>
+                <a:lumOff val="85000"/>
               </a:schemeClr>
             </a:solidFill>
             <a:round/>
@@ -330,12 +1865,15 @@
             <a:endParaRPr lang="ru-RU"/>
           </a:p>
         </c:txPr>
-        <c:crossAx val="447957096"/>
+        <c:crossAx val="446604776"/>
         <c:crosses val="autoZero"/>
-        <c:crossBetween val="midCat"/>
-      </c:valAx>
+        <c:auto val="1"/>
+        <c:lblAlgn val="ctr"/>
+        <c:lblOffset val="100"/>
+        <c:noMultiLvlLbl val="0"/>
+      </c:catAx>
       <c:valAx>
-        <c:axId val="447957096"/>
+        <c:axId val="446604776"/>
         <c:scaling>
           <c:orientation val="minMax"/>
         </c:scaling>
@@ -361,14 +1899,8 @@
         <c:tickLblPos val="nextTo"/>
         <c:spPr>
           <a:noFill/>
-          <a:ln w="9525" cap="flat" cmpd="sng" algn="ctr">
-            <a:solidFill>
-              <a:schemeClr val="tx1">
-                <a:lumMod val="25000"/>
-                <a:lumOff val="75000"/>
-              </a:schemeClr>
-            </a:solidFill>
-            <a:round/>
+          <a:ln>
+            <a:noFill/>
           </a:ln>
           <a:effectLst/>
         </c:spPr>
@@ -392,9 +1924,9 @@
             <a:endParaRPr lang="ru-RU"/>
           </a:p>
         </c:txPr>
-        <c:crossAx val="447962016"/>
+        <c:crossAx val="446608056"/>
         <c:crosses val="autoZero"/>
-        <c:crossBetween val="midCat"/>
+        <c:crossBetween val="between"/>
       </c:valAx>
       <c:spPr>
         <a:noFill/>
@@ -471,8 +2003,208 @@
 </cs:colorStyle>
 </file>
 
+<file path=ppt/charts/colors2.xml><?xml version="1.0" encoding="utf-8"?>
+<cs:colorStyle xmlns:cs="http://schemas.microsoft.com/office/drawing/2012/chartStyle" xmlns:a="http://schemas.openxmlformats.org/drawingml/2006/main" meth="cycle" id="10">
+  <a:schemeClr val="accent1"/>
+  <a:schemeClr val="accent2"/>
+  <a:schemeClr val="accent3"/>
+  <a:schemeClr val="accent4"/>
+  <a:schemeClr val="accent5"/>
+  <a:schemeClr val="accent6"/>
+  <cs:variation/>
+  <cs:variation>
+    <a:lumMod val="60000"/>
+  </cs:variation>
+  <cs:variation>
+    <a:lumMod val="80000"/>
+    <a:lumOff val="20000"/>
+  </cs:variation>
+  <cs:variation>
+    <a:lumMod val="80000"/>
+  </cs:variation>
+  <cs:variation>
+    <a:lumMod val="60000"/>
+    <a:lumOff val="40000"/>
+  </cs:variation>
+  <cs:variation>
+    <a:lumMod val="50000"/>
+  </cs:variation>
+  <cs:variation>
+    <a:lumMod val="70000"/>
+    <a:lumOff val="30000"/>
+  </cs:variation>
+  <cs:variation>
+    <a:lumMod val="70000"/>
+  </cs:variation>
+  <cs:variation>
+    <a:lumMod val="50000"/>
+    <a:lumOff val="50000"/>
+  </cs:variation>
+</cs:colorStyle>
+</file>
+
+<file path=ppt/charts/colors3.xml><?xml version="1.0" encoding="utf-8"?>
+<cs:colorStyle xmlns:cs="http://schemas.microsoft.com/office/drawing/2012/chartStyle" xmlns:a="http://schemas.openxmlformats.org/drawingml/2006/main" meth="cycle" id="10">
+  <a:schemeClr val="accent1"/>
+  <a:schemeClr val="accent2"/>
+  <a:schemeClr val="accent3"/>
+  <a:schemeClr val="accent4"/>
+  <a:schemeClr val="accent5"/>
+  <a:schemeClr val="accent6"/>
+  <cs:variation/>
+  <cs:variation>
+    <a:lumMod val="60000"/>
+  </cs:variation>
+  <cs:variation>
+    <a:lumMod val="80000"/>
+    <a:lumOff val="20000"/>
+  </cs:variation>
+  <cs:variation>
+    <a:lumMod val="80000"/>
+  </cs:variation>
+  <cs:variation>
+    <a:lumMod val="60000"/>
+    <a:lumOff val="40000"/>
+  </cs:variation>
+  <cs:variation>
+    <a:lumMod val="50000"/>
+  </cs:variation>
+  <cs:variation>
+    <a:lumMod val="70000"/>
+    <a:lumOff val="30000"/>
+  </cs:variation>
+  <cs:variation>
+    <a:lumMod val="70000"/>
+  </cs:variation>
+  <cs:variation>
+    <a:lumMod val="50000"/>
+    <a:lumOff val="50000"/>
+  </cs:variation>
+</cs:colorStyle>
+</file>
+
+<file path=ppt/charts/colors4.xml><?xml version="1.0" encoding="utf-8"?>
+<cs:colorStyle xmlns:cs="http://schemas.microsoft.com/office/drawing/2012/chartStyle" xmlns:a="http://schemas.openxmlformats.org/drawingml/2006/main" meth="cycle" id="10">
+  <a:schemeClr val="accent1"/>
+  <a:schemeClr val="accent2"/>
+  <a:schemeClr val="accent3"/>
+  <a:schemeClr val="accent4"/>
+  <a:schemeClr val="accent5"/>
+  <a:schemeClr val="accent6"/>
+  <cs:variation/>
+  <cs:variation>
+    <a:lumMod val="60000"/>
+  </cs:variation>
+  <cs:variation>
+    <a:lumMod val="80000"/>
+    <a:lumOff val="20000"/>
+  </cs:variation>
+  <cs:variation>
+    <a:lumMod val="80000"/>
+  </cs:variation>
+  <cs:variation>
+    <a:lumMod val="60000"/>
+    <a:lumOff val="40000"/>
+  </cs:variation>
+  <cs:variation>
+    <a:lumMod val="50000"/>
+  </cs:variation>
+  <cs:variation>
+    <a:lumMod val="70000"/>
+    <a:lumOff val="30000"/>
+  </cs:variation>
+  <cs:variation>
+    <a:lumMod val="70000"/>
+  </cs:variation>
+  <cs:variation>
+    <a:lumMod val="50000"/>
+    <a:lumOff val="50000"/>
+  </cs:variation>
+</cs:colorStyle>
+</file>
+
+<file path=ppt/charts/colors5.xml><?xml version="1.0" encoding="utf-8"?>
+<cs:colorStyle xmlns:cs="http://schemas.microsoft.com/office/drawing/2012/chartStyle" xmlns:a="http://schemas.openxmlformats.org/drawingml/2006/main" meth="cycle" id="10">
+  <a:schemeClr val="accent1"/>
+  <a:schemeClr val="accent2"/>
+  <a:schemeClr val="accent3"/>
+  <a:schemeClr val="accent4"/>
+  <a:schemeClr val="accent5"/>
+  <a:schemeClr val="accent6"/>
+  <cs:variation/>
+  <cs:variation>
+    <a:lumMod val="60000"/>
+  </cs:variation>
+  <cs:variation>
+    <a:lumMod val="80000"/>
+    <a:lumOff val="20000"/>
+  </cs:variation>
+  <cs:variation>
+    <a:lumMod val="80000"/>
+  </cs:variation>
+  <cs:variation>
+    <a:lumMod val="60000"/>
+    <a:lumOff val="40000"/>
+  </cs:variation>
+  <cs:variation>
+    <a:lumMod val="50000"/>
+  </cs:variation>
+  <cs:variation>
+    <a:lumMod val="70000"/>
+    <a:lumOff val="30000"/>
+  </cs:variation>
+  <cs:variation>
+    <a:lumMod val="70000"/>
+  </cs:variation>
+  <cs:variation>
+    <a:lumMod val="50000"/>
+    <a:lumOff val="50000"/>
+  </cs:variation>
+</cs:colorStyle>
+</file>
+
+<file path=ppt/charts/colors6.xml><?xml version="1.0" encoding="utf-8"?>
+<cs:colorStyle xmlns:cs="http://schemas.microsoft.com/office/drawing/2012/chartStyle" xmlns:a="http://schemas.openxmlformats.org/drawingml/2006/main" meth="cycle" id="10">
+  <a:schemeClr val="accent1"/>
+  <a:schemeClr val="accent2"/>
+  <a:schemeClr val="accent3"/>
+  <a:schemeClr val="accent4"/>
+  <a:schemeClr val="accent5"/>
+  <a:schemeClr val="accent6"/>
+  <cs:variation/>
+  <cs:variation>
+    <a:lumMod val="60000"/>
+  </cs:variation>
+  <cs:variation>
+    <a:lumMod val="80000"/>
+    <a:lumOff val="20000"/>
+  </cs:variation>
+  <cs:variation>
+    <a:lumMod val="80000"/>
+  </cs:variation>
+  <cs:variation>
+    <a:lumMod val="60000"/>
+    <a:lumOff val="40000"/>
+  </cs:variation>
+  <cs:variation>
+    <a:lumMod val="50000"/>
+  </cs:variation>
+  <cs:variation>
+    <a:lumMod val="70000"/>
+    <a:lumOff val="30000"/>
+  </cs:variation>
+  <cs:variation>
+    <a:lumMod val="70000"/>
+  </cs:variation>
+  <cs:variation>
+    <a:lumMod val="50000"/>
+    <a:lumOff val="50000"/>
+  </cs:variation>
+</cs:colorStyle>
+</file>
+
 <file path=ppt/charts/style1.xml><?xml version="1.0" encoding="utf-8"?>
-<cs:chartStyle xmlns:cs="http://schemas.microsoft.com/office/drawing/2012/chartStyle" xmlns:a="http://schemas.openxmlformats.org/drawingml/2006/main" id="240">
+<cs:chartStyle xmlns:cs="http://schemas.microsoft.com/office/drawing/2012/chartStyle" xmlns:a="http://schemas.openxmlformats.org/drawingml/2006/main" id="251">
   <cs:axisTitle>
     <cs:lnRef idx="0"/>
     <cs:fillRef idx="0"/>
@@ -499,8 +2231,8 @@
       <a:ln w="9525" cap="flat" cmpd="sng" algn="ctr">
         <a:solidFill>
           <a:schemeClr val="tx1">
-            <a:lumMod val="25000"/>
-            <a:lumOff val="75000"/>
+            <a:lumMod val="15000"/>
+            <a:lumOff val="85000"/>
           </a:schemeClr>
         </a:solidFill>
         <a:round/>
@@ -529,7 +2261,7 @@
         <a:round/>
       </a:ln>
     </cs:spPr>
-    <cs:defRPr sz="1000" kern="1200"/>
+    <cs:defRPr sz="900" kern="1200"/>
   </cs:chartArea>
   <cs:dataLabel>
     <cs:lnRef idx="0"/>
@@ -580,6 +2312,13 @@
     <cs:fontRef idx="minor">
       <a:schemeClr val="tx1"/>
     </cs:fontRef>
+    <cs:spPr>
+      <a:ln w="19050">
+        <a:solidFill>
+          <a:schemeClr val="lt1"/>
+        </a:solidFill>
+      </a:ln>
+    </cs:spPr>
   </cs:dataPoint>
   <cs:dataPoint3D>
     <cs:lnRef idx="0"/>
@@ -590,18 +2329,25 @@
     <cs:fontRef idx="minor">
       <a:schemeClr val="tx1"/>
     </cs:fontRef>
+    <cs:spPr>
+      <a:ln w="25400">
+        <a:solidFill>
+          <a:schemeClr val="lt1"/>
+        </a:solidFill>
+      </a:ln>
+    </cs:spPr>
   </cs:dataPoint3D>
   <cs:dataPointLine>
     <cs:lnRef idx="0">
       <cs:styleClr val="auto"/>
     </cs:lnRef>
-    <cs:fillRef idx="1"/>
+    <cs:fillRef idx="0"/>
     <cs:effectRef idx="0"/>
     <cs:fontRef idx="minor">
       <a:schemeClr val="tx1"/>
     </cs:fontRef>
     <cs:spPr>
-      <a:ln w="19050" cap="rnd">
+      <a:ln w="28575" cap="rnd">
         <a:solidFill>
           <a:schemeClr val="phClr"/>
         </a:solidFill>
@@ -636,7 +2382,7 @@
     <cs:fillRef idx="0"/>
     <cs:effectRef idx="0"/>
     <cs:fontRef idx="minor">
-      <a:schemeClr val="dk1"/>
+      <a:schemeClr val="tx1"/>
     </cs:fontRef>
     <cs:spPr>
       <a:ln w="9525" cap="rnd">
@@ -957,17 +2703,2608 @@
         <a:lumOff val="35000"/>
       </a:schemeClr>
     </cs:fontRef>
+    <cs:defRPr sz="900" kern="1200"/>
+  </cs:valueAxis>
+  <cs:wall>
+    <cs:lnRef idx="0"/>
+    <cs:fillRef idx="0"/>
+    <cs:effectRef idx="0"/>
+    <cs:fontRef idx="minor">
+      <a:schemeClr val="tx1"/>
+    </cs:fontRef>
+    <cs:spPr>
+      <a:noFill/>
+      <a:ln>
+        <a:noFill/>
+      </a:ln>
+    </cs:spPr>
+  </cs:wall>
+</cs:chartStyle>
+</file>
+
+<file path=ppt/charts/style2.xml><?xml version="1.0" encoding="utf-8"?>
+<cs:chartStyle xmlns:cs="http://schemas.microsoft.com/office/drawing/2012/chartStyle" xmlns:a="http://schemas.openxmlformats.org/drawingml/2006/main" id="297">
+  <cs:axisTitle>
+    <cs:lnRef idx="0"/>
+    <cs:fillRef idx="0"/>
+    <cs:effectRef idx="0"/>
+    <cs:fontRef idx="minor">
+      <a:schemeClr val="tx1">
+        <a:lumMod val="65000"/>
+        <a:lumOff val="35000"/>
+      </a:schemeClr>
+    </cs:fontRef>
+    <cs:defRPr sz="1000" kern="1200"/>
+  </cs:axisTitle>
+  <cs:categoryAxis>
+    <cs:lnRef idx="0"/>
+    <cs:fillRef idx="0"/>
+    <cs:effectRef idx="0"/>
+    <cs:fontRef idx="minor">
+      <a:schemeClr val="tx1">
+        <a:lumMod val="65000"/>
+        <a:lumOff val="35000"/>
+      </a:schemeClr>
+    </cs:fontRef>
     <cs:spPr>
       <a:ln w="9525" cap="flat" cmpd="sng" algn="ctr">
         <a:solidFill>
           <a:schemeClr val="tx1">
+            <a:lumMod val="15000"/>
+            <a:lumOff val="85000"/>
+          </a:schemeClr>
+        </a:solidFill>
+        <a:round/>
+      </a:ln>
+    </cs:spPr>
+    <cs:defRPr sz="900" kern="1200"/>
+  </cs:categoryAxis>
+  <cs:chartArea mods="allowNoFillOverride allowNoLineOverride">
+    <cs:lnRef idx="0"/>
+    <cs:fillRef idx="0"/>
+    <cs:effectRef idx="0"/>
+    <cs:fontRef idx="minor">
+      <a:schemeClr val="tx1"/>
+    </cs:fontRef>
+    <cs:spPr>
+      <a:solidFill>
+        <a:schemeClr val="bg1"/>
+      </a:solidFill>
+      <a:ln w="9525" cap="flat" cmpd="sng" algn="ctr">
+        <a:solidFill>
+          <a:schemeClr val="tx1">
+            <a:lumMod val="15000"/>
+            <a:lumOff val="85000"/>
+          </a:schemeClr>
+        </a:solidFill>
+        <a:round/>
+      </a:ln>
+    </cs:spPr>
+    <cs:defRPr sz="1000" kern="1200"/>
+  </cs:chartArea>
+  <cs:dataLabel>
+    <cs:lnRef idx="0"/>
+    <cs:fillRef idx="0"/>
+    <cs:effectRef idx="0"/>
+    <cs:fontRef idx="minor">
+      <a:schemeClr val="tx1">
+        <a:lumMod val="75000"/>
+        <a:lumOff val="25000"/>
+      </a:schemeClr>
+    </cs:fontRef>
+    <cs:defRPr sz="900" kern="1200"/>
+  </cs:dataLabel>
+  <cs:dataLabelCallout>
+    <cs:lnRef idx="0"/>
+    <cs:fillRef idx="0"/>
+    <cs:effectRef idx="0"/>
+    <cs:fontRef idx="minor">
+      <a:schemeClr val="dk1">
+        <a:lumMod val="65000"/>
+        <a:lumOff val="35000"/>
+      </a:schemeClr>
+    </cs:fontRef>
+    <cs:spPr>
+      <a:solidFill>
+        <a:schemeClr val="lt1"/>
+      </a:solidFill>
+      <a:ln>
+        <a:solidFill>
+          <a:schemeClr val="dk1">
             <a:lumMod val="25000"/>
             <a:lumOff val="75000"/>
           </a:schemeClr>
         </a:solidFill>
+      </a:ln>
+    </cs:spPr>
+    <cs:defRPr sz="900" kern="1200"/>
+    <cs:bodyPr rot="0" spcFirstLastPara="1" vertOverflow="clip" horzOverflow="clip" vert="horz" wrap="square" lIns="36576" tIns="18288" rIns="36576" bIns="18288" anchor="ctr" anchorCtr="1">
+      <a:spAutoFit/>
+    </cs:bodyPr>
+  </cs:dataLabelCallout>
+  <cs:dataPoint>
+    <cs:lnRef idx="0"/>
+    <cs:fillRef idx="1">
+      <cs:styleClr val="auto"/>
+    </cs:fillRef>
+    <cs:effectRef idx="0"/>
+    <cs:fontRef idx="minor">
+      <a:schemeClr val="tx1"/>
+    </cs:fontRef>
+  </cs:dataPoint>
+  <cs:dataPoint3D>
+    <cs:lnRef idx="0"/>
+    <cs:fillRef idx="1">
+      <cs:styleClr val="auto"/>
+    </cs:fillRef>
+    <cs:effectRef idx="0"/>
+    <cs:fontRef idx="minor">
+      <a:schemeClr val="tx1"/>
+    </cs:fontRef>
+  </cs:dataPoint3D>
+  <cs:dataPointLine>
+    <cs:lnRef idx="0">
+      <cs:styleClr val="auto"/>
+    </cs:lnRef>
+    <cs:fillRef idx="1"/>
+    <cs:effectRef idx="0"/>
+    <cs:fontRef idx="minor">
+      <a:schemeClr val="tx1"/>
+    </cs:fontRef>
+    <cs:spPr>
+      <a:ln w="28575" cap="rnd">
+        <a:solidFill>
+          <a:schemeClr val="phClr"/>
+        </a:solidFill>
         <a:round/>
       </a:ln>
     </cs:spPr>
+  </cs:dataPointLine>
+  <cs:dataPointMarker>
+    <cs:lnRef idx="0">
+      <cs:styleClr val="auto"/>
+    </cs:lnRef>
+    <cs:fillRef idx="1">
+      <cs:styleClr val="auto"/>
+    </cs:fillRef>
+    <cs:effectRef idx="0"/>
+    <cs:fontRef idx="minor">
+      <a:schemeClr val="tx1"/>
+    </cs:fontRef>
+    <cs:spPr>
+      <a:ln w="9525">
+        <a:solidFill>
+          <a:schemeClr val="phClr"/>
+        </a:solidFill>
+      </a:ln>
+    </cs:spPr>
+  </cs:dataPointMarker>
+  <cs:dataPointMarkerLayout symbol="circle" size="5"/>
+  <cs:dataPointWireframe>
+    <cs:lnRef idx="0">
+      <cs:styleClr val="auto"/>
+    </cs:lnRef>
+    <cs:fillRef idx="1"/>
+    <cs:effectRef idx="0"/>
+    <cs:fontRef idx="minor">
+      <a:schemeClr val="tx1"/>
+    </cs:fontRef>
+    <cs:spPr>
+      <a:ln w="9525" cap="rnd">
+        <a:solidFill>
+          <a:schemeClr val="phClr"/>
+        </a:solidFill>
+        <a:round/>
+      </a:ln>
+    </cs:spPr>
+  </cs:dataPointWireframe>
+  <cs:dataTable>
+    <cs:lnRef idx="0"/>
+    <cs:fillRef idx="0"/>
+    <cs:effectRef idx="0"/>
+    <cs:fontRef idx="minor">
+      <a:schemeClr val="tx1">
+        <a:lumMod val="65000"/>
+        <a:lumOff val="35000"/>
+      </a:schemeClr>
+    </cs:fontRef>
+    <cs:spPr>
+      <a:noFill/>
+      <a:ln w="9525" cap="flat" cmpd="sng" algn="ctr">
+        <a:solidFill>
+          <a:schemeClr val="tx1">
+            <a:lumMod val="15000"/>
+            <a:lumOff val="85000"/>
+          </a:schemeClr>
+        </a:solidFill>
+        <a:round/>
+      </a:ln>
+    </cs:spPr>
+    <cs:defRPr sz="900" kern="1200"/>
+  </cs:dataTable>
+  <cs:downBar>
+    <cs:lnRef idx="0"/>
+    <cs:fillRef idx="0"/>
+    <cs:effectRef idx="0"/>
+    <cs:fontRef idx="minor">
+      <a:schemeClr val="tx1"/>
+    </cs:fontRef>
+    <cs:spPr>
+      <a:solidFill>
+        <a:schemeClr val="dk1">
+          <a:lumMod val="75000"/>
+          <a:lumOff val="25000"/>
+        </a:schemeClr>
+      </a:solidFill>
+      <a:ln w="9525" cap="flat" cmpd="sng" algn="ctr">
+        <a:solidFill>
+          <a:schemeClr val="tx1">
+            <a:lumMod val="65000"/>
+            <a:lumOff val="35000"/>
+          </a:schemeClr>
+        </a:solidFill>
+        <a:round/>
+      </a:ln>
+    </cs:spPr>
+  </cs:downBar>
+  <cs:dropLine>
+    <cs:lnRef idx="0"/>
+    <cs:fillRef idx="0"/>
+    <cs:effectRef idx="0"/>
+    <cs:fontRef idx="minor">
+      <a:schemeClr val="tx1"/>
+    </cs:fontRef>
+    <cs:spPr>
+      <a:ln w="9525" cap="flat" cmpd="sng" algn="ctr">
+        <a:solidFill>
+          <a:schemeClr val="tx1">
+            <a:lumMod val="35000"/>
+            <a:lumOff val="65000"/>
+          </a:schemeClr>
+        </a:solidFill>
+        <a:round/>
+      </a:ln>
+    </cs:spPr>
+  </cs:dropLine>
+  <cs:errorBar>
+    <cs:lnRef idx="0"/>
+    <cs:fillRef idx="0"/>
+    <cs:effectRef idx="0"/>
+    <cs:fontRef idx="minor">
+      <a:schemeClr val="tx1"/>
+    </cs:fontRef>
+    <cs:spPr>
+      <a:ln w="9525" cap="flat" cmpd="sng" algn="ctr">
+        <a:solidFill>
+          <a:schemeClr val="tx1">
+            <a:lumMod val="65000"/>
+            <a:lumOff val="35000"/>
+          </a:schemeClr>
+        </a:solidFill>
+        <a:round/>
+      </a:ln>
+    </cs:spPr>
+  </cs:errorBar>
+  <cs:floor>
+    <cs:lnRef idx="0"/>
+    <cs:fillRef idx="0"/>
+    <cs:effectRef idx="0"/>
+    <cs:fontRef idx="minor">
+      <a:schemeClr val="tx1"/>
+    </cs:fontRef>
+    <cs:spPr>
+      <a:noFill/>
+      <a:ln>
+        <a:noFill/>
+      </a:ln>
+    </cs:spPr>
+  </cs:floor>
+  <cs:gridlineMajor>
+    <cs:lnRef idx="0"/>
+    <cs:fillRef idx="0"/>
+    <cs:effectRef idx="0"/>
+    <cs:fontRef idx="minor">
+      <a:schemeClr val="tx1"/>
+    </cs:fontRef>
+    <cs:spPr>
+      <a:ln w="9525" cap="flat" cmpd="sng" algn="ctr">
+        <a:solidFill>
+          <a:schemeClr val="tx1">
+            <a:lumMod val="15000"/>
+            <a:lumOff val="85000"/>
+          </a:schemeClr>
+        </a:solidFill>
+        <a:round/>
+      </a:ln>
+    </cs:spPr>
+  </cs:gridlineMajor>
+  <cs:gridlineMinor>
+    <cs:lnRef idx="0"/>
+    <cs:fillRef idx="0"/>
+    <cs:effectRef idx="0"/>
+    <cs:fontRef idx="minor">
+      <a:schemeClr val="tx1"/>
+    </cs:fontRef>
+    <cs:spPr>
+      <a:ln w="9525" cap="flat" cmpd="sng" algn="ctr">
+        <a:solidFill>
+          <a:schemeClr val="tx1">
+            <a:lumMod val="5000"/>
+            <a:lumOff val="95000"/>
+          </a:schemeClr>
+        </a:solidFill>
+        <a:round/>
+      </a:ln>
+    </cs:spPr>
+  </cs:gridlineMinor>
+  <cs:hiLoLine>
+    <cs:lnRef idx="0"/>
+    <cs:fillRef idx="0"/>
+    <cs:effectRef idx="0"/>
+    <cs:fontRef idx="minor">
+      <a:schemeClr val="tx1"/>
+    </cs:fontRef>
+    <cs:spPr>
+      <a:ln w="9525" cap="flat" cmpd="sng" algn="ctr">
+        <a:solidFill>
+          <a:schemeClr val="tx1">
+            <a:lumMod val="50000"/>
+            <a:lumOff val="50000"/>
+          </a:schemeClr>
+        </a:solidFill>
+        <a:round/>
+      </a:ln>
+    </cs:spPr>
+  </cs:hiLoLine>
+  <cs:leaderLine>
+    <cs:lnRef idx="0"/>
+    <cs:fillRef idx="0"/>
+    <cs:effectRef idx="0"/>
+    <cs:fontRef idx="minor">
+      <a:schemeClr val="tx1"/>
+    </cs:fontRef>
+    <cs:spPr>
+      <a:ln w="9525" cap="flat" cmpd="sng" algn="ctr">
+        <a:solidFill>
+          <a:schemeClr val="tx1">
+            <a:lumMod val="35000"/>
+            <a:lumOff val="65000"/>
+          </a:schemeClr>
+        </a:solidFill>
+        <a:round/>
+      </a:ln>
+    </cs:spPr>
+  </cs:leaderLine>
+  <cs:legend>
+    <cs:lnRef idx="0"/>
+    <cs:fillRef idx="0"/>
+    <cs:effectRef idx="0"/>
+    <cs:fontRef idx="minor">
+      <a:schemeClr val="tx1">
+        <a:lumMod val="65000"/>
+        <a:lumOff val="35000"/>
+      </a:schemeClr>
+    </cs:fontRef>
+    <cs:defRPr sz="900" kern="1200"/>
+  </cs:legend>
+  <cs:plotArea mods="allowNoFillOverride allowNoLineOverride">
+    <cs:lnRef idx="0"/>
+    <cs:fillRef idx="0"/>
+    <cs:effectRef idx="0"/>
+    <cs:fontRef idx="minor">
+      <a:schemeClr val="tx1"/>
+    </cs:fontRef>
+  </cs:plotArea>
+  <cs:plotArea3D mods="allowNoFillOverride allowNoLineOverride">
+    <cs:lnRef idx="0"/>
+    <cs:fillRef idx="0"/>
+    <cs:effectRef idx="0"/>
+    <cs:fontRef idx="minor">
+      <a:schemeClr val="tx1"/>
+    </cs:fontRef>
+  </cs:plotArea3D>
+  <cs:seriesAxis>
+    <cs:lnRef idx="0"/>
+    <cs:fillRef idx="0"/>
+    <cs:effectRef idx="0"/>
+    <cs:fontRef idx="minor">
+      <a:schemeClr val="tx1">
+        <a:lumMod val="65000"/>
+        <a:lumOff val="35000"/>
+      </a:schemeClr>
+    </cs:fontRef>
+    <cs:defRPr sz="900" kern="1200"/>
+  </cs:seriesAxis>
+  <cs:seriesLine>
+    <cs:lnRef idx="0"/>
+    <cs:fillRef idx="0"/>
+    <cs:effectRef idx="0"/>
+    <cs:fontRef idx="minor">
+      <a:schemeClr val="tx1"/>
+    </cs:fontRef>
+    <cs:spPr>
+      <a:ln w="9525" cap="flat" cmpd="sng" algn="ctr">
+        <a:solidFill>
+          <a:schemeClr val="tx1">
+            <a:lumMod val="35000"/>
+            <a:lumOff val="65000"/>
+          </a:schemeClr>
+        </a:solidFill>
+        <a:round/>
+      </a:ln>
+    </cs:spPr>
+  </cs:seriesLine>
+  <cs:title>
+    <cs:lnRef idx="0"/>
+    <cs:fillRef idx="0"/>
+    <cs:effectRef idx="0"/>
+    <cs:fontRef idx="minor">
+      <a:schemeClr val="tx1">
+        <a:lumMod val="65000"/>
+        <a:lumOff val="35000"/>
+      </a:schemeClr>
+    </cs:fontRef>
+    <cs:defRPr sz="1400" b="0" kern="1200" spc="0" baseline="0"/>
+  </cs:title>
+  <cs:trendline>
+    <cs:lnRef idx="0">
+      <cs:styleClr val="auto"/>
+    </cs:lnRef>
+    <cs:fillRef idx="0"/>
+    <cs:effectRef idx="0"/>
+    <cs:fontRef idx="minor">
+      <a:schemeClr val="tx1"/>
+    </cs:fontRef>
+    <cs:spPr>
+      <a:ln w="19050" cap="rnd">
+        <a:solidFill>
+          <a:schemeClr val="phClr"/>
+        </a:solidFill>
+        <a:prstDash val="sysDot"/>
+      </a:ln>
+    </cs:spPr>
+  </cs:trendline>
+  <cs:trendlineLabel>
+    <cs:lnRef idx="0"/>
+    <cs:fillRef idx="0"/>
+    <cs:effectRef idx="0"/>
+    <cs:fontRef idx="minor">
+      <a:schemeClr val="tx1">
+        <a:lumMod val="65000"/>
+        <a:lumOff val="35000"/>
+      </a:schemeClr>
+    </cs:fontRef>
+    <cs:defRPr sz="900" kern="1200"/>
+  </cs:trendlineLabel>
+  <cs:upBar>
+    <cs:lnRef idx="0"/>
+    <cs:fillRef idx="0"/>
+    <cs:effectRef idx="0"/>
+    <cs:fontRef idx="minor">
+      <a:schemeClr val="tx1"/>
+    </cs:fontRef>
+    <cs:spPr>
+      <a:solidFill>
+        <a:schemeClr val="lt1"/>
+      </a:solidFill>
+      <a:ln w="9525" cap="flat" cmpd="sng" algn="ctr">
+        <a:solidFill>
+          <a:schemeClr val="tx1">
+            <a:lumMod val="65000"/>
+            <a:lumOff val="35000"/>
+          </a:schemeClr>
+        </a:solidFill>
+        <a:round/>
+      </a:ln>
+    </cs:spPr>
+  </cs:upBar>
+  <cs:valueAxis>
+    <cs:lnRef idx="0"/>
+    <cs:fillRef idx="0"/>
+    <cs:effectRef idx="0"/>
+    <cs:fontRef idx="minor">
+      <a:schemeClr val="tx1">
+        <a:lumMod val="65000"/>
+        <a:lumOff val="35000"/>
+      </a:schemeClr>
+    </cs:fontRef>
+    <cs:defRPr sz="900" kern="1200"/>
+  </cs:valueAxis>
+  <cs:wall>
+    <cs:lnRef idx="0"/>
+    <cs:fillRef idx="0"/>
+    <cs:effectRef idx="0"/>
+    <cs:fontRef idx="minor">
+      <a:schemeClr val="tx1"/>
+    </cs:fontRef>
+    <cs:spPr>
+      <a:noFill/>
+      <a:ln>
+        <a:noFill/>
+      </a:ln>
+    </cs:spPr>
+  </cs:wall>
+</cs:chartStyle>
+</file>
+
+<file path=ppt/charts/style3.xml><?xml version="1.0" encoding="utf-8"?>
+<cs:chartStyle xmlns:cs="http://schemas.microsoft.com/office/drawing/2012/chartStyle" xmlns:a="http://schemas.openxmlformats.org/drawingml/2006/main" id="251">
+  <cs:axisTitle>
+    <cs:lnRef idx="0"/>
+    <cs:fillRef idx="0"/>
+    <cs:effectRef idx="0"/>
+    <cs:fontRef idx="minor">
+      <a:schemeClr val="tx1">
+        <a:lumMod val="65000"/>
+        <a:lumOff val="35000"/>
+      </a:schemeClr>
+    </cs:fontRef>
+    <cs:defRPr sz="1000" kern="1200"/>
+  </cs:axisTitle>
+  <cs:categoryAxis>
+    <cs:lnRef idx="0"/>
+    <cs:fillRef idx="0"/>
+    <cs:effectRef idx="0"/>
+    <cs:fontRef idx="minor">
+      <a:schemeClr val="tx1">
+        <a:lumMod val="65000"/>
+        <a:lumOff val="35000"/>
+      </a:schemeClr>
+    </cs:fontRef>
+    <cs:spPr>
+      <a:ln w="9525" cap="flat" cmpd="sng" algn="ctr">
+        <a:solidFill>
+          <a:schemeClr val="tx1">
+            <a:lumMod val="15000"/>
+            <a:lumOff val="85000"/>
+          </a:schemeClr>
+        </a:solidFill>
+        <a:round/>
+      </a:ln>
+    </cs:spPr>
+    <cs:defRPr sz="900" kern="1200"/>
+  </cs:categoryAxis>
+  <cs:chartArea mods="allowNoFillOverride allowNoLineOverride">
+    <cs:lnRef idx="0"/>
+    <cs:fillRef idx="0"/>
+    <cs:effectRef idx="0"/>
+    <cs:fontRef idx="minor">
+      <a:schemeClr val="tx1"/>
+    </cs:fontRef>
+    <cs:spPr>
+      <a:solidFill>
+        <a:schemeClr val="bg1"/>
+      </a:solidFill>
+      <a:ln w="9525" cap="flat" cmpd="sng" algn="ctr">
+        <a:solidFill>
+          <a:schemeClr val="tx1">
+            <a:lumMod val="15000"/>
+            <a:lumOff val="85000"/>
+          </a:schemeClr>
+        </a:solidFill>
+        <a:round/>
+      </a:ln>
+    </cs:spPr>
+    <cs:defRPr sz="900" kern="1200"/>
+  </cs:chartArea>
+  <cs:dataLabel>
+    <cs:lnRef idx="0"/>
+    <cs:fillRef idx="0"/>
+    <cs:effectRef idx="0"/>
+    <cs:fontRef idx="minor">
+      <a:schemeClr val="tx1">
+        <a:lumMod val="75000"/>
+        <a:lumOff val="25000"/>
+      </a:schemeClr>
+    </cs:fontRef>
+    <cs:defRPr sz="900" kern="1200"/>
+  </cs:dataLabel>
+  <cs:dataLabelCallout>
+    <cs:lnRef idx="0"/>
+    <cs:fillRef idx="0"/>
+    <cs:effectRef idx="0"/>
+    <cs:fontRef idx="minor">
+      <a:schemeClr val="dk1">
+        <a:lumMod val="65000"/>
+        <a:lumOff val="35000"/>
+      </a:schemeClr>
+    </cs:fontRef>
+    <cs:spPr>
+      <a:solidFill>
+        <a:schemeClr val="lt1"/>
+      </a:solidFill>
+      <a:ln>
+        <a:solidFill>
+          <a:schemeClr val="dk1">
+            <a:lumMod val="25000"/>
+            <a:lumOff val="75000"/>
+          </a:schemeClr>
+        </a:solidFill>
+      </a:ln>
+    </cs:spPr>
+    <cs:defRPr sz="900" kern="1200"/>
+    <cs:bodyPr rot="0" spcFirstLastPara="1" vertOverflow="clip" horzOverflow="clip" vert="horz" wrap="square" lIns="36576" tIns="18288" rIns="36576" bIns="18288" anchor="ctr" anchorCtr="1">
+      <a:spAutoFit/>
+    </cs:bodyPr>
+  </cs:dataLabelCallout>
+  <cs:dataPoint>
+    <cs:lnRef idx="0"/>
+    <cs:fillRef idx="1">
+      <cs:styleClr val="auto"/>
+    </cs:fillRef>
+    <cs:effectRef idx="0"/>
+    <cs:fontRef idx="minor">
+      <a:schemeClr val="tx1"/>
+    </cs:fontRef>
+    <cs:spPr>
+      <a:ln w="19050">
+        <a:solidFill>
+          <a:schemeClr val="lt1"/>
+        </a:solidFill>
+      </a:ln>
+    </cs:spPr>
+  </cs:dataPoint>
+  <cs:dataPoint3D>
+    <cs:lnRef idx="0"/>
+    <cs:fillRef idx="1">
+      <cs:styleClr val="auto"/>
+    </cs:fillRef>
+    <cs:effectRef idx="0"/>
+    <cs:fontRef idx="minor">
+      <a:schemeClr val="tx1"/>
+    </cs:fontRef>
+    <cs:spPr>
+      <a:ln w="25400">
+        <a:solidFill>
+          <a:schemeClr val="lt1"/>
+        </a:solidFill>
+      </a:ln>
+    </cs:spPr>
+  </cs:dataPoint3D>
+  <cs:dataPointLine>
+    <cs:lnRef idx="0">
+      <cs:styleClr val="auto"/>
+    </cs:lnRef>
+    <cs:fillRef idx="0"/>
+    <cs:effectRef idx="0"/>
+    <cs:fontRef idx="minor">
+      <a:schemeClr val="tx1"/>
+    </cs:fontRef>
+    <cs:spPr>
+      <a:ln w="28575" cap="rnd">
+        <a:solidFill>
+          <a:schemeClr val="phClr"/>
+        </a:solidFill>
+        <a:round/>
+      </a:ln>
+    </cs:spPr>
+  </cs:dataPointLine>
+  <cs:dataPointMarker>
+    <cs:lnRef idx="0">
+      <cs:styleClr val="auto"/>
+    </cs:lnRef>
+    <cs:fillRef idx="1">
+      <cs:styleClr val="auto"/>
+    </cs:fillRef>
+    <cs:effectRef idx="0"/>
+    <cs:fontRef idx="minor">
+      <a:schemeClr val="tx1"/>
+    </cs:fontRef>
+    <cs:spPr>
+      <a:ln w="9525">
+        <a:solidFill>
+          <a:schemeClr val="phClr"/>
+        </a:solidFill>
+      </a:ln>
+    </cs:spPr>
+  </cs:dataPointMarker>
+  <cs:dataPointMarkerLayout symbol="circle" size="5"/>
+  <cs:dataPointWireframe>
+    <cs:lnRef idx="0">
+      <cs:styleClr val="auto"/>
+    </cs:lnRef>
+    <cs:fillRef idx="0"/>
+    <cs:effectRef idx="0"/>
+    <cs:fontRef idx="minor">
+      <a:schemeClr val="tx1"/>
+    </cs:fontRef>
+    <cs:spPr>
+      <a:ln w="9525" cap="rnd">
+        <a:solidFill>
+          <a:schemeClr val="phClr"/>
+        </a:solidFill>
+        <a:round/>
+      </a:ln>
+    </cs:spPr>
+  </cs:dataPointWireframe>
+  <cs:dataTable>
+    <cs:lnRef idx="0"/>
+    <cs:fillRef idx="0"/>
+    <cs:effectRef idx="0"/>
+    <cs:fontRef idx="minor">
+      <a:schemeClr val="tx1">
+        <a:lumMod val="65000"/>
+        <a:lumOff val="35000"/>
+      </a:schemeClr>
+    </cs:fontRef>
+    <cs:spPr>
+      <a:noFill/>
+      <a:ln w="9525" cap="flat" cmpd="sng" algn="ctr">
+        <a:solidFill>
+          <a:schemeClr val="tx1">
+            <a:lumMod val="15000"/>
+            <a:lumOff val="85000"/>
+          </a:schemeClr>
+        </a:solidFill>
+        <a:round/>
+      </a:ln>
+    </cs:spPr>
+    <cs:defRPr sz="900" kern="1200"/>
+  </cs:dataTable>
+  <cs:downBar>
+    <cs:lnRef idx="0"/>
+    <cs:fillRef idx="0"/>
+    <cs:effectRef idx="0"/>
+    <cs:fontRef idx="minor">
+      <a:schemeClr val="tx1"/>
+    </cs:fontRef>
+    <cs:spPr>
+      <a:solidFill>
+        <a:schemeClr val="dk1">
+          <a:lumMod val="75000"/>
+          <a:lumOff val="25000"/>
+        </a:schemeClr>
+      </a:solidFill>
+      <a:ln w="9525" cap="flat" cmpd="sng" algn="ctr">
+        <a:solidFill>
+          <a:schemeClr val="tx1">
+            <a:lumMod val="65000"/>
+            <a:lumOff val="35000"/>
+          </a:schemeClr>
+        </a:solidFill>
+        <a:round/>
+      </a:ln>
+    </cs:spPr>
+  </cs:downBar>
+  <cs:dropLine>
+    <cs:lnRef idx="0"/>
+    <cs:fillRef idx="0"/>
+    <cs:effectRef idx="0"/>
+    <cs:fontRef idx="minor">
+      <a:schemeClr val="tx1"/>
+    </cs:fontRef>
+    <cs:spPr>
+      <a:ln w="9525" cap="flat" cmpd="sng" algn="ctr">
+        <a:solidFill>
+          <a:schemeClr val="tx1">
+            <a:lumMod val="35000"/>
+            <a:lumOff val="65000"/>
+          </a:schemeClr>
+        </a:solidFill>
+        <a:round/>
+      </a:ln>
+    </cs:spPr>
+  </cs:dropLine>
+  <cs:errorBar>
+    <cs:lnRef idx="0"/>
+    <cs:fillRef idx="0"/>
+    <cs:effectRef idx="0"/>
+    <cs:fontRef idx="minor">
+      <a:schemeClr val="tx1"/>
+    </cs:fontRef>
+    <cs:spPr>
+      <a:ln w="9525" cap="flat" cmpd="sng" algn="ctr">
+        <a:solidFill>
+          <a:schemeClr val="tx1">
+            <a:lumMod val="65000"/>
+            <a:lumOff val="35000"/>
+          </a:schemeClr>
+        </a:solidFill>
+        <a:round/>
+      </a:ln>
+    </cs:spPr>
+  </cs:errorBar>
+  <cs:floor>
+    <cs:lnRef idx="0"/>
+    <cs:fillRef idx="0"/>
+    <cs:effectRef idx="0"/>
+    <cs:fontRef idx="minor">
+      <a:schemeClr val="tx1"/>
+    </cs:fontRef>
+    <cs:spPr>
+      <a:noFill/>
+      <a:ln>
+        <a:noFill/>
+      </a:ln>
+    </cs:spPr>
+  </cs:floor>
+  <cs:gridlineMajor>
+    <cs:lnRef idx="0"/>
+    <cs:fillRef idx="0"/>
+    <cs:effectRef idx="0"/>
+    <cs:fontRef idx="minor">
+      <a:schemeClr val="tx1"/>
+    </cs:fontRef>
+    <cs:spPr>
+      <a:ln w="9525" cap="flat" cmpd="sng" algn="ctr">
+        <a:solidFill>
+          <a:schemeClr val="tx1">
+            <a:lumMod val="15000"/>
+            <a:lumOff val="85000"/>
+          </a:schemeClr>
+        </a:solidFill>
+        <a:round/>
+      </a:ln>
+    </cs:spPr>
+  </cs:gridlineMajor>
+  <cs:gridlineMinor>
+    <cs:lnRef idx="0"/>
+    <cs:fillRef idx="0"/>
+    <cs:effectRef idx="0"/>
+    <cs:fontRef idx="minor">
+      <a:schemeClr val="tx1"/>
+    </cs:fontRef>
+    <cs:spPr>
+      <a:ln w="9525" cap="flat" cmpd="sng" algn="ctr">
+        <a:solidFill>
+          <a:schemeClr val="tx1">
+            <a:lumMod val="5000"/>
+            <a:lumOff val="95000"/>
+          </a:schemeClr>
+        </a:solidFill>
+        <a:round/>
+      </a:ln>
+    </cs:spPr>
+  </cs:gridlineMinor>
+  <cs:hiLoLine>
+    <cs:lnRef idx="0"/>
+    <cs:fillRef idx="0"/>
+    <cs:effectRef idx="0"/>
+    <cs:fontRef idx="minor">
+      <a:schemeClr val="tx1"/>
+    </cs:fontRef>
+    <cs:spPr>
+      <a:ln w="9525" cap="flat" cmpd="sng" algn="ctr">
+        <a:solidFill>
+          <a:schemeClr val="tx1">
+            <a:lumMod val="50000"/>
+            <a:lumOff val="50000"/>
+          </a:schemeClr>
+        </a:solidFill>
+        <a:round/>
+      </a:ln>
+    </cs:spPr>
+  </cs:hiLoLine>
+  <cs:leaderLine>
+    <cs:lnRef idx="0"/>
+    <cs:fillRef idx="0"/>
+    <cs:effectRef idx="0"/>
+    <cs:fontRef idx="minor">
+      <a:schemeClr val="tx1"/>
+    </cs:fontRef>
+    <cs:spPr>
+      <a:ln w="9525" cap="flat" cmpd="sng" algn="ctr">
+        <a:solidFill>
+          <a:schemeClr val="tx1">
+            <a:lumMod val="35000"/>
+            <a:lumOff val="65000"/>
+          </a:schemeClr>
+        </a:solidFill>
+        <a:round/>
+      </a:ln>
+    </cs:spPr>
+  </cs:leaderLine>
+  <cs:legend>
+    <cs:lnRef idx="0"/>
+    <cs:fillRef idx="0"/>
+    <cs:effectRef idx="0"/>
+    <cs:fontRef idx="minor">
+      <a:schemeClr val="tx1">
+        <a:lumMod val="65000"/>
+        <a:lumOff val="35000"/>
+      </a:schemeClr>
+    </cs:fontRef>
+    <cs:defRPr sz="900" kern="1200"/>
+  </cs:legend>
+  <cs:plotArea mods="allowNoFillOverride allowNoLineOverride">
+    <cs:lnRef idx="0"/>
+    <cs:fillRef idx="0"/>
+    <cs:effectRef idx="0"/>
+    <cs:fontRef idx="minor">
+      <a:schemeClr val="tx1"/>
+    </cs:fontRef>
+  </cs:plotArea>
+  <cs:plotArea3D mods="allowNoFillOverride allowNoLineOverride">
+    <cs:lnRef idx="0"/>
+    <cs:fillRef idx="0"/>
+    <cs:effectRef idx="0"/>
+    <cs:fontRef idx="minor">
+      <a:schemeClr val="tx1"/>
+    </cs:fontRef>
+  </cs:plotArea3D>
+  <cs:seriesAxis>
+    <cs:lnRef idx="0"/>
+    <cs:fillRef idx="0"/>
+    <cs:effectRef idx="0"/>
+    <cs:fontRef idx="minor">
+      <a:schemeClr val="tx1">
+        <a:lumMod val="65000"/>
+        <a:lumOff val="35000"/>
+      </a:schemeClr>
+    </cs:fontRef>
+    <cs:defRPr sz="900" kern="1200"/>
+  </cs:seriesAxis>
+  <cs:seriesLine>
+    <cs:lnRef idx="0"/>
+    <cs:fillRef idx="0"/>
+    <cs:effectRef idx="0"/>
+    <cs:fontRef idx="minor">
+      <a:schemeClr val="tx1"/>
+    </cs:fontRef>
+    <cs:spPr>
+      <a:ln w="9525" cap="flat" cmpd="sng" algn="ctr">
+        <a:solidFill>
+          <a:schemeClr val="tx1">
+            <a:lumMod val="35000"/>
+            <a:lumOff val="65000"/>
+          </a:schemeClr>
+        </a:solidFill>
+        <a:round/>
+      </a:ln>
+    </cs:spPr>
+  </cs:seriesLine>
+  <cs:title>
+    <cs:lnRef idx="0"/>
+    <cs:fillRef idx="0"/>
+    <cs:effectRef idx="0"/>
+    <cs:fontRef idx="minor">
+      <a:schemeClr val="tx1">
+        <a:lumMod val="65000"/>
+        <a:lumOff val="35000"/>
+      </a:schemeClr>
+    </cs:fontRef>
+    <cs:defRPr sz="1400" b="0" kern="1200" spc="0" baseline="0"/>
+  </cs:title>
+  <cs:trendline>
+    <cs:lnRef idx="0">
+      <cs:styleClr val="auto"/>
+    </cs:lnRef>
+    <cs:fillRef idx="0"/>
+    <cs:effectRef idx="0"/>
+    <cs:fontRef idx="minor">
+      <a:schemeClr val="tx1"/>
+    </cs:fontRef>
+    <cs:spPr>
+      <a:ln w="19050" cap="rnd">
+        <a:solidFill>
+          <a:schemeClr val="phClr"/>
+        </a:solidFill>
+        <a:prstDash val="sysDot"/>
+      </a:ln>
+    </cs:spPr>
+  </cs:trendline>
+  <cs:trendlineLabel>
+    <cs:lnRef idx="0"/>
+    <cs:fillRef idx="0"/>
+    <cs:effectRef idx="0"/>
+    <cs:fontRef idx="minor">
+      <a:schemeClr val="tx1">
+        <a:lumMod val="65000"/>
+        <a:lumOff val="35000"/>
+      </a:schemeClr>
+    </cs:fontRef>
+    <cs:defRPr sz="900" kern="1200"/>
+  </cs:trendlineLabel>
+  <cs:upBar>
+    <cs:lnRef idx="0"/>
+    <cs:fillRef idx="0"/>
+    <cs:effectRef idx="0"/>
+    <cs:fontRef idx="minor">
+      <a:schemeClr val="tx1"/>
+    </cs:fontRef>
+    <cs:spPr>
+      <a:solidFill>
+        <a:schemeClr val="lt1"/>
+      </a:solidFill>
+      <a:ln w="9525" cap="flat" cmpd="sng" algn="ctr">
+        <a:solidFill>
+          <a:schemeClr val="tx1">
+            <a:lumMod val="65000"/>
+            <a:lumOff val="35000"/>
+          </a:schemeClr>
+        </a:solidFill>
+        <a:round/>
+      </a:ln>
+    </cs:spPr>
+  </cs:upBar>
+  <cs:valueAxis>
+    <cs:lnRef idx="0"/>
+    <cs:fillRef idx="0"/>
+    <cs:effectRef idx="0"/>
+    <cs:fontRef idx="minor">
+      <a:schemeClr val="tx1">
+        <a:lumMod val="65000"/>
+        <a:lumOff val="35000"/>
+      </a:schemeClr>
+    </cs:fontRef>
+    <cs:defRPr sz="900" kern="1200"/>
+  </cs:valueAxis>
+  <cs:wall>
+    <cs:lnRef idx="0"/>
+    <cs:fillRef idx="0"/>
+    <cs:effectRef idx="0"/>
+    <cs:fontRef idx="minor">
+      <a:schemeClr val="tx1"/>
+    </cs:fontRef>
+    <cs:spPr>
+      <a:noFill/>
+      <a:ln>
+        <a:noFill/>
+      </a:ln>
+    </cs:spPr>
+  </cs:wall>
+</cs:chartStyle>
+</file>
+
+<file path=ppt/charts/style4.xml><?xml version="1.0" encoding="utf-8"?>
+<cs:chartStyle xmlns:cs="http://schemas.microsoft.com/office/drawing/2012/chartStyle" xmlns:a="http://schemas.openxmlformats.org/drawingml/2006/main" id="251">
+  <cs:axisTitle>
+    <cs:lnRef idx="0"/>
+    <cs:fillRef idx="0"/>
+    <cs:effectRef idx="0"/>
+    <cs:fontRef idx="minor">
+      <a:schemeClr val="tx1">
+        <a:lumMod val="65000"/>
+        <a:lumOff val="35000"/>
+      </a:schemeClr>
+    </cs:fontRef>
+    <cs:defRPr sz="1000" kern="1200"/>
+  </cs:axisTitle>
+  <cs:categoryAxis>
+    <cs:lnRef idx="0"/>
+    <cs:fillRef idx="0"/>
+    <cs:effectRef idx="0"/>
+    <cs:fontRef idx="minor">
+      <a:schemeClr val="tx1">
+        <a:lumMod val="65000"/>
+        <a:lumOff val="35000"/>
+      </a:schemeClr>
+    </cs:fontRef>
+    <cs:spPr>
+      <a:ln w="9525" cap="flat" cmpd="sng" algn="ctr">
+        <a:solidFill>
+          <a:schemeClr val="tx1">
+            <a:lumMod val="15000"/>
+            <a:lumOff val="85000"/>
+          </a:schemeClr>
+        </a:solidFill>
+        <a:round/>
+      </a:ln>
+    </cs:spPr>
+    <cs:defRPr sz="900" kern="1200"/>
+  </cs:categoryAxis>
+  <cs:chartArea mods="allowNoFillOverride allowNoLineOverride">
+    <cs:lnRef idx="0"/>
+    <cs:fillRef idx="0"/>
+    <cs:effectRef idx="0"/>
+    <cs:fontRef idx="minor">
+      <a:schemeClr val="tx1"/>
+    </cs:fontRef>
+    <cs:spPr>
+      <a:solidFill>
+        <a:schemeClr val="bg1"/>
+      </a:solidFill>
+      <a:ln w="9525" cap="flat" cmpd="sng" algn="ctr">
+        <a:solidFill>
+          <a:schemeClr val="tx1">
+            <a:lumMod val="15000"/>
+            <a:lumOff val="85000"/>
+          </a:schemeClr>
+        </a:solidFill>
+        <a:round/>
+      </a:ln>
+    </cs:spPr>
+    <cs:defRPr sz="900" kern="1200"/>
+  </cs:chartArea>
+  <cs:dataLabel>
+    <cs:lnRef idx="0"/>
+    <cs:fillRef idx="0"/>
+    <cs:effectRef idx="0"/>
+    <cs:fontRef idx="minor">
+      <a:schemeClr val="tx1">
+        <a:lumMod val="75000"/>
+        <a:lumOff val="25000"/>
+      </a:schemeClr>
+    </cs:fontRef>
+    <cs:defRPr sz="900" kern="1200"/>
+  </cs:dataLabel>
+  <cs:dataLabelCallout>
+    <cs:lnRef idx="0"/>
+    <cs:fillRef idx="0"/>
+    <cs:effectRef idx="0"/>
+    <cs:fontRef idx="minor">
+      <a:schemeClr val="dk1">
+        <a:lumMod val="65000"/>
+        <a:lumOff val="35000"/>
+      </a:schemeClr>
+    </cs:fontRef>
+    <cs:spPr>
+      <a:solidFill>
+        <a:schemeClr val="lt1"/>
+      </a:solidFill>
+      <a:ln>
+        <a:solidFill>
+          <a:schemeClr val="dk1">
+            <a:lumMod val="25000"/>
+            <a:lumOff val="75000"/>
+          </a:schemeClr>
+        </a:solidFill>
+      </a:ln>
+    </cs:spPr>
+    <cs:defRPr sz="900" kern="1200"/>
+    <cs:bodyPr rot="0" spcFirstLastPara="1" vertOverflow="clip" horzOverflow="clip" vert="horz" wrap="square" lIns="36576" tIns="18288" rIns="36576" bIns="18288" anchor="ctr" anchorCtr="1">
+      <a:spAutoFit/>
+    </cs:bodyPr>
+  </cs:dataLabelCallout>
+  <cs:dataPoint>
+    <cs:lnRef idx="0"/>
+    <cs:fillRef idx="1">
+      <cs:styleClr val="auto"/>
+    </cs:fillRef>
+    <cs:effectRef idx="0"/>
+    <cs:fontRef idx="minor">
+      <a:schemeClr val="tx1"/>
+    </cs:fontRef>
+    <cs:spPr>
+      <a:ln w="19050">
+        <a:solidFill>
+          <a:schemeClr val="lt1"/>
+        </a:solidFill>
+      </a:ln>
+    </cs:spPr>
+  </cs:dataPoint>
+  <cs:dataPoint3D>
+    <cs:lnRef idx="0"/>
+    <cs:fillRef idx="1">
+      <cs:styleClr val="auto"/>
+    </cs:fillRef>
+    <cs:effectRef idx="0"/>
+    <cs:fontRef idx="minor">
+      <a:schemeClr val="tx1"/>
+    </cs:fontRef>
+    <cs:spPr>
+      <a:ln w="25400">
+        <a:solidFill>
+          <a:schemeClr val="lt1"/>
+        </a:solidFill>
+      </a:ln>
+    </cs:spPr>
+  </cs:dataPoint3D>
+  <cs:dataPointLine>
+    <cs:lnRef idx="0">
+      <cs:styleClr val="auto"/>
+    </cs:lnRef>
+    <cs:fillRef idx="0"/>
+    <cs:effectRef idx="0"/>
+    <cs:fontRef idx="minor">
+      <a:schemeClr val="tx1"/>
+    </cs:fontRef>
+    <cs:spPr>
+      <a:ln w="28575" cap="rnd">
+        <a:solidFill>
+          <a:schemeClr val="phClr"/>
+        </a:solidFill>
+        <a:round/>
+      </a:ln>
+    </cs:spPr>
+  </cs:dataPointLine>
+  <cs:dataPointMarker>
+    <cs:lnRef idx="0">
+      <cs:styleClr val="auto"/>
+    </cs:lnRef>
+    <cs:fillRef idx="1">
+      <cs:styleClr val="auto"/>
+    </cs:fillRef>
+    <cs:effectRef idx="0"/>
+    <cs:fontRef idx="minor">
+      <a:schemeClr val="tx1"/>
+    </cs:fontRef>
+    <cs:spPr>
+      <a:ln w="9525">
+        <a:solidFill>
+          <a:schemeClr val="phClr"/>
+        </a:solidFill>
+      </a:ln>
+    </cs:spPr>
+  </cs:dataPointMarker>
+  <cs:dataPointMarkerLayout symbol="circle" size="5"/>
+  <cs:dataPointWireframe>
+    <cs:lnRef idx="0">
+      <cs:styleClr val="auto"/>
+    </cs:lnRef>
+    <cs:fillRef idx="0"/>
+    <cs:effectRef idx="0"/>
+    <cs:fontRef idx="minor">
+      <a:schemeClr val="tx1"/>
+    </cs:fontRef>
+    <cs:spPr>
+      <a:ln w="9525" cap="rnd">
+        <a:solidFill>
+          <a:schemeClr val="phClr"/>
+        </a:solidFill>
+        <a:round/>
+      </a:ln>
+    </cs:spPr>
+  </cs:dataPointWireframe>
+  <cs:dataTable>
+    <cs:lnRef idx="0"/>
+    <cs:fillRef idx="0"/>
+    <cs:effectRef idx="0"/>
+    <cs:fontRef idx="minor">
+      <a:schemeClr val="tx1">
+        <a:lumMod val="65000"/>
+        <a:lumOff val="35000"/>
+      </a:schemeClr>
+    </cs:fontRef>
+    <cs:spPr>
+      <a:noFill/>
+      <a:ln w="9525" cap="flat" cmpd="sng" algn="ctr">
+        <a:solidFill>
+          <a:schemeClr val="tx1">
+            <a:lumMod val="15000"/>
+            <a:lumOff val="85000"/>
+          </a:schemeClr>
+        </a:solidFill>
+        <a:round/>
+      </a:ln>
+    </cs:spPr>
+    <cs:defRPr sz="900" kern="1200"/>
+  </cs:dataTable>
+  <cs:downBar>
+    <cs:lnRef idx="0"/>
+    <cs:fillRef idx="0"/>
+    <cs:effectRef idx="0"/>
+    <cs:fontRef idx="minor">
+      <a:schemeClr val="tx1"/>
+    </cs:fontRef>
+    <cs:spPr>
+      <a:solidFill>
+        <a:schemeClr val="dk1">
+          <a:lumMod val="75000"/>
+          <a:lumOff val="25000"/>
+        </a:schemeClr>
+      </a:solidFill>
+      <a:ln w="9525" cap="flat" cmpd="sng" algn="ctr">
+        <a:solidFill>
+          <a:schemeClr val="tx1">
+            <a:lumMod val="65000"/>
+            <a:lumOff val="35000"/>
+          </a:schemeClr>
+        </a:solidFill>
+        <a:round/>
+      </a:ln>
+    </cs:spPr>
+  </cs:downBar>
+  <cs:dropLine>
+    <cs:lnRef idx="0"/>
+    <cs:fillRef idx="0"/>
+    <cs:effectRef idx="0"/>
+    <cs:fontRef idx="minor">
+      <a:schemeClr val="tx1"/>
+    </cs:fontRef>
+    <cs:spPr>
+      <a:ln w="9525" cap="flat" cmpd="sng" algn="ctr">
+        <a:solidFill>
+          <a:schemeClr val="tx1">
+            <a:lumMod val="35000"/>
+            <a:lumOff val="65000"/>
+          </a:schemeClr>
+        </a:solidFill>
+        <a:round/>
+      </a:ln>
+    </cs:spPr>
+  </cs:dropLine>
+  <cs:errorBar>
+    <cs:lnRef idx="0"/>
+    <cs:fillRef idx="0"/>
+    <cs:effectRef idx="0"/>
+    <cs:fontRef idx="minor">
+      <a:schemeClr val="tx1"/>
+    </cs:fontRef>
+    <cs:spPr>
+      <a:ln w="9525" cap="flat" cmpd="sng" algn="ctr">
+        <a:solidFill>
+          <a:schemeClr val="tx1">
+            <a:lumMod val="65000"/>
+            <a:lumOff val="35000"/>
+          </a:schemeClr>
+        </a:solidFill>
+        <a:round/>
+      </a:ln>
+    </cs:spPr>
+  </cs:errorBar>
+  <cs:floor>
+    <cs:lnRef idx="0"/>
+    <cs:fillRef idx="0"/>
+    <cs:effectRef idx="0"/>
+    <cs:fontRef idx="minor">
+      <a:schemeClr val="tx1"/>
+    </cs:fontRef>
+    <cs:spPr>
+      <a:noFill/>
+      <a:ln>
+        <a:noFill/>
+      </a:ln>
+    </cs:spPr>
+  </cs:floor>
+  <cs:gridlineMajor>
+    <cs:lnRef idx="0"/>
+    <cs:fillRef idx="0"/>
+    <cs:effectRef idx="0"/>
+    <cs:fontRef idx="minor">
+      <a:schemeClr val="tx1"/>
+    </cs:fontRef>
+    <cs:spPr>
+      <a:ln w="9525" cap="flat" cmpd="sng" algn="ctr">
+        <a:solidFill>
+          <a:schemeClr val="tx1">
+            <a:lumMod val="15000"/>
+            <a:lumOff val="85000"/>
+          </a:schemeClr>
+        </a:solidFill>
+        <a:round/>
+      </a:ln>
+    </cs:spPr>
+  </cs:gridlineMajor>
+  <cs:gridlineMinor>
+    <cs:lnRef idx="0"/>
+    <cs:fillRef idx="0"/>
+    <cs:effectRef idx="0"/>
+    <cs:fontRef idx="minor">
+      <a:schemeClr val="tx1"/>
+    </cs:fontRef>
+    <cs:spPr>
+      <a:ln w="9525" cap="flat" cmpd="sng" algn="ctr">
+        <a:solidFill>
+          <a:schemeClr val="tx1">
+            <a:lumMod val="5000"/>
+            <a:lumOff val="95000"/>
+          </a:schemeClr>
+        </a:solidFill>
+        <a:round/>
+      </a:ln>
+    </cs:spPr>
+  </cs:gridlineMinor>
+  <cs:hiLoLine>
+    <cs:lnRef idx="0"/>
+    <cs:fillRef idx="0"/>
+    <cs:effectRef idx="0"/>
+    <cs:fontRef idx="minor">
+      <a:schemeClr val="tx1"/>
+    </cs:fontRef>
+    <cs:spPr>
+      <a:ln w="9525" cap="flat" cmpd="sng" algn="ctr">
+        <a:solidFill>
+          <a:schemeClr val="tx1">
+            <a:lumMod val="50000"/>
+            <a:lumOff val="50000"/>
+          </a:schemeClr>
+        </a:solidFill>
+        <a:round/>
+      </a:ln>
+    </cs:spPr>
+  </cs:hiLoLine>
+  <cs:leaderLine>
+    <cs:lnRef idx="0"/>
+    <cs:fillRef idx="0"/>
+    <cs:effectRef idx="0"/>
+    <cs:fontRef idx="minor">
+      <a:schemeClr val="tx1"/>
+    </cs:fontRef>
+    <cs:spPr>
+      <a:ln w="9525" cap="flat" cmpd="sng" algn="ctr">
+        <a:solidFill>
+          <a:schemeClr val="tx1">
+            <a:lumMod val="35000"/>
+            <a:lumOff val="65000"/>
+          </a:schemeClr>
+        </a:solidFill>
+        <a:round/>
+      </a:ln>
+    </cs:spPr>
+  </cs:leaderLine>
+  <cs:legend>
+    <cs:lnRef idx="0"/>
+    <cs:fillRef idx="0"/>
+    <cs:effectRef idx="0"/>
+    <cs:fontRef idx="minor">
+      <a:schemeClr val="tx1">
+        <a:lumMod val="65000"/>
+        <a:lumOff val="35000"/>
+      </a:schemeClr>
+    </cs:fontRef>
+    <cs:defRPr sz="900" kern="1200"/>
+  </cs:legend>
+  <cs:plotArea mods="allowNoFillOverride allowNoLineOverride">
+    <cs:lnRef idx="0"/>
+    <cs:fillRef idx="0"/>
+    <cs:effectRef idx="0"/>
+    <cs:fontRef idx="minor">
+      <a:schemeClr val="tx1"/>
+    </cs:fontRef>
+  </cs:plotArea>
+  <cs:plotArea3D mods="allowNoFillOverride allowNoLineOverride">
+    <cs:lnRef idx="0"/>
+    <cs:fillRef idx="0"/>
+    <cs:effectRef idx="0"/>
+    <cs:fontRef idx="minor">
+      <a:schemeClr val="tx1"/>
+    </cs:fontRef>
+  </cs:plotArea3D>
+  <cs:seriesAxis>
+    <cs:lnRef idx="0"/>
+    <cs:fillRef idx="0"/>
+    <cs:effectRef idx="0"/>
+    <cs:fontRef idx="minor">
+      <a:schemeClr val="tx1">
+        <a:lumMod val="65000"/>
+        <a:lumOff val="35000"/>
+      </a:schemeClr>
+    </cs:fontRef>
+    <cs:defRPr sz="900" kern="1200"/>
+  </cs:seriesAxis>
+  <cs:seriesLine>
+    <cs:lnRef idx="0"/>
+    <cs:fillRef idx="0"/>
+    <cs:effectRef idx="0"/>
+    <cs:fontRef idx="minor">
+      <a:schemeClr val="tx1"/>
+    </cs:fontRef>
+    <cs:spPr>
+      <a:ln w="9525" cap="flat" cmpd="sng" algn="ctr">
+        <a:solidFill>
+          <a:schemeClr val="tx1">
+            <a:lumMod val="35000"/>
+            <a:lumOff val="65000"/>
+          </a:schemeClr>
+        </a:solidFill>
+        <a:round/>
+      </a:ln>
+    </cs:spPr>
+  </cs:seriesLine>
+  <cs:title>
+    <cs:lnRef idx="0"/>
+    <cs:fillRef idx="0"/>
+    <cs:effectRef idx="0"/>
+    <cs:fontRef idx="minor">
+      <a:schemeClr val="tx1">
+        <a:lumMod val="65000"/>
+        <a:lumOff val="35000"/>
+      </a:schemeClr>
+    </cs:fontRef>
+    <cs:defRPr sz="1400" b="0" kern="1200" spc="0" baseline="0"/>
+  </cs:title>
+  <cs:trendline>
+    <cs:lnRef idx="0">
+      <cs:styleClr val="auto"/>
+    </cs:lnRef>
+    <cs:fillRef idx="0"/>
+    <cs:effectRef idx="0"/>
+    <cs:fontRef idx="minor">
+      <a:schemeClr val="tx1"/>
+    </cs:fontRef>
+    <cs:spPr>
+      <a:ln w="19050" cap="rnd">
+        <a:solidFill>
+          <a:schemeClr val="phClr"/>
+        </a:solidFill>
+        <a:prstDash val="sysDot"/>
+      </a:ln>
+    </cs:spPr>
+  </cs:trendline>
+  <cs:trendlineLabel>
+    <cs:lnRef idx="0"/>
+    <cs:fillRef idx="0"/>
+    <cs:effectRef idx="0"/>
+    <cs:fontRef idx="minor">
+      <a:schemeClr val="tx1">
+        <a:lumMod val="65000"/>
+        <a:lumOff val="35000"/>
+      </a:schemeClr>
+    </cs:fontRef>
+    <cs:defRPr sz="900" kern="1200"/>
+  </cs:trendlineLabel>
+  <cs:upBar>
+    <cs:lnRef idx="0"/>
+    <cs:fillRef idx="0"/>
+    <cs:effectRef idx="0"/>
+    <cs:fontRef idx="minor">
+      <a:schemeClr val="tx1"/>
+    </cs:fontRef>
+    <cs:spPr>
+      <a:solidFill>
+        <a:schemeClr val="lt1"/>
+      </a:solidFill>
+      <a:ln w="9525" cap="flat" cmpd="sng" algn="ctr">
+        <a:solidFill>
+          <a:schemeClr val="tx1">
+            <a:lumMod val="65000"/>
+            <a:lumOff val="35000"/>
+          </a:schemeClr>
+        </a:solidFill>
+        <a:round/>
+      </a:ln>
+    </cs:spPr>
+  </cs:upBar>
+  <cs:valueAxis>
+    <cs:lnRef idx="0"/>
+    <cs:fillRef idx="0"/>
+    <cs:effectRef idx="0"/>
+    <cs:fontRef idx="minor">
+      <a:schemeClr val="tx1">
+        <a:lumMod val="65000"/>
+        <a:lumOff val="35000"/>
+      </a:schemeClr>
+    </cs:fontRef>
+    <cs:defRPr sz="900" kern="1200"/>
+  </cs:valueAxis>
+  <cs:wall>
+    <cs:lnRef idx="0"/>
+    <cs:fillRef idx="0"/>
+    <cs:effectRef idx="0"/>
+    <cs:fontRef idx="minor">
+      <a:schemeClr val="tx1"/>
+    </cs:fontRef>
+    <cs:spPr>
+      <a:noFill/>
+      <a:ln>
+        <a:noFill/>
+      </a:ln>
+    </cs:spPr>
+  </cs:wall>
+</cs:chartStyle>
+</file>
+
+<file path=ppt/charts/style5.xml><?xml version="1.0" encoding="utf-8"?>
+<cs:chartStyle xmlns:cs="http://schemas.microsoft.com/office/drawing/2012/chartStyle" xmlns:a="http://schemas.openxmlformats.org/drawingml/2006/main" id="256">
+  <cs:axisTitle>
+    <cs:lnRef idx="0"/>
+    <cs:fillRef idx="0"/>
+    <cs:effectRef idx="0"/>
+    <cs:fontRef idx="minor">
+      <a:schemeClr val="dk1">
+        <a:lumMod val="65000"/>
+        <a:lumOff val="35000"/>
+      </a:schemeClr>
+    </cs:fontRef>
+    <cs:defRPr sz="1197" b="1" kern="1200"/>
+  </cs:axisTitle>
+  <cs:categoryAxis>
+    <cs:lnRef idx="0"/>
+    <cs:fillRef idx="0"/>
+    <cs:effectRef idx="0"/>
+    <cs:fontRef idx="minor">
+      <a:schemeClr val="dk1">
+        <a:lumMod val="65000"/>
+        <a:lumOff val="35000"/>
+      </a:schemeClr>
+    </cs:fontRef>
+    <cs:defRPr sz="1197" kern="1200" cap="none" spc="0" normalizeH="0" baseline="0"/>
+  </cs:categoryAxis>
+  <cs:chartArea>
+    <cs:lnRef idx="0"/>
+    <cs:fillRef idx="0"/>
+    <cs:effectRef idx="0"/>
+    <cs:fontRef idx="minor">
+      <a:schemeClr val="dk1"/>
+    </cs:fontRef>
+    <cs:spPr>
+      <a:pattFill prst="dkDnDiag">
+        <a:fgClr>
+          <a:schemeClr val="lt1"/>
+        </a:fgClr>
+        <a:bgClr>
+          <a:schemeClr val="dk1">
+            <a:lumMod val="10000"/>
+            <a:lumOff val="90000"/>
+          </a:schemeClr>
+        </a:bgClr>
+      </a:pattFill>
+      <a:ln w="9525" cap="flat" cmpd="sng" algn="ctr">
+        <a:solidFill>
+          <a:schemeClr val="dk1">
+            <a:lumMod val="15000"/>
+            <a:lumOff val="85000"/>
+          </a:schemeClr>
+        </a:solidFill>
+        <a:round/>
+      </a:ln>
+    </cs:spPr>
+    <cs:defRPr sz="1197" kern="1200"/>
+  </cs:chartArea>
+  <cs:dataLabel>
+    <cs:lnRef idx="0"/>
+    <cs:fillRef idx="0"/>
+    <cs:effectRef idx="0"/>
+    <cs:fontRef idx="minor">
+      <a:schemeClr val="dk1">
+        <a:lumMod val="75000"/>
+        <a:lumOff val="25000"/>
+      </a:schemeClr>
+    </cs:fontRef>
+    <cs:defRPr sz="1197" kern="1200"/>
+  </cs:dataLabel>
+  <cs:dataLabelCallout>
+    <cs:lnRef idx="0"/>
+    <cs:fillRef idx="0"/>
+    <cs:effectRef idx="0"/>
+    <cs:fontRef idx="minor">
+      <a:schemeClr val="dk1">
+        <a:lumMod val="65000"/>
+        <a:lumOff val="35000"/>
+      </a:schemeClr>
+    </cs:fontRef>
+    <cs:spPr>
+      <a:solidFill>
+        <a:schemeClr val="lt1">
+          <a:alpha val="75000"/>
+        </a:schemeClr>
+      </a:solidFill>
+      <a:ln w="9525">
+        <a:solidFill>
+          <a:schemeClr val="dk1">
+            <a:lumMod val="25000"/>
+            <a:lumOff val="75000"/>
+          </a:schemeClr>
+        </a:solidFill>
+      </a:ln>
+    </cs:spPr>
+    <cs:defRPr sz="1197" kern="1200"/>
+    <cs:bodyPr rot="0" spcFirstLastPara="1" vertOverflow="clip" horzOverflow="clip" vert="horz" wrap="square" lIns="36576" tIns="18288" rIns="36576" bIns="18288" anchor="ctr" anchorCtr="1">
+      <a:spAutoFit/>
+    </cs:bodyPr>
+  </cs:dataLabelCallout>
+  <cs:dataPoint>
+    <cs:lnRef idx="0"/>
+    <cs:fillRef idx="0">
+      <cs:styleClr val="auto"/>
+    </cs:fillRef>
+    <cs:effectRef idx="0"/>
+    <cs:fontRef idx="minor">
+      <a:schemeClr val="tx1"/>
+    </cs:fontRef>
+    <cs:spPr>
+      <a:gradFill>
+        <a:gsLst>
+          <a:gs pos="100000">
+            <a:schemeClr val="phClr">
+              <a:lumMod val="60000"/>
+              <a:lumOff val="40000"/>
+            </a:schemeClr>
+          </a:gs>
+          <a:gs pos="0">
+            <a:schemeClr val="phClr"/>
+          </a:gs>
+        </a:gsLst>
+        <a:lin ang="5400000" scaled="0"/>
+      </a:gradFill>
+      <a:ln w="19050">
+        <a:solidFill>
+          <a:schemeClr val="lt1"/>
+        </a:solidFill>
+      </a:ln>
+    </cs:spPr>
+  </cs:dataPoint>
+  <cs:dataPoint3D>
+    <cs:lnRef idx="0"/>
+    <cs:fillRef idx="0">
+      <cs:styleClr val="auto"/>
+    </cs:fillRef>
+    <cs:effectRef idx="0"/>
+    <cs:fontRef idx="minor">
+      <a:schemeClr val="tx1"/>
+    </cs:fontRef>
+    <cs:spPr>
+      <a:gradFill>
+        <a:gsLst>
+          <a:gs pos="100000">
+            <a:schemeClr val="phClr">
+              <a:lumMod val="60000"/>
+              <a:lumOff val="40000"/>
+            </a:schemeClr>
+          </a:gs>
+          <a:gs pos="0">
+            <a:schemeClr val="phClr"/>
+          </a:gs>
+        </a:gsLst>
+        <a:lin ang="5400000" scaled="0"/>
+      </a:gradFill>
+      <a:ln w="50800">
+        <a:solidFill>
+          <a:schemeClr val="lt1"/>
+        </a:solidFill>
+      </a:ln>
+    </cs:spPr>
+  </cs:dataPoint3D>
+  <cs:dataPointLine>
+    <cs:lnRef idx="0">
+      <cs:styleClr val="auto"/>
+    </cs:lnRef>
+    <cs:fillRef idx="0"/>
+    <cs:effectRef idx="0"/>
+    <cs:fontRef idx="minor">
+      <a:schemeClr val="dk1"/>
+    </cs:fontRef>
+    <cs:spPr>
+      <a:ln w="22225" cap="rnd">
+        <a:solidFill>
+          <a:schemeClr val="phClr"/>
+        </a:solidFill>
+        <a:round/>
+      </a:ln>
+    </cs:spPr>
+  </cs:dataPointLine>
+  <cs:dataPointMarker>
+    <cs:lnRef idx="0">
+      <cs:styleClr val="auto"/>
+    </cs:lnRef>
+    <cs:fillRef idx="0">
+      <cs:styleClr val="auto"/>
+    </cs:fillRef>
+    <cs:effectRef idx="0"/>
+    <cs:fontRef idx="minor">
+      <a:schemeClr val="dk1"/>
+    </cs:fontRef>
+    <cs:spPr>
+      <a:solidFill>
+        <a:schemeClr val="lt1"/>
+      </a:solidFill>
+      <a:ln w="15875">
+        <a:solidFill>
+          <a:schemeClr val="phClr"/>
+        </a:solidFill>
+        <a:round/>
+      </a:ln>
+    </cs:spPr>
+  </cs:dataPointMarker>
+  <cs:dataPointMarkerLayout symbol="circle" size="6"/>
+  <cs:dataPointWireframe>
+    <cs:lnRef idx="0">
+      <cs:styleClr val="auto"/>
+    </cs:lnRef>
+    <cs:fillRef idx="0"/>
+    <cs:effectRef idx="0"/>
+    <cs:fontRef idx="minor">
+      <a:schemeClr val="dk1"/>
+    </cs:fontRef>
+    <cs:spPr>
+      <a:ln w="9525" cap="rnd">
+        <a:solidFill>
+          <a:schemeClr val="phClr"/>
+        </a:solidFill>
+        <a:round/>
+      </a:ln>
+    </cs:spPr>
+  </cs:dataPointWireframe>
+  <cs:dataTable>
+    <cs:lnRef idx="0"/>
+    <cs:fillRef idx="0"/>
+    <cs:effectRef idx="0"/>
+    <cs:fontRef idx="minor">
+      <a:schemeClr val="dk1">
+        <a:lumMod val="65000"/>
+        <a:lumOff val="35000"/>
+      </a:schemeClr>
+    </cs:fontRef>
+    <cs:spPr>
+      <a:ln w="9525" cap="flat" cmpd="sng" algn="ctr">
+        <a:solidFill>
+          <a:schemeClr val="dk1">
+            <a:lumMod val="15000"/>
+            <a:lumOff val="85000"/>
+          </a:schemeClr>
+        </a:solidFill>
+        <a:round/>
+      </a:ln>
+    </cs:spPr>
+    <cs:defRPr sz="1064" kern="1200"/>
+  </cs:dataTable>
+  <cs:downBar>
+    <cs:lnRef idx="0"/>
+    <cs:fillRef idx="0"/>
+    <cs:effectRef idx="0"/>
+    <cs:fontRef idx="minor">
+      <a:schemeClr val="dk1"/>
+    </cs:fontRef>
+    <cs:spPr>
+      <a:solidFill>
+        <a:schemeClr val="dk1">
+          <a:lumMod val="75000"/>
+          <a:lumOff val="25000"/>
+        </a:schemeClr>
+      </a:solidFill>
+      <a:ln w="9525" cap="flat" cmpd="sng" algn="ctr">
+        <a:solidFill>
+          <a:schemeClr val="dk1">
+            <a:lumMod val="50000"/>
+            <a:lumOff val="50000"/>
+          </a:schemeClr>
+        </a:solidFill>
+        <a:round/>
+      </a:ln>
+    </cs:spPr>
+  </cs:downBar>
+  <cs:dropLine>
+    <cs:lnRef idx="0"/>
+    <cs:fillRef idx="0"/>
+    <cs:effectRef idx="0"/>
+    <cs:fontRef idx="minor">
+      <a:schemeClr val="dk1"/>
+    </cs:fontRef>
+    <cs:spPr>
+      <a:ln w="9525" cap="flat" cmpd="sng" algn="ctr">
+        <a:solidFill>
+          <a:schemeClr val="dk1">
+            <a:lumMod val="35000"/>
+            <a:lumOff val="65000"/>
+          </a:schemeClr>
+        </a:solidFill>
+        <a:round/>
+      </a:ln>
+    </cs:spPr>
+  </cs:dropLine>
+  <cs:errorBar>
+    <cs:lnRef idx="0"/>
+    <cs:fillRef idx="0"/>
+    <cs:effectRef idx="0"/>
+    <cs:fontRef idx="minor">
+      <a:schemeClr val="dk1"/>
+    </cs:fontRef>
+    <cs:spPr>
+      <a:ln w="9525" cap="flat" cmpd="sng" algn="ctr">
+        <a:solidFill>
+          <a:schemeClr val="dk1">
+            <a:lumMod val="50000"/>
+            <a:lumOff val="50000"/>
+          </a:schemeClr>
+        </a:solidFill>
+        <a:round/>
+      </a:ln>
+    </cs:spPr>
+  </cs:errorBar>
+  <cs:floor>
+    <cs:lnRef idx="0"/>
+    <cs:fillRef idx="0"/>
+    <cs:effectRef idx="0"/>
+    <cs:fontRef idx="minor">
+      <a:schemeClr val="dk1"/>
+    </cs:fontRef>
+  </cs:floor>
+  <cs:gridlineMajor>
+    <cs:lnRef idx="0"/>
+    <cs:fillRef idx="0"/>
+    <cs:effectRef idx="0"/>
+    <cs:fontRef idx="minor">
+      <a:schemeClr val="dk1"/>
+    </cs:fontRef>
+    <cs:spPr>
+      <a:ln w="9525" cap="flat" cmpd="sng" algn="ctr">
+        <a:solidFill>
+          <a:schemeClr val="dk1">
+            <a:lumMod val="15000"/>
+            <a:lumOff val="85000"/>
+          </a:schemeClr>
+        </a:solidFill>
+        <a:round/>
+      </a:ln>
+    </cs:spPr>
+  </cs:gridlineMajor>
+  <cs:gridlineMinor>
+    <cs:lnRef idx="0"/>
+    <cs:fillRef idx="0"/>
+    <cs:effectRef idx="0"/>
+    <cs:fontRef idx="minor">
+      <a:schemeClr val="dk1"/>
+    </cs:fontRef>
+    <cs:spPr>
+      <a:ln w="9525" cap="flat" cmpd="sng" algn="ctr">
+        <a:solidFill>
+          <a:schemeClr val="dk1">
+            <a:lumMod val="5000"/>
+            <a:lumOff val="95000"/>
+          </a:schemeClr>
+        </a:solidFill>
+        <a:round/>
+      </a:ln>
+    </cs:spPr>
+  </cs:gridlineMinor>
+  <cs:hiLoLine>
+    <cs:lnRef idx="0"/>
+    <cs:fillRef idx="0"/>
+    <cs:effectRef idx="0"/>
+    <cs:fontRef idx="minor">
+      <a:schemeClr val="dk1"/>
+    </cs:fontRef>
+    <cs:spPr>
+      <a:ln w="9525" cap="flat" cmpd="sng" algn="ctr">
+        <a:solidFill>
+          <a:schemeClr val="dk1">
+            <a:lumMod val="35000"/>
+            <a:lumOff val="65000"/>
+          </a:schemeClr>
+        </a:solidFill>
+        <a:round/>
+      </a:ln>
+    </cs:spPr>
+  </cs:hiLoLine>
+  <cs:leaderLine>
+    <cs:lnRef idx="0"/>
+    <cs:fillRef idx="0"/>
+    <cs:effectRef idx="0"/>
+    <cs:fontRef idx="minor">
+      <a:schemeClr val="dk1"/>
+    </cs:fontRef>
+    <cs:spPr>
+      <a:ln w="9525" cap="flat" cmpd="sng" algn="ctr">
+        <a:solidFill>
+          <a:schemeClr val="dk1">
+            <a:lumMod val="35000"/>
+            <a:lumOff val="65000"/>
+          </a:schemeClr>
+        </a:solidFill>
+        <a:round/>
+      </a:ln>
+    </cs:spPr>
+  </cs:leaderLine>
+  <cs:legend>
+    <cs:lnRef idx="0"/>
+    <cs:fillRef idx="0"/>
+    <cs:effectRef idx="0"/>
+    <cs:fontRef idx="minor">
+      <a:schemeClr val="dk1">
+        <a:lumMod val="65000"/>
+        <a:lumOff val="35000"/>
+      </a:schemeClr>
+    </cs:fontRef>
+    <cs:spPr>
+      <a:solidFill>
+        <a:schemeClr val="lt1">
+          <a:alpha val="50000"/>
+        </a:schemeClr>
+      </a:solidFill>
+    </cs:spPr>
+    <cs:defRPr sz="1197" kern="1200"/>
+  </cs:legend>
+  <cs:plotArea>
+    <cs:lnRef idx="0"/>
+    <cs:fillRef idx="0"/>
+    <cs:effectRef idx="0"/>
+    <cs:fontRef idx="minor">
+      <a:schemeClr val="dk1"/>
+    </cs:fontRef>
+  </cs:plotArea>
+  <cs:plotArea3D>
+    <cs:lnRef idx="0"/>
+    <cs:fillRef idx="0"/>
+    <cs:effectRef idx="0"/>
+    <cs:fontRef idx="minor">
+      <a:schemeClr val="dk1"/>
+    </cs:fontRef>
+  </cs:plotArea3D>
+  <cs:seriesAxis>
+    <cs:lnRef idx="0"/>
+    <cs:fillRef idx="0"/>
+    <cs:effectRef idx="0"/>
+    <cs:fontRef idx="minor">
+      <a:schemeClr val="dk1">
+        <a:lumMod val="65000"/>
+        <a:lumOff val="35000"/>
+      </a:schemeClr>
+    </cs:fontRef>
+    <cs:defRPr sz="1197" kern="1200"/>
+  </cs:seriesAxis>
+  <cs:seriesLine>
+    <cs:lnRef idx="0"/>
+    <cs:fillRef idx="0"/>
+    <cs:effectRef idx="0"/>
+    <cs:fontRef idx="minor">
+      <a:schemeClr val="dk1"/>
+    </cs:fontRef>
+    <cs:spPr>
+      <a:ln w="9525" cap="flat" cmpd="sng" algn="ctr">
+        <a:solidFill>
+          <a:schemeClr val="dk1">
+            <a:lumMod val="35000"/>
+            <a:lumOff val="65000"/>
+          </a:schemeClr>
+        </a:solidFill>
+        <a:round/>
+      </a:ln>
+    </cs:spPr>
+  </cs:seriesLine>
+  <cs:title>
+    <cs:lnRef idx="0"/>
+    <cs:fillRef idx="0"/>
+    <cs:effectRef idx="0"/>
+    <cs:fontRef idx="major">
+      <a:schemeClr val="dk1">
+        <a:lumMod val="50000"/>
+        <a:lumOff val="50000"/>
+      </a:schemeClr>
+    </cs:fontRef>
+    <cs:defRPr sz="2128" b="1" kern="1200" spc="0" normalizeH="0" baseline="0"/>
+  </cs:title>
+  <cs:trendline>
+    <cs:lnRef idx="0">
+      <cs:styleClr val="auto"/>
+    </cs:lnRef>
+    <cs:fillRef idx="0"/>
+    <cs:effectRef idx="0"/>
+    <cs:fontRef idx="minor">
+      <a:schemeClr val="dk1"/>
+    </cs:fontRef>
+    <cs:spPr>
+      <a:ln w="19050" cap="rnd">
+        <a:solidFill>
+          <a:schemeClr val="phClr"/>
+        </a:solidFill>
+      </a:ln>
+    </cs:spPr>
+  </cs:trendline>
+  <cs:trendlineLabel>
+    <cs:lnRef idx="0"/>
+    <cs:fillRef idx="0"/>
+    <cs:effectRef idx="0"/>
+    <cs:fontRef idx="minor">
+      <a:schemeClr val="dk1">
+        <a:lumMod val="65000"/>
+        <a:lumOff val="35000"/>
+      </a:schemeClr>
+    </cs:fontRef>
+    <cs:defRPr sz="1197" kern="1200"/>
+  </cs:trendlineLabel>
+  <cs:upBar>
+    <cs:lnRef idx="0"/>
+    <cs:fillRef idx="0"/>
+    <cs:effectRef idx="0"/>
+    <cs:fontRef idx="minor">
+      <a:schemeClr val="dk1"/>
+    </cs:fontRef>
+    <cs:spPr>
+      <a:solidFill>
+        <a:schemeClr val="lt1"/>
+      </a:solidFill>
+      <a:ln w="9525" cap="flat" cmpd="sng" algn="ctr">
+        <a:solidFill>
+          <a:schemeClr val="dk1">
+            <a:lumMod val="50000"/>
+            <a:lumOff val="50000"/>
+          </a:schemeClr>
+        </a:solidFill>
+        <a:round/>
+      </a:ln>
+    </cs:spPr>
+  </cs:upBar>
+  <cs:valueAxis>
+    <cs:lnRef idx="0"/>
+    <cs:fillRef idx="0"/>
+    <cs:effectRef idx="0"/>
+    <cs:fontRef idx="minor">
+      <a:schemeClr val="dk1">
+        <a:lumMod val="65000"/>
+        <a:lumOff val="35000"/>
+      </a:schemeClr>
+    </cs:fontRef>
+    <cs:defRPr sz="1197" kern="1200"/>
+  </cs:valueAxis>
+  <cs:wall>
+    <cs:lnRef idx="0"/>
+    <cs:fillRef idx="0"/>
+    <cs:effectRef idx="0"/>
+    <cs:fontRef idx="minor">
+      <a:schemeClr val="dk1"/>
+    </cs:fontRef>
+  </cs:wall>
+</cs:chartStyle>
+</file>
+
+<file path=ppt/charts/style6.xml><?xml version="1.0" encoding="utf-8"?>
+<cs:chartStyle xmlns:cs="http://schemas.microsoft.com/office/drawing/2012/chartStyle" xmlns:a="http://schemas.openxmlformats.org/drawingml/2006/main" id="227">
+  <cs:axisTitle>
+    <cs:lnRef idx="0"/>
+    <cs:fillRef idx="0"/>
+    <cs:effectRef idx="0"/>
+    <cs:fontRef idx="minor">
+      <a:schemeClr val="tx1">
+        <a:lumMod val="65000"/>
+        <a:lumOff val="35000"/>
+      </a:schemeClr>
+    </cs:fontRef>
+    <cs:defRPr sz="1000" kern="1200"/>
+  </cs:axisTitle>
+  <cs:categoryAxis>
+    <cs:lnRef idx="0"/>
+    <cs:fillRef idx="0"/>
+    <cs:effectRef idx="0"/>
+    <cs:fontRef idx="minor">
+      <a:schemeClr val="tx1">
+        <a:lumMod val="65000"/>
+        <a:lumOff val="35000"/>
+      </a:schemeClr>
+    </cs:fontRef>
+    <cs:spPr>
+      <a:ln w="9525" cap="flat" cmpd="sng" algn="ctr">
+        <a:solidFill>
+          <a:schemeClr val="tx1">
+            <a:lumMod val="15000"/>
+            <a:lumOff val="85000"/>
+          </a:schemeClr>
+        </a:solidFill>
+        <a:round/>
+      </a:ln>
+    </cs:spPr>
+    <cs:defRPr sz="900" kern="1200"/>
+  </cs:categoryAxis>
+  <cs:chartArea mods="allowNoFillOverride allowNoLineOverride">
+    <cs:lnRef idx="0"/>
+    <cs:fillRef idx="0"/>
+    <cs:effectRef idx="0"/>
+    <cs:fontRef idx="minor">
+      <a:schemeClr val="tx1"/>
+    </cs:fontRef>
+    <cs:spPr>
+      <a:solidFill>
+        <a:schemeClr val="bg1"/>
+      </a:solidFill>
+      <a:ln w="9525" cap="flat" cmpd="sng" algn="ctr">
+        <a:solidFill>
+          <a:schemeClr val="tx1">
+            <a:lumMod val="15000"/>
+            <a:lumOff val="85000"/>
+          </a:schemeClr>
+        </a:solidFill>
+        <a:round/>
+      </a:ln>
+    </cs:spPr>
+    <cs:defRPr sz="1000" kern="1200"/>
+  </cs:chartArea>
+  <cs:dataLabel>
+    <cs:lnRef idx="0"/>
+    <cs:fillRef idx="0"/>
+    <cs:effectRef idx="0"/>
+    <cs:fontRef idx="minor">
+      <a:schemeClr val="tx1">
+        <a:lumMod val="75000"/>
+        <a:lumOff val="25000"/>
+      </a:schemeClr>
+    </cs:fontRef>
+    <cs:defRPr sz="900" kern="1200"/>
+  </cs:dataLabel>
+  <cs:dataLabelCallout>
+    <cs:lnRef idx="0"/>
+    <cs:fillRef idx="0"/>
+    <cs:effectRef idx="0"/>
+    <cs:fontRef idx="minor">
+      <a:schemeClr val="dk1">
+        <a:lumMod val="65000"/>
+        <a:lumOff val="35000"/>
+      </a:schemeClr>
+    </cs:fontRef>
+    <cs:spPr>
+      <a:solidFill>
+        <a:schemeClr val="lt1"/>
+      </a:solidFill>
+      <a:ln>
+        <a:solidFill>
+          <a:schemeClr val="dk1">
+            <a:lumMod val="25000"/>
+            <a:lumOff val="75000"/>
+          </a:schemeClr>
+        </a:solidFill>
+      </a:ln>
+    </cs:spPr>
+    <cs:defRPr sz="900" kern="1200"/>
+    <cs:bodyPr rot="0" spcFirstLastPara="1" vertOverflow="clip" horzOverflow="clip" vert="horz" wrap="square" lIns="36576" tIns="18288" rIns="36576" bIns="18288" anchor="ctr" anchorCtr="1">
+      <a:spAutoFit/>
+    </cs:bodyPr>
+  </cs:dataLabelCallout>
+  <cs:dataPoint>
+    <cs:lnRef idx="0"/>
+    <cs:fillRef idx="1">
+      <cs:styleClr val="auto"/>
+    </cs:fillRef>
+    <cs:effectRef idx="0"/>
+    <cs:fontRef idx="minor">
+      <a:schemeClr val="tx1"/>
+    </cs:fontRef>
+    <cs:spPr>
+      <a:solidFill>
+        <a:schemeClr val="phClr"/>
+      </a:solidFill>
+    </cs:spPr>
+  </cs:dataPoint>
+  <cs:dataPoint3D>
+    <cs:lnRef idx="0"/>
+    <cs:fillRef idx="1">
+      <cs:styleClr val="auto"/>
+    </cs:fillRef>
+    <cs:effectRef idx="0"/>
+    <cs:fontRef idx="minor">
+      <a:schemeClr val="tx1"/>
+    </cs:fontRef>
+    <cs:spPr>
+      <a:solidFill>
+        <a:schemeClr val="phClr"/>
+      </a:solidFill>
+    </cs:spPr>
+  </cs:dataPoint3D>
+  <cs:dataPointLine>
+    <cs:lnRef idx="0">
+      <cs:styleClr val="auto"/>
+    </cs:lnRef>
+    <cs:fillRef idx="1"/>
+    <cs:effectRef idx="0"/>
+    <cs:fontRef idx="minor">
+      <a:schemeClr val="tx1"/>
+    </cs:fontRef>
+    <cs:spPr>
+      <a:ln w="28575" cap="rnd">
+        <a:solidFill>
+          <a:schemeClr val="phClr"/>
+        </a:solidFill>
+        <a:round/>
+      </a:ln>
+    </cs:spPr>
+  </cs:dataPointLine>
+  <cs:dataPointMarker>
+    <cs:lnRef idx="0">
+      <cs:styleClr val="auto"/>
+    </cs:lnRef>
+    <cs:fillRef idx="1">
+      <cs:styleClr val="auto"/>
+    </cs:fillRef>
+    <cs:effectRef idx="0"/>
+    <cs:fontRef idx="minor">
+      <a:schemeClr val="tx1"/>
+    </cs:fontRef>
+    <cs:spPr>
+      <a:solidFill>
+        <a:schemeClr val="phClr"/>
+      </a:solidFill>
+      <a:ln w="9525">
+        <a:solidFill>
+          <a:schemeClr val="phClr"/>
+        </a:solidFill>
+      </a:ln>
+    </cs:spPr>
+  </cs:dataPointMarker>
+  <cs:dataPointMarkerLayout symbol="circle" size="5"/>
+  <cs:dataPointWireframe>
+    <cs:lnRef idx="0">
+      <cs:styleClr val="auto"/>
+    </cs:lnRef>
+    <cs:fillRef idx="1"/>
+    <cs:effectRef idx="0"/>
+    <cs:fontRef idx="minor">
+      <a:schemeClr val="tx1"/>
+    </cs:fontRef>
+    <cs:spPr>
+      <a:ln w="9525" cap="rnd">
+        <a:solidFill>
+          <a:schemeClr val="phClr"/>
+        </a:solidFill>
+        <a:round/>
+      </a:ln>
+    </cs:spPr>
+  </cs:dataPointWireframe>
+  <cs:dataTable>
+    <cs:lnRef idx="0"/>
+    <cs:fillRef idx="0"/>
+    <cs:effectRef idx="0"/>
+    <cs:fontRef idx="minor">
+      <a:schemeClr val="tx1">
+        <a:lumMod val="65000"/>
+        <a:lumOff val="35000"/>
+      </a:schemeClr>
+    </cs:fontRef>
+    <cs:spPr>
+      <a:noFill/>
+      <a:ln w="9525" cap="flat" cmpd="sng" algn="ctr">
+        <a:solidFill>
+          <a:schemeClr val="tx1">
+            <a:lumMod val="15000"/>
+            <a:lumOff val="85000"/>
+          </a:schemeClr>
+        </a:solidFill>
+        <a:round/>
+      </a:ln>
+    </cs:spPr>
+    <cs:defRPr sz="900" kern="1200"/>
+  </cs:dataTable>
+  <cs:downBar>
+    <cs:lnRef idx="0"/>
+    <cs:fillRef idx="0"/>
+    <cs:effectRef idx="0"/>
+    <cs:fontRef idx="minor">
+      <a:schemeClr val="dk1"/>
+    </cs:fontRef>
+    <cs:spPr>
+      <a:solidFill>
+        <a:schemeClr val="dk1">
+          <a:lumMod val="65000"/>
+          <a:lumOff val="35000"/>
+        </a:schemeClr>
+      </a:solidFill>
+      <a:ln w="9525">
+        <a:solidFill>
+          <a:schemeClr val="tx1">
+            <a:lumMod val="65000"/>
+            <a:lumOff val="35000"/>
+          </a:schemeClr>
+        </a:solidFill>
+      </a:ln>
+    </cs:spPr>
+  </cs:downBar>
+  <cs:dropLine>
+    <cs:lnRef idx="0"/>
+    <cs:fillRef idx="0"/>
+    <cs:effectRef idx="0"/>
+    <cs:fontRef idx="minor">
+      <a:schemeClr val="tx1"/>
+    </cs:fontRef>
+    <cs:spPr>
+      <a:ln w="9525" cap="flat" cmpd="sng" algn="ctr">
+        <a:solidFill>
+          <a:schemeClr val="tx1">
+            <a:lumMod val="35000"/>
+            <a:lumOff val="65000"/>
+          </a:schemeClr>
+        </a:solidFill>
+        <a:round/>
+      </a:ln>
+    </cs:spPr>
+  </cs:dropLine>
+  <cs:errorBar>
+    <cs:lnRef idx="0"/>
+    <cs:fillRef idx="0"/>
+    <cs:effectRef idx="0"/>
+    <cs:fontRef idx="minor">
+      <a:schemeClr val="tx1"/>
+    </cs:fontRef>
+    <cs:spPr>
+      <a:ln w="9525" cap="flat" cmpd="sng" algn="ctr">
+        <a:solidFill>
+          <a:schemeClr val="tx1">
+            <a:lumMod val="65000"/>
+            <a:lumOff val="35000"/>
+          </a:schemeClr>
+        </a:solidFill>
+        <a:round/>
+      </a:ln>
+    </cs:spPr>
+  </cs:errorBar>
+  <cs:floor>
+    <cs:lnRef idx="0"/>
+    <cs:fillRef idx="0"/>
+    <cs:effectRef idx="0"/>
+    <cs:fontRef idx="minor">
+      <a:schemeClr val="tx1"/>
+    </cs:fontRef>
+    <cs:spPr>
+      <a:noFill/>
+      <a:ln>
+        <a:noFill/>
+      </a:ln>
+    </cs:spPr>
+  </cs:floor>
+  <cs:gridlineMajor>
+    <cs:lnRef idx="0"/>
+    <cs:fillRef idx="0"/>
+    <cs:effectRef idx="0"/>
+    <cs:fontRef idx="minor">
+      <a:schemeClr val="tx1"/>
+    </cs:fontRef>
+    <cs:spPr>
+      <a:ln w="9525" cap="flat" cmpd="sng" algn="ctr">
+        <a:solidFill>
+          <a:schemeClr val="tx1">
+            <a:lumMod val="15000"/>
+            <a:lumOff val="85000"/>
+          </a:schemeClr>
+        </a:solidFill>
+        <a:round/>
+      </a:ln>
+    </cs:spPr>
+  </cs:gridlineMajor>
+  <cs:gridlineMinor>
+    <cs:lnRef idx="0"/>
+    <cs:fillRef idx="0"/>
+    <cs:effectRef idx="0"/>
+    <cs:fontRef idx="minor">
+      <a:schemeClr val="tx1"/>
+    </cs:fontRef>
+    <cs:spPr>
+      <a:ln w="9525" cap="flat" cmpd="sng" algn="ctr">
+        <a:solidFill>
+          <a:schemeClr val="tx1">
+            <a:lumMod val="5000"/>
+            <a:lumOff val="95000"/>
+          </a:schemeClr>
+        </a:solidFill>
+        <a:round/>
+      </a:ln>
+    </cs:spPr>
+  </cs:gridlineMinor>
+  <cs:hiLoLine>
+    <cs:lnRef idx="0"/>
+    <cs:fillRef idx="0"/>
+    <cs:effectRef idx="0"/>
+    <cs:fontRef idx="minor">
+      <a:schemeClr val="tx1"/>
+    </cs:fontRef>
+    <cs:spPr>
+      <a:ln w="9525" cap="flat" cmpd="sng" algn="ctr">
+        <a:solidFill>
+          <a:schemeClr val="tx1">
+            <a:lumMod val="75000"/>
+            <a:lumOff val="25000"/>
+          </a:schemeClr>
+        </a:solidFill>
+        <a:round/>
+      </a:ln>
+    </cs:spPr>
+  </cs:hiLoLine>
+  <cs:leaderLine>
+    <cs:lnRef idx="0"/>
+    <cs:fillRef idx="0"/>
+    <cs:effectRef idx="0"/>
+    <cs:fontRef idx="minor">
+      <a:schemeClr val="tx1"/>
+    </cs:fontRef>
+    <cs:spPr>
+      <a:ln w="9525" cap="flat" cmpd="sng" algn="ctr">
+        <a:solidFill>
+          <a:schemeClr val="tx1">
+            <a:lumMod val="35000"/>
+            <a:lumOff val="65000"/>
+          </a:schemeClr>
+        </a:solidFill>
+        <a:round/>
+      </a:ln>
+    </cs:spPr>
+  </cs:leaderLine>
+  <cs:legend>
+    <cs:lnRef idx="0"/>
+    <cs:fillRef idx="0"/>
+    <cs:effectRef idx="0"/>
+    <cs:fontRef idx="minor">
+      <a:schemeClr val="tx1">
+        <a:lumMod val="65000"/>
+        <a:lumOff val="35000"/>
+      </a:schemeClr>
+    </cs:fontRef>
+    <cs:defRPr sz="900" kern="1200"/>
+  </cs:legend>
+  <cs:plotArea mods="allowNoFillOverride allowNoLineOverride">
+    <cs:lnRef idx="0"/>
+    <cs:fillRef idx="0"/>
+    <cs:effectRef idx="0"/>
+    <cs:fontRef idx="minor">
+      <a:schemeClr val="tx1"/>
+    </cs:fontRef>
+  </cs:plotArea>
+  <cs:plotArea3D mods="allowNoFillOverride allowNoLineOverride">
+    <cs:lnRef idx="0"/>
+    <cs:fillRef idx="0"/>
+    <cs:effectRef idx="0"/>
+    <cs:fontRef idx="minor">
+      <a:schemeClr val="tx1"/>
+    </cs:fontRef>
+  </cs:plotArea3D>
+  <cs:seriesAxis>
+    <cs:lnRef idx="0"/>
+    <cs:fillRef idx="0"/>
+    <cs:effectRef idx="0"/>
+    <cs:fontRef idx="minor">
+      <a:schemeClr val="tx1">
+        <a:lumMod val="65000"/>
+        <a:lumOff val="35000"/>
+      </a:schemeClr>
+    </cs:fontRef>
+    <cs:defRPr sz="900" kern="1200"/>
+  </cs:seriesAxis>
+  <cs:seriesLine>
+    <cs:lnRef idx="0"/>
+    <cs:fillRef idx="0"/>
+    <cs:effectRef idx="0"/>
+    <cs:fontRef idx="minor">
+      <a:schemeClr val="tx1"/>
+    </cs:fontRef>
+    <cs:spPr>
+      <a:ln w="9525" cap="flat" cmpd="sng" algn="ctr">
+        <a:solidFill>
+          <a:schemeClr val="tx1">
+            <a:lumMod val="35000"/>
+            <a:lumOff val="65000"/>
+          </a:schemeClr>
+        </a:solidFill>
+        <a:round/>
+      </a:ln>
+    </cs:spPr>
+  </cs:seriesLine>
+  <cs:title>
+    <cs:lnRef idx="0"/>
+    <cs:fillRef idx="0"/>
+    <cs:effectRef idx="0"/>
+    <cs:fontRef idx="minor">
+      <a:schemeClr val="tx1">
+        <a:lumMod val="65000"/>
+        <a:lumOff val="35000"/>
+      </a:schemeClr>
+    </cs:fontRef>
+    <cs:defRPr sz="1400" b="0" kern="1200" spc="0" baseline="0"/>
+  </cs:title>
+  <cs:trendline>
+    <cs:lnRef idx="0">
+      <cs:styleClr val="auto"/>
+    </cs:lnRef>
+    <cs:fillRef idx="0"/>
+    <cs:effectRef idx="0"/>
+    <cs:fontRef idx="minor">
+      <a:schemeClr val="tx1"/>
+    </cs:fontRef>
+    <cs:spPr>
+      <a:ln w="19050" cap="rnd">
+        <a:solidFill>
+          <a:schemeClr val="phClr"/>
+        </a:solidFill>
+        <a:prstDash val="sysDot"/>
+      </a:ln>
+    </cs:spPr>
+  </cs:trendline>
+  <cs:trendlineLabel>
+    <cs:lnRef idx="0"/>
+    <cs:fillRef idx="0"/>
+    <cs:effectRef idx="0"/>
+    <cs:fontRef idx="minor">
+      <a:schemeClr val="tx1">
+        <a:lumMod val="65000"/>
+        <a:lumOff val="35000"/>
+      </a:schemeClr>
+    </cs:fontRef>
+    <cs:defRPr sz="900" kern="1200"/>
+  </cs:trendlineLabel>
+  <cs:upBar>
+    <cs:lnRef idx="0"/>
+    <cs:fillRef idx="0"/>
+    <cs:effectRef idx="0"/>
+    <cs:fontRef idx="minor">
+      <a:schemeClr val="dk1"/>
+    </cs:fontRef>
+    <cs:spPr>
+      <a:solidFill>
+        <a:schemeClr val="lt1"/>
+      </a:solidFill>
+      <a:ln w="9525">
+        <a:solidFill>
+          <a:schemeClr val="tx1">
+            <a:lumMod val="15000"/>
+            <a:lumOff val="85000"/>
+          </a:schemeClr>
+        </a:solidFill>
+      </a:ln>
+    </cs:spPr>
+  </cs:upBar>
+  <cs:valueAxis>
+    <cs:lnRef idx="0"/>
+    <cs:fillRef idx="0"/>
+    <cs:effectRef idx="0"/>
+    <cs:fontRef idx="minor">
+      <a:schemeClr val="tx1">
+        <a:lumMod val="65000"/>
+        <a:lumOff val="35000"/>
+      </a:schemeClr>
+    </cs:fontRef>
     <cs:defRPr sz="900" kern="1200"/>
   </cs:valueAxis>
   <cs:wall>
@@ -1069,7 +5406,7 @@
           <a:p>
             <a:fld id="{4321FB62-D18A-4E57-BB01-ACB74E262929}" type="datetimeFigureOut">
               <a:rPr lang="ru-RU" smtClean="0"/>
-              <a:t>25.03.2025</a:t>
+              <a:t>08.04.2025</a:t>
             </a:fld>
             <a:endParaRPr lang="ru-RU"/>
           </a:p>
@@ -1335,6 +5672,90 @@
     </a:lvl9pPr>
   </p:notesStyle>
 </p:notesMaster>
+</file>
+
+<file path=ppt/notesSlides/notesSlide1.xml><?xml version="1.0" encoding="utf-8"?>
+<p:notes xmlns:a="http://schemas.openxmlformats.org/drawingml/2006/main" xmlns:r="http://schemas.openxmlformats.org/officeDocument/2006/relationships" xmlns:p="http://schemas.openxmlformats.org/presentationml/2006/main">
+  <p:cSld>
+    <p:spTree>
+      <p:nvGrpSpPr>
+        <p:cNvPr id="1" name=""/>
+        <p:cNvGrpSpPr/>
+        <p:nvPr/>
+      </p:nvGrpSpPr>
+      <p:grpSpPr>
+        <a:xfrm>
+          <a:off x="0" y="0"/>
+          <a:ext cx="0" cy="0"/>
+          <a:chOff x="0" y="0"/>
+          <a:chExt cx="0" cy="0"/>
+        </a:xfrm>
+      </p:grpSpPr>
+      <p:sp>
+        <p:nvSpPr>
+          <p:cNvPr id="2" name="Образ слайда 1"/>
+          <p:cNvSpPr>
+            <a:spLocks noGrp="1" noRot="1" noChangeAspect="1"/>
+          </p:cNvSpPr>
+          <p:nvPr>
+            <p:ph type="sldImg"/>
+          </p:nvPr>
+        </p:nvSpPr>
+        <p:spPr/>
+      </p:sp>
+      <p:sp>
+        <p:nvSpPr>
+          <p:cNvPr id="3" name="Заметки 2"/>
+          <p:cNvSpPr>
+            <a:spLocks noGrp="1"/>
+          </p:cNvSpPr>
+          <p:nvPr>
+            <p:ph type="body" idx="1"/>
+          </p:nvPr>
+        </p:nvSpPr>
+        <p:spPr/>
+        <p:txBody>
+          <a:bodyPr/>
+          <a:lstStyle/>
+          <a:p>
+            <a:endParaRPr lang="ru-RU"/>
+          </a:p>
+        </p:txBody>
+      </p:sp>
+      <p:sp>
+        <p:nvSpPr>
+          <p:cNvPr id="4" name="Номер слайда 3"/>
+          <p:cNvSpPr>
+            <a:spLocks noGrp="1"/>
+          </p:cNvSpPr>
+          <p:nvPr>
+            <p:ph type="sldNum" sz="quarter" idx="10"/>
+          </p:nvPr>
+        </p:nvSpPr>
+        <p:spPr/>
+        <p:txBody>
+          <a:bodyPr/>
+          <a:lstStyle/>
+          <a:p>
+            <a:fld id="{317B81BB-DC7C-4C3B-B4BE-A9D922B62535}" type="slidenum">
+              <a:rPr lang="ru-RU" smtClean="0"/>
+              <a:t>7</a:t>
+            </a:fld>
+            <a:endParaRPr lang="ru-RU"/>
+          </a:p>
+        </p:txBody>
+      </p:sp>
+    </p:spTree>
+    <p:extLst>
+      <p:ext uri="{BB962C8B-B14F-4D97-AF65-F5344CB8AC3E}">
+        <p14:creationId xmlns:p14="http://schemas.microsoft.com/office/powerpoint/2010/main" val="3405838147"/>
+      </p:ext>
+    </p:extLst>
+  </p:cSld>
+  <p:clrMapOvr>
+    <a:masterClrMapping/>
+  </p:clrMapOvr>
+</p:notes>
 </file>
 
 <file path=ppt/slideLayouts/slideLayout1.xml><?xml version="1.0" encoding="utf-8"?>
@@ -1466,9 +5887,9 @@
           <a:bodyPr/>
           <a:lstStyle/>
           <a:p>
-            <a:fld id="{35BEDBC2-3DFC-4C2A-AB81-87610FC39E2A}" type="datetimeFigureOut">
+            <a:fld id="{77813A42-1563-4389-B0CB-08B2349BA135}" type="datetime1">
               <a:rPr lang="ru-RU" smtClean="0"/>
-              <a:t>25.03.2025</a:t>
+              <a:t>08.04.2025</a:t>
             </a:fld>
             <a:endParaRPr lang="ru-RU"/>
           </a:p>
@@ -1636,9 +6057,9 @@
           <a:bodyPr/>
           <a:lstStyle/>
           <a:p>
-            <a:fld id="{35BEDBC2-3DFC-4C2A-AB81-87610FC39E2A}" type="datetimeFigureOut">
+            <a:fld id="{EA713A6D-99A7-41D4-9EA4-6437FE3F9310}" type="datetime1">
               <a:rPr lang="ru-RU" smtClean="0"/>
-              <a:t>25.03.2025</a:t>
+              <a:t>08.04.2025</a:t>
             </a:fld>
             <a:endParaRPr lang="ru-RU"/>
           </a:p>
@@ -1816,9 +6237,9 @@
           <a:bodyPr/>
           <a:lstStyle/>
           <a:p>
-            <a:fld id="{35BEDBC2-3DFC-4C2A-AB81-87610FC39E2A}" type="datetimeFigureOut">
+            <a:fld id="{BB4BBF68-E996-4B96-8999-0FE01009D7DB}" type="datetime1">
               <a:rPr lang="ru-RU" smtClean="0"/>
-              <a:t>25.03.2025</a:t>
+              <a:t>08.04.2025</a:t>
             </a:fld>
             <a:endParaRPr lang="ru-RU"/>
           </a:p>
@@ -1986,9 +6407,9 @@
           <a:bodyPr/>
           <a:lstStyle/>
           <a:p>
-            <a:fld id="{35BEDBC2-3DFC-4C2A-AB81-87610FC39E2A}" type="datetimeFigureOut">
+            <a:fld id="{9AA802F1-17AB-468A-B551-11180D3540E6}" type="datetime1">
               <a:rPr lang="ru-RU" smtClean="0"/>
-              <a:t>25.03.2025</a:t>
+              <a:t>08.04.2025</a:t>
             </a:fld>
             <a:endParaRPr lang="ru-RU"/>
           </a:p>
@@ -2232,9 +6653,9 @@
           <a:bodyPr/>
           <a:lstStyle/>
           <a:p>
-            <a:fld id="{35BEDBC2-3DFC-4C2A-AB81-87610FC39E2A}" type="datetimeFigureOut">
+            <a:fld id="{C085F898-E0AD-4364-86AA-FF2C1ED21A58}" type="datetime1">
               <a:rPr lang="ru-RU" smtClean="0"/>
-              <a:t>25.03.2025</a:t>
+              <a:t>08.04.2025</a:t>
             </a:fld>
             <a:endParaRPr lang="ru-RU"/>
           </a:p>
@@ -2464,9 +6885,9 @@
           <a:bodyPr/>
           <a:lstStyle/>
           <a:p>
-            <a:fld id="{35BEDBC2-3DFC-4C2A-AB81-87610FC39E2A}" type="datetimeFigureOut">
+            <a:fld id="{DF7E2CC3-F0F2-4AF6-802F-5B8C7A735C8D}" type="datetime1">
               <a:rPr lang="ru-RU" smtClean="0"/>
-              <a:t>25.03.2025</a:t>
+              <a:t>08.04.2025</a:t>
             </a:fld>
             <a:endParaRPr lang="ru-RU"/>
           </a:p>
@@ -2831,9 +7252,9 @@
           <a:bodyPr/>
           <a:lstStyle/>
           <a:p>
-            <a:fld id="{35BEDBC2-3DFC-4C2A-AB81-87610FC39E2A}" type="datetimeFigureOut">
+            <a:fld id="{273ADA17-C6CE-4210-8451-A5B8C49AB2AC}" type="datetime1">
               <a:rPr lang="ru-RU" smtClean="0"/>
-              <a:t>25.03.2025</a:t>
+              <a:t>08.04.2025</a:t>
             </a:fld>
             <a:endParaRPr lang="ru-RU"/>
           </a:p>
@@ -2949,9 +7370,9 @@
           <a:bodyPr/>
           <a:lstStyle/>
           <a:p>
-            <a:fld id="{35BEDBC2-3DFC-4C2A-AB81-87610FC39E2A}" type="datetimeFigureOut">
+            <a:fld id="{77489695-FA64-487E-9567-DDC06A08D302}" type="datetime1">
               <a:rPr lang="ru-RU" smtClean="0"/>
-              <a:t>25.03.2025</a:t>
+              <a:t>08.04.2025</a:t>
             </a:fld>
             <a:endParaRPr lang="ru-RU"/>
           </a:p>
@@ -3044,9 +7465,9 @@
           <a:bodyPr/>
           <a:lstStyle/>
           <a:p>
-            <a:fld id="{35BEDBC2-3DFC-4C2A-AB81-87610FC39E2A}" type="datetimeFigureOut">
+            <a:fld id="{E74C9373-BCD5-4817-AE75-2C52D91E0815}" type="datetime1">
               <a:rPr lang="ru-RU" smtClean="0"/>
-              <a:t>25.03.2025</a:t>
+              <a:t>08.04.2025</a:t>
             </a:fld>
             <a:endParaRPr lang="ru-RU"/>
           </a:p>
@@ -3321,9 +7742,9 @@
           <a:bodyPr/>
           <a:lstStyle/>
           <a:p>
-            <a:fld id="{35BEDBC2-3DFC-4C2A-AB81-87610FC39E2A}" type="datetimeFigureOut">
+            <a:fld id="{291F6D60-9042-4CDA-9E6B-4508012467C4}" type="datetime1">
               <a:rPr lang="ru-RU" smtClean="0"/>
-              <a:t>25.03.2025</a:t>
+              <a:t>08.04.2025</a:t>
             </a:fld>
             <a:endParaRPr lang="ru-RU"/>
           </a:p>
@@ -3574,9 +7995,9 @@
           <a:bodyPr/>
           <a:lstStyle/>
           <a:p>
-            <a:fld id="{35BEDBC2-3DFC-4C2A-AB81-87610FC39E2A}" type="datetimeFigureOut">
+            <a:fld id="{3BC11127-6070-4969-BCBA-B51A5241952A}" type="datetime1">
               <a:rPr lang="ru-RU" smtClean="0"/>
-              <a:t>25.03.2025</a:t>
+              <a:t>08.04.2025</a:t>
             </a:fld>
             <a:endParaRPr lang="ru-RU"/>
           </a:p>
@@ -3787,9 +8208,9 @@
             </a:lvl1pPr>
           </a:lstStyle>
           <a:p>
-            <a:fld id="{35BEDBC2-3DFC-4C2A-AB81-87610FC39E2A}" type="datetimeFigureOut">
+            <a:fld id="{4075E8DD-4B05-44A6-A92B-D75F880F0A7D}" type="datetime1">
               <a:rPr lang="ru-RU" smtClean="0"/>
-              <a:t>25.03.2025</a:t>
+              <a:t>08.04.2025</a:t>
             </a:fld>
             <a:endParaRPr lang="ru-RU"/>
           </a:p>
@@ -3894,6 +8315,7 @@
     <p:sldLayoutId id="2147483721" r:id="rId10"/>
     <p:sldLayoutId id="2147483722" r:id="rId11"/>
   </p:sldLayoutIdLst>
+  <p:hf hdr="0" ftr="0" dt="0"/>
   <p:txStyles>
     <p:titleStyle>
       <a:lvl1pPr algn="l" defTabSz="914400" rtl="0" eaLnBrk="1" latinLnBrk="0" hangingPunct="1">
@@ -4206,8 +8628,8 @@
         </p:nvSpPr>
         <p:spPr>
           <a:xfrm>
-            <a:off x="1543048" y="2514600"/>
-            <a:ext cx="9144000" cy="950334"/>
+            <a:off x="1419223" y="542925"/>
+            <a:ext cx="9144000" cy="1228724"/>
           </a:xfrm>
         </p:spPr>
         <p:txBody>
@@ -4215,7 +8637,7 @@
           <a:lstStyle/>
           <a:p>
             <a:r>
-              <a:rPr lang="en-US" dirty="0" err="1" smtClean="0"/>
+              <a:rPr lang="en-US" sz="8000" dirty="0" err="1" smtClean="0"/>
               <a:t>UnforPillable</a:t>
             </a:r>
             <a:endParaRPr lang="ru-RU" dirty="0"/>
@@ -4224,388 +8646,57 @@
       </p:sp>
       <p:sp>
         <p:nvSpPr>
-          <p:cNvPr id="3" name="Подзаголовок 2"/>
+          <p:cNvPr id="6" name="Номер слайда 5"/>
           <p:cNvSpPr>
             <a:spLocks noGrp="1"/>
           </p:cNvSpPr>
           <p:nvPr>
-            <p:ph type="subTitle" idx="1"/>
+            <p:ph type="sldNum" sz="quarter" idx="12"/>
           </p:nvPr>
         </p:nvSpPr>
-        <p:spPr>
-          <a:xfrm>
-            <a:off x="314324" y="3752850"/>
-            <a:ext cx="11601449" cy="2886075"/>
-          </a:xfrm>
-        </p:spPr>
+        <p:spPr/>
         <p:txBody>
-          <a:bodyPr>
-            <a:normAutofit/>
-          </a:bodyPr>
+          <a:bodyPr/>
           <a:lstStyle/>
           <a:p>
-            <a:pPr algn="r"/>
-            <a:r>
-              <a:rPr lang="ru-RU" sz="2000" dirty="0" smtClean="0"/>
-              <a:t>Выполнили студенты 3 курса группы 21ПГ:</a:t>
-            </a:r>
-          </a:p>
-          <a:p>
-            <a:pPr algn="r"/>
-            <a:r>
-              <a:rPr lang="ru-RU" sz="2000" dirty="0" smtClean="0"/>
-              <a:t>Банных Мария Алексеевна</a:t>
-            </a:r>
-          </a:p>
-          <a:p>
-            <a:pPr algn="r"/>
-            <a:r>
-              <a:rPr lang="ru-RU" sz="2000" dirty="0" err="1" smtClean="0"/>
-              <a:t>Василения</a:t>
-            </a:r>
-            <a:r>
-              <a:rPr lang="ru-RU" sz="2000" dirty="0" smtClean="0"/>
-              <a:t> Иван Валерьевич</a:t>
-            </a:r>
-          </a:p>
-          <a:p>
-            <a:pPr algn="r"/>
-            <a:r>
-              <a:rPr lang="ru-RU" sz="2000" dirty="0" smtClean="0"/>
-              <a:t>Мельниченко Артем Олегович</a:t>
-            </a:r>
-          </a:p>
-          <a:p>
-            <a:pPr algn="r"/>
-            <a:r>
-              <a:rPr lang="ru-RU" sz="2000" dirty="0" smtClean="0"/>
-              <a:t>Мельников Артем Евгеньевич</a:t>
-            </a:r>
-          </a:p>
-          <a:p>
-            <a:pPr algn="r"/>
-            <a:endParaRPr lang="ru-RU" sz="2000" dirty="0"/>
-          </a:p>
-          <a:p>
-            <a:r>
-              <a:rPr lang="ru-RU" sz="1600" dirty="0" smtClean="0"/>
-              <a:t>Орёл, 2025 г.</a:t>
-            </a:r>
-            <a:endParaRPr lang="ru-RU" sz="1600" dirty="0"/>
+            <a:fld id="{0C754EC7-573A-4167-8EBA-CF3C8BEA153C}" type="slidenum">
+              <a:rPr lang="ru-RU" sz="1400" smtClean="0"/>
+              <a:t>1</a:t>
+            </a:fld>
+            <a:endParaRPr lang="ru-RU" sz="1400" dirty="0"/>
           </a:p>
         </p:txBody>
       </p:sp>
-      <p:sp>
-        <p:nvSpPr>
-          <p:cNvPr id="5" name="Подзаголовок 2"/>
-          <p:cNvSpPr txBox="1">
-            <a:spLocks/>
-          </p:cNvSpPr>
-          <p:nvPr/>
-        </p:nvSpPr>
-        <p:spPr>
-          <a:xfrm>
-            <a:off x="238125" y="314326"/>
-            <a:ext cx="11601449" cy="1912358"/>
-          </a:xfrm>
-          <a:prstGeom prst="rect">
-            <a:avLst/>
-          </a:prstGeom>
-        </p:spPr>
-        <p:txBody>
-          <a:bodyPr vert="horz" lIns="91440" tIns="45720" rIns="91440" bIns="45720" rtlCol="0">
-            <a:noAutofit/>
-          </a:bodyPr>
-          <a:lstStyle>
-            <a:lvl1pPr marL="0" indent="0" algn="ctr" defTabSz="914400" rtl="0" eaLnBrk="1" latinLnBrk="0" hangingPunct="1">
-              <a:lnSpc>
-                <a:spcPct val="90000"/>
-              </a:lnSpc>
-              <a:spcBef>
-                <a:spcPts val="1000"/>
-              </a:spcBef>
-              <a:buFont typeface="Arial" panose="020B0604020202020204" pitchFamily="34" charset="0"/>
-              <a:buNone/>
-              <a:defRPr sz="2400" kern="1200">
-                <a:solidFill>
-                  <a:schemeClr val="tx1"/>
-                </a:solidFill>
-                <a:latin typeface="+mn-lt"/>
-                <a:ea typeface="+mn-ea"/>
-                <a:cs typeface="+mn-cs"/>
-              </a:defRPr>
-            </a:lvl1pPr>
-            <a:lvl2pPr marL="457200" indent="0" algn="ctr" defTabSz="914400" rtl="0" eaLnBrk="1" latinLnBrk="0" hangingPunct="1">
-              <a:lnSpc>
-                <a:spcPct val="90000"/>
-              </a:lnSpc>
-              <a:spcBef>
-                <a:spcPts val="500"/>
-              </a:spcBef>
-              <a:buFont typeface="Arial" panose="020B0604020202020204" pitchFamily="34" charset="0"/>
-              <a:buNone/>
-              <a:defRPr sz="2000" kern="1200">
-                <a:solidFill>
-                  <a:schemeClr val="tx1"/>
-                </a:solidFill>
-                <a:latin typeface="+mn-lt"/>
-                <a:ea typeface="+mn-ea"/>
-                <a:cs typeface="+mn-cs"/>
-              </a:defRPr>
-            </a:lvl2pPr>
-            <a:lvl3pPr marL="914400" indent="0" algn="ctr" defTabSz="914400" rtl="0" eaLnBrk="1" latinLnBrk="0" hangingPunct="1">
-              <a:lnSpc>
-                <a:spcPct val="90000"/>
-              </a:lnSpc>
-              <a:spcBef>
-                <a:spcPts val="500"/>
-              </a:spcBef>
-              <a:buFont typeface="Arial" panose="020B0604020202020204" pitchFamily="34" charset="0"/>
-              <a:buNone/>
-              <a:defRPr sz="1800" kern="1200">
-                <a:solidFill>
-                  <a:schemeClr val="tx1"/>
-                </a:solidFill>
-                <a:latin typeface="+mn-lt"/>
-                <a:ea typeface="+mn-ea"/>
-                <a:cs typeface="+mn-cs"/>
-              </a:defRPr>
-            </a:lvl3pPr>
-            <a:lvl4pPr marL="1371600" indent="0" algn="ctr" defTabSz="914400" rtl="0" eaLnBrk="1" latinLnBrk="0" hangingPunct="1">
-              <a:lnSpc>
-                <a:spcPct val="90000"/>
-              </a:lnSpc>
-              <a:spcBef>
-                <a:spcPts val="500"/>
-              </a:spcBef>
-              <a:buFont typeface="Arial" panose="020B0604020202020204" pitchFamily="34" charset="0"/>
-              <a:buNone/>
-              <a:defRPr sz="1600" kern="1200">
-                <a:solidFill>
-                  <a:schemeClr val="tx1"/>
-                </a:solidFill>
-                <a:latin typeface="+mn-lt"/>
-                <a:ea typeface="+mn-ea"/>
-                <a:cs typeface="+mn-cs"/>
-              </a:defRPr>
-            </a:lvl4pPr>
-            <a:lvl5pPr marL="1828800" indent="0" algn="ctr" defTabSz="914400" rtl="0" eaLnBrk="1" latinLnBrk="0" hangingPunct="1">
-              <a:lnSpc>
-                <a:spcPct val="90000"/>
-              </a:lnSpc>
-              <a:spcBef>
-                <a:spcPts val="500"/>
-              </a:spcBef>
-              <a:buFont typeface="Arial" panose="020B0604020202020204" pitchFamily="34" charset="0"/>
-              <a:buNone/>
-              <a:defRPr sz="1600" kern="1200">
-                <a:solidFill>
-                  <a:schemeClr val="tx1"/>
-                </a:solidFill>
-                <a:latin typeface="+mn-lt"/>
-                <a:ea typeface="+mn-ea"/>
-                <a:cs typeface="+mn-cs"/>
-              </a:defRPr>
-            </a:lvl5pPr>
-            <a:lvl6pPr marL="2286000" indent="0" algn="ctr" defTabSz="914400" rtl="0" eaLnBrk="1" latinLnBrk="0" hangingPunct="1">
-              <a:lnSpc>
-                <a:spcPct val="90000"/>
-              </a:lnSpc>
-              <a:spcBef>
-                <a:spcPts val="500"/>
-              </a:spcBef>
-              <a:buFont typeface="Arial" panose="020B0604020202020204" pitchFamily="34" charset="0"/>
-              <a:buNone/>
-              <a:defRPr sz="1600" kern="1200">
-                <a:solidFill>
-                  <a:schemeClr val="tx1"/>
-                </a:solidFill>
-                <a:latin typeface="+mn-lt"/>
-                <a:ea typeface="+mn-ea"/>
-                <a:cs typeface="+mn-cs"/>
-              </a:defRPr>
-            </a:lvl6pPr>
-            <a:lvl7pPr marL="2743200" indent="0" algn="ctr" defTabSz="914400" rtl="0" eaLnBrk="1" latinLnBrk="0" hangingPunct="1">
-              <a:lnSpc>
-                <a:spcPct val="90000"/>
-              </a:lnSpc>
-              <a:spcBef>
-                <a:spcPts val="500"/>
-              </a:spcBef>
-              <a:buFont typeface="Arial" panose="020B0604020202020204" pitchFamily="34" charset="0"/>
-              <a:buNone/>
-              <a:defRPr sz="1600" kern="1200">
-                <a:solidFill>
-                  <a:schemeClr val="tx1"/>
-                </a:solidFill>
-                <a:latin typeface="+mn-lt"/>
-                <a:ea typeface="+mn-ea"/>
-                <a:cs typeface="+mn-cs"/>
-              </a:defRPr>
-            </a:lvl7pPr>
-            <a:lvl8pPr marL="3200400" indent="0" algn="ctr" defTabSz="914400" rtl="0" eaLnBrk="1" latinLnBrk="0" hangingPunct="1">
-              <a:lnSpc>
-                <a:spcPct val="90000"/>
-              </a:lnSpc>
-              <a:spcBef>
-                <a:spcPts val="500"/>
-              </a:spcBef>
-              <a:buFont typeface="Arial" panose="020B0604020202020204" pitchFamily="34" charset="0"/>
-              <a:buNone/>
-              <a:defRPr sz="1600" kern="1200">
-                <a:solidFill>
-                  <a:schemeClr val="tx1"/>
-                </a:solidFill>
-                <a:latin typeface="+mn-lt"/>
-                <a:ea typeface="+mn-ea"/>
-                <a:cs typeface="+mn-cs"/>
-              </a:defRPr>
-            </a:lvl8pPr>
-            <a:lvl9pPr marL="3657600" indent="0" algn="ctr" defTabSz="914400" rtl="0" eaLnBrk="1" latinLnBrk="0" hangingPunct="1">
-              <a:lnSpc>
-                <a:spcPct val="90000"/>
-              </a:lnSpc>
-              <a:spcBef>
-                <a:spcPts val="500"/>
-              </a:spcBef>
-              <a:buFont typeface="Arial" panose="020B0604020202020204" pitchFamily="34" charset="0"/>
-              <a:buNone/>
-              <a:defRPr sz="1600" kern="1200">
-                <a:solidFill>
-                  <a:schemeClr val="tx1"/>
-                </a:solidFill>
-                <a:latin typeface="+mn-lt"/>
-                <a:ea typeface="+mn-ea"/>
-                <a:cs typeface="+mn-cs"/>
-              </a:defRPr>
-            </a:lvl9pPr>
-          </a:lstStyle>
-          <a:p>
-            <a:pPr>
-              <a:lnSpc>
-                <a:spcPct val="107000"/>
-              </a:lnSpc>
-            </a:pPr>
-            <a:r>
-              <a:rPr lang="ru-RU" sz="1600" dirty="0" smtClean="0">
-                <a:solidFill>
-                  <a:srgbClr val="000000"/>
-                </a:solidFill>
-                <a:latin typeface="Times New Roman" panose="02020603050405020304" pitchFamily="18" charset="0"/>
-                <a:ea typeface="Calibri" panose="020F0502020204030204" pitchFamily="34" charset="0"/>
-                <a:cs typeface="Times New Roman" panose="02020603050405020304" pitchFamily="18" charset="0"/>
-              </a:rPr>
-              <a:t>МИНИСТЕРСТВО НАУКИ И ВЫСШЕГО ОБРАЗОВАНИЯ</a:t>
-            </a:r>
-            <a:r>
-              <a:rPr lang="ru-RU" sz="1600" dirty="0" smtClean="0">
-                <a:latin typeface="Times New Roman" panose="02020603050405020304" pitchFamily="18" charset="0"/>
-                <a:ea typeface="Calibri" panose="020F0502020204030204" pitchFamily="34" charset="0"/>
-                <a:cs typeface="Times New Roman" panose="02020603050405020304" pitchFamily="18" charset="0"/>
-              </a:rPr>
-              <a:t> </a:t>
-            </a:r>
-            <a:r>
-              <a:rPr lang="ru-RU" sz="1600" dirty="0" smtClean="0">
-                <a:solidFill>
-                  <a:srgbClr val="000000"/>
-                </a:solidFill>
-                <a:latin typeface="Times New Roman" panose="02020603050405020304" pitchFamily="18" charset="0"/>
-                <a:ea typeface="Calibri" panose="020F0502020204030204" pitchFamily="34" charset="0"/>
-                <a:cs typeface="Times New Roman" panose="02020603050405020304" pitchFamily="18" charset="0"/>
-              </a:rPr>
-              <a:t>РОССИЙСКОЙ ФЕДЕРАЦИИ</a:t>
-            </a:r>
-            <a:r>
-              <a:rPr lang="ru-RU" sz="1600" dirty="0" smtClean="0">
-                <a:latin typeface="Times New Roman" panose="02020603050405020304" pitchFamily="18" charset="0"/>
-                <a:ea typeface="Calibri" panose="020F0502020204030204" pitchFamily="34" charset="0"/>
-                <a:cs typeface="Times New Roman" panose="02020603050405020304" pitchFamily="18" charset="0"/>
-              </a:rPr>
-              <a:t> </a:t>
-            </a:r>
-            <a:endParaRPr lang="ru-RU" sz="1600" dirty="0" smtClean="0">
-              <a:latin typeface="Calibri" panose="020F0502020204030204" pitchFamily="34" charset="0"/>
-              <a:ea typeface="Calibri" panose="020F0502020204030204" pitchFamily="34" charset="0"/>
-              <a:cs typeface="Times New Roman" panose="02020603050405020304" pitchFamily="18" charset="0"/>
-            </a:endParaRPr>
-          </a:p>
-          <a:p>
-            <a:pPr>
-              <a:lnSpc>
-                <a:spcPct val="107000"/>
-              </a:lnSpc>
-            </a:pPr>
-            <a:r>
-              <a:rPr lang="ru-RU" sz="1600" dirty="0" smtClean="0">
-                <a:solidFill>
-                  <a:srgbClr val="000000"/>
-                </a:solidFill>
-                <a:latin typeface="Times New Roman" panose="02020603050405020304" pitchFamily="18" charset="0"/>
-                <a:ea typeface="Calibri" panose="020F0502020204030204" pitchFamily="34" charset="0"/>
-                <a:cs typeface="Times New Roman" panose="02020603050405020304" pitchFamily="18" charset="0"/>
-              </a:rPr>
-              <a:t>ФЕДЕРАЛЬНОЕ ГОСУДАРСТВЕННОЕ БЮДЖЕТНОЕ ОБЩЕОБРАЗОВАТЕЛЬНОЕ УЧРЕЖДЕНИЕ ВЫСШЕГО ОБРАЗОВАНИЯ </a:t>
-            </a:r>
-          </a:p>
-          <a:p>
-            <a:pPr>
-              <a:lnSpc>
-                <a:spcPct val="107000"/>
-              </a:lnSpc>
-            </a:pPr>
-            <a:r>
-              <a:rPr lang="ru-RU" sz="1600" dirty="0" smtClean="0">
-                <a:solidFill>
-                  <a:srgbClr val="000000"/>
-                </a:solidFill>
-                <a:latin typeface="Times New Roman" panose="02020603050405020304" pitchFamily="18" charset="0"/>
-                <a:ea typeface="Calibri" panose="020F0502020204030204" pitchFamily="34" charset="0"/>
-                <a:cs typeface="Times New Roman" panose="02020603050405020304" pitchFamily="18" charset="0"/>
-              </a:rPr>
-              <a:t>«ОРЛОВСКИЙ ГОСУДАРСТВЕННЫЙ УНИВЕРСИТЕТ ИМЕНИ И. С. ТУРГЕНЕВА»</a:t>
-            </a:r>
-          </a:p>
-          <a:p>
-            <a:pPr>
-              <a:lnSpc>
-                <a:spcPct val="107000"/>
-              </a:lnSpc>
-            </a:pPr>
-            <a:endParaRPr lang="ru-RU" sz="1600" dirty="0">
-              <a:solidFill>
-                <a:srgbClr val="000000"/>
-              </a:solidFill>
-              <a:latin typeface="Times New Roman" panose="02020603050405020304" pitchFamily="18" charset="0"/>
-              <a:ea typeface="Calibri" panose="020F0502020204030204" pitchFamily="34" charset="0"/>
-              <a:cs typeface="Times New Roman" panose="02020603050405020304" pitchFamily="18" charset="0"/>
-            </a:endParaRPr>
-          </a:p>
-          <a:p>
-            <a:pPr>
-              <a:lnSpc>
-                <a:spcPct val="107000"/>
-              </a:lnSpc>
-            </a:pPr>
-            <a:r>
-              <a:rPr lang="ru-RU" sz="1600" dirty="0" smtClean="0">
-                <a:solidFill>
-                  <a:srgbClr val="000000"/>
-                </a:solidFill>
-                <a:latin typeface="Times New Roman" panose="02020603050405020304" pitchFamily="18" charset="0"/>
-                <a:ea typeface="Calibri" panose="020F0502020204030204" pitchFamily="34" charset="0"/>
-                <a:cs typeface="Times New Roman" panose="02020603050405020304" pitchFamily="18" charset="0"/>
-              </a:rPr>
-              <a:t> Кафедра информационных систем и цифровых технологий</a:t>
-            </a:r>
-            <a:endParaRPr lang="ru-RU" sz="1600" dirty="0">
-              <a:latin typeface="Calibri" panose="020F0502020204030204" pitchFamily="34" charset="0"/>
-              <a:ea typeface="Calibri" panose="020F0502020204030204" pitchFamily="34" charset="0"/>
-              <a:cs typeface="Times New Roman" panose="02020603050405020304" pitchFamily="18" charset="0"/>
-            </a:endParaRPr>
-          </a:p>
-        </p:txBody>
-      </p:sp>
+      <p:graphicFrame>
+        <p:nvGraphicFramePr>
+          <p:cNvPr id="7" name="Диаграмма 6">
+            <a:extLst>
+              <a:ext uri="{FF2B5EF4-FFF2-40B4-BE49-F238E27FC236}">
+                <a16:creationId xmlns:a16="http://schemas.microsoft.com/office/drawing/2014/main" id="{7A9F3300-6453-1E14-E40B-6F8B79ACCEFA}"/>
+              </a:ext>
+            </a:extLst>
+          </p:cNvPr>
+          <p:cNvGraphicFramePr>
+            <a:graphicFrameLocks/>
+          </p:cNvGraphicFramePr>
+          <p:nvPr>
+            <p:extLst>
+              <p:ext uri="{D42A27DB-BD31-4B8C-83A1-F6EECF244321}">
+                <p14:modId xmlns:p14="http://schemas.microsoft.com/office/powerpoint/2010/main" val="642896683"/>
+              </p:ext>
+            </p:extLst>
+          </p:nvPr>
+        </p:nvGraphicFramePr>
+        <p:xfrm>
+          <a:off x="3164623" y="1771649"/>
+          <a:ext cx="5653199" cy="4584701"/>
+        </p:xfrm>
+        <a:graphic>
+          <a:graphicData uri="http://schemas.openxmlformats.org/drawingml/2006/chart">
+            <c:chart xmlns:c="http://schemas.openxmlformats.org/drawingml/2006/chart" xmlns:r="http://schemas.openxmlformats.org/officeDocument/2006/relationships" r:id="rId2"/>
+          </a:graphicData>
+        </a:graphic>
+      </p:graphicFrame>
     </p:spTree>
     <p:extLst>
       <p:ext uri="{BB962C8B-B14F-4D97-AF65-F5344CB8AC3E}">
@@ -4645,18 +8736,18 @@
       </p:grpSpPr>
       <p:sp>
         <p:nvSpPr>
-          <p:cNvPr id="4" name="Заголовок 3"/>
+          <p:cNvPr id="2" name="Заголовок 1"/>
           <p:cNvSpPr>
             <a:spLocks noGrp="1"/>
           </p:cNvSpPr>
           <p:nvPr>
-            <p:ph type="title"/>
+            <p:ph type="ctrTitle"/>
           </p:nvPr>
         </p:nvSpPr>
         <p:spPr>
           <a:xfrm>
-            <a:off x="840163" y="264161"/>
-            <a:ext cx="10515600" cy="1265382"/>
+            <a:off x="1447799" y="333375"/>
+            <a:ext cx="9144000" cy="1228724"/>
           </a:xfrm>
         </p:spPr>
         <p:txBody>
@@ -4665,71 +8756,71 @@
           </a:bodyPr>
           <a:lstStyle/>
           <a:p>
-            <a:pPr algn="ctr"/>
-            <a:r>
-              <a:rPr lang="ru-RU" sz="4000" dirty="0" smtClean="0"/>
-              <a:t>Целевая аудитория проекта</a:t>
-            </a:r>
-            <a:r>
-              <a:rPr lang="en-US" sz="4000" dirty="0" smtClean="0"/>
-              <a:t/>
-            </a:r>
-            <a:br>
-              <a:rPr lang="en-US" sz="4000" dirty="0" smtClean="0"/>
-            </a:br>
-            <a:r>
-              <a:rPr lang="ru-RU" sz="4000" dirty="0" smtClean="0"/>
-              <a:t>и образ типичного клиента</a:t>
-            </a:r>
-            <a:endParaRPr lang="ru-RU" sz="4000" dirty="0"/>
+            <a:r>
+              <a:rPr lang="ru-RU" sz="8000" dirty="0" smtClean="0"/>
+              <a:t>Статистика запросов</a:t>
+            </a:r>
+            <a:endParaRPr lang="ru-RU" dirty="0"/>
           </a:p>
         </p:txBody>
       </p:sp>
-      <p:pic>
-        <p:nvPicPr>
-          <p:cNvPr id="1026" name="Picture 2" descr="Просроченные лекарства – пить или не пить? Отвечают эксперты - ФармМедПром"/>
-          <p:cNvPicPr>
-            <a:picLocks noChangeAspect="1" noChangeArrowheads="1"/>
-          </p:cNvPicPr>
-          <p:nvPr/>
-        </p:nvPicPr>
-        <p:blipFill>
-          <a:blip r:embed="rId2">
+      <p:sp>
+        <p:nvSpPr>
+          <p:cNvPr id="6" name="Номер слайда 5"/>
+          <p:cNvSpPr>
+            <a:spLocks noGrp="1"/>
+          </p:cNvSpPr>
+          <p:nvPr>
+            <p:ph type="sldNum" sz="quarter" idx="12"/>
+          </p:nvPr>
+        </p:nvSpPr>
+        <p:spPr/>
+        <p:txBody>
+          <a:bodyPr/>
+          <a:lstStyle/>
+          <a:p>
+            <a:fld id="{0C754EC7-573A-4167-8EBA-CF3C8BEA153C}" type="slidenum">
+              <a:rPr lang="ru-RU" sz="1400" smtClean="0"/>
+              <a:t>2</a:t>
+            </a:fld>
+            <a:endParaRPr lang="ru-RU" sz="1400" dirty="0"/>
+          </a:p>
+        </p:txBody>
+      </p:sp>
+      <p:graphicFrame>
+        <p:nvGraphicFramePr>
+          <p:cNvPr id="5" name="Диаграмма 4">
             <a:extLst>
-              <a:ext uri="{28A0092B-C50C-407E-A947-70E740481C1C}">
-                <a14:useLocalDpi xmlns:a14="http://schemas.microsoft.com/office/drawing/2010/main" val="0"/>
+              <a:ext uri="{FF2B5EF4-FFF2-40B4-BE49-F238E27FC236}">
+                <a16:creationId xmlns:a16="http://schemas.microsoft.com/office/drawing/2014/main" id="{B41809D3-7611-0BDA-37E3-370E9C70EA16}"/>
               </a:ext>
             </a:extLst>
-          </a:blip>
-          <a:srcRect/>
-          <a:stretch>
-            <a:fillRect/>
-          </a:stretch>
-        </p:blipFill>
-        <p:spPr bwMode="auto">
-          <a:xfrm>
-            <a:off x="2803670" y="1697750"/>
-            <a:ext cx="6588586" cy="4392391"/>
-          </a:xfrm>
-          <a:prstGeom prst="rect">
-            <a:avLst/>
-          </a:prstGeom>
-          <a:noFill/>
-          <a:extLst>
-            <a:ext uri="{909E8E84-426E-40DD-AFC4-6F175D3DCCD1}">
-              <a14:hiddenFill xmlns:a14="http://schemas.microsoft.com/office/drawing/2010/main">
-                <a:solidFill>
-                  <a:srgbClr val="FFFFFF"/>
-                </a:solidFill>
-              </a14:hiddenFill>
-            </a:ext>
-          </a:extLst>
-        </p:spPr>
-      </p:pic>
+          </p:cNvPr>
+          <p:cNvGraphicFramePr>
+            <a:graphicFrameLocks/>
+          </p:cNvGraphicFramePr>
+          <p:nvPr>
+            <p:extLst>
+              <p:ext uri="{D42A27DB-BD31-4B8C-83A1-F6EECF244321}">
+                <p14:modId xmlns:p14="http://schemas.microsoft.com/office/powerpoint/2010/main" val="2996837330"/>
+              </p:ext>
+            </p:extLst>
+          </p:nvPr>
+        </p:nvGraphicFramePr>
+        <p:xfrm>
+          <a:off x="857250" y="1901825"/>
+          <a:ext cx="10325099" cy="4222750"/>
+        </p:xfrm>
+        <a:graphic>
+          <a:graphicData uri="http://schemas.openxmlformats.org/drawingml/2006/chart">
+            <c:chart xmlns:c="http://schemas.openxmlformats.org/drawingml/2006/chart" xmlns:r="http://schemas.openxmlformats.org/officeDocument/2006/relationships" r:id="rId2"/>
+          </a:graphicData>
+        </a:graphic>
+      </p:graphicFrame>
     </p:spTree>
     <p:extLst>
       <p:ext uri="{BB962C8B-B14F-4D97-AF65-F5344CB8AC3E}">
-        <p14:creationId xmlns:p14="http://schemas.microsoft.com/office/powerpoint/2010/main" val="4000691104"/>
+        <p14:creationId xmlns:p14="http://schemas.microsoft.com/office/powerpoint/2010/main" val="2188542273"/>
       </p:ext>
     </p:extLst>
   </p:cSld>
@@ -4765,35 +8856,6 @@
       </p:grpSpPr>
       <p:sp>
         <p:nvSpPr>
-          <p:cNvPr id="9" name="Заголовок 8"/>
-          <p:cNvSpPr>
-            <a:spLocks noGrp="1"/>
-          </p:cNvSpPr>
-          <p:nvPr>
-            <p:ph type="title"/>
-          </p:nvPr>
-        </p:nvSpPr>
-        <p:spPr>
-          <a:xfrm>
-            <a:off x="839788" y="365125"/>
-            <a:ext cx="10515600" cy="977899"/>
-          </a:xfrm>
-        </p:spPr>
-        <p:txBody>
-          <a:bodyPr/>
-          <a:lstStyle/>
-          <a:p>
-            <a:pPr algn="ctr"/>
-            <a:r>
-              <a:rPr lang="ru-RU" dirty="0" smtClean="0"/>
-              <a:t>Сравнение с конкурентами</a:t>
-            </a:r>
-            <a:endParaRPr lang="ru-RU" dirty="0"/>
-          </a:p>
-        </p:txBody>
-      </p:sp>
-      <p:sp>
-        <p:nvSpPr>
           <p:cNvPr id="5" name="Объект 4"/>
           <p:cNvSpPr>
             <a:spLocks noGrp="1"/>
@@ -4873,6 +8935,29 @@
               <a:t>В отличие от конкурентов наше приложение имеет:</a:t>
             </a:r>
             <a:endParaRPr lang="ru-RU" sz="2800" b="1" dirty="0"/>
+          </a:p>
+        </p:txBody>
+      </p:sp>
+      <p:sp>
+        <p:nvSpPr>
+          <p:cNvPr id="2" name="Номер слайда 1"/>
+          <p:cNvSpPr>
+            <a:spLocks noGrp="1"/>
+          </p:cNvSpPr>
+          <p:nvPr>
+            <p:ph type="sldNum" sz="quarter" idx="12"/>
+          </p:nvPr>
+        </p:nvSpPr>
+        <p:spPr/>
+        <p:txBody>
+          <a:bodyPr/>
+          <a:lstStyle/>
+          <a:p>
+            <a:fld id="{0C754EC7-573A-4167-8EBA-CF3C8BEA153C}" type="slidenum">
+              <a:rPr lang="ru-RU" sz="1400" smtClean="0"/>
+              <a:t>3</a:t>
+            </a:fld>
+            <a:endParaRPr lang="ru-RU" sz="1400" dirty="0"/>
           </a:p>
         </p:txBody>
       </p:sp>
@@ -4926,7 +9011,7 @@
         <p:spPr>
           <a:xfrm>
             <a:off x="831850" y="514351"/>
-            <a:ext cx="10515600" cy="895350"/>
+            <a:ext cx="10515600" cy="787400"/>
           </a:xfrm>
         </p:spPr>
         <p:txBody>
@@ -4938,7 +9023,11 @@
             <a:pPr algn="ctr"/>
             <a:r>
               <a:rPr lang="ru-RU" dirty="0" smtClean="0"/>
-              <a:t>Экономическое обоснование</a:t>
+              <a:t>Статьи </a:t>
+            </a:r>
+            <a:r>
+              <a:rPr lang="ru-RU" dirty="0" smtClean="0"/>
+              <a:t>расходов</a:t>
             </a:r>
             <a:endParaRPr lang="ru-RU" dirty="0"/>
           </a:p>
@@ -4946,14 +9035,67 @@
       </p:sp>
       <p:sp>
         <p:nvSpPr>
-          <p:cNvPr id="2" name="TextBox 1"/>
+          <p:cNvPr id="2" name="Номер слайда 1"/>
+          <p:cNvSpPr>
+            <a:spLocks noGrp="1"/>
+          </p:cNvSpPr>
+          <p:nvPr>
+            <p:ph type="sldNum" sz="quarter" idx="12"/>
+          </p:nvPr>
+        </p:nvSpPr>
+        <p:spPr/>
+        <p:txBody>
+          <a:bodyPr/>
+          <a:lstStyle/>
+          <a:p>
+            <a:fld id="{0C754EC7-573A-4167-8EBA-CF3C8BEA153C}" type="slidenum">
+              <a:rPr lang="ru-RU" sz="1400" smtClean="0"/>
+              <a:t>4</a:t>
+            </a:fld>
+            <a:endParaRPr lang="ru-RU" sz="1400" dirty="0"/>
+          </a:p>
+        </p:txBody>
+      </p:sp>
+      <p:graphicFrame>
+        <p:nvGraphicFramePr>
+          <p:cNvPr id="5" name="Диаграмма 4">
+            <a:extLst>
+              <a:ext uri="{FF2B5EF4-FFF2-40B4-BE49-F238E27FC236}">
+                <a16:creationId xmlns:a16="http://schemas.microsoft.com/office/drawing/2014/main" id="{8581A08A-8A19-3D1C-F320-BE340DF59948}"/>
+              </a:ext>
+            </a:extLst>
+          </p:cNvPr>
+          <p:cNvGraphicFramePr>
+            <a:graphicFrameLocks/>
+          </p:cNvGraphicFramePr>
+          <p:nvPr>
+            <p:extLst>
+              <p:ext uri="{D42A27DB-BD31-4B8C-83A1-F6EECF244321}">
+                <p14:modId xmlns:p14="http://schemas.microsoft.com/office/powerpoint/2010/main" val="3040581560"/>
+              </p:ext>
+            </p:extLst>
+          </p:nvPr>
+        </p:nvGraphicFramePr>
+        <p:xfrm>
+          <a:off x="1695450" y="1409701"/>
+          <a:ext cx="8734425" cy="4946649"/>
+        </p:xfrm>
+        <a:graphic>
+          <a:graphicData uri="http://schemas.openxmlformats.org/drawingml/2006/chart">
+            <c:chart xmlns:c="http://schemas.openxmlformats.org/drawingml/2006/chart" xmlns:r="http://schemas.openxmlformats.org/officeDocument/2006/relationships" r:id="rId2"/>
+          </a:graphicData>
+        </a:graphic>
+      </p:graphicFrame>
+      <p:sp>
+        <p:nvSpPr>
+          <p:cNvPr id="3" name="TextBox 2"/>
           <p:cNvSpPr txBox="1"/>
           <p:nvPr/>
         </p:nvSpPr>
         <p:spPr>
           <a:xfrm>
-            <a:off x="2976531" y="3787452"/>
-            <a:ext cx="5419321" cy="461665"/>
+            <a:off x="8237912" y="3359806"/>
+            <a:ext cx="2849880" cy="523220"/>
           </a:xfrm>
           <a:prstGeom prst="rect">
             <a:avLst/>
@@ -4966,89 +9108,18 @@
           </a:bodyPr>
           <a:lstStyle/>
           <a:p>
-            <a:pPr algn="ctr"/>
-            <a:r>
-              <a:rPr lang="ru-RU" sz="2400" dirty="0" smtClean="0"/>
-              <a:t>1 подписка – 100 рублей / месяц</a:t>
-            </a:r>
-            <a:endParaRPr lang="ru-RU" sz="2400" dirty="0"/>
-          </a:p>
-        </p:txBody>
-      </p:sp>
-      <p:sp>
-        <p:nvSpPr>
-          <p:cNvPr id="3" name="TextBox 2"/>
-          <p:cNvSpPr txBox="1"/>
-          <p:nvPr/>
-        </p:nvSpPr>
-        <p:spPr>
-          <a:xfrm>
-            <a:off x="3371384" y="4742448"/>
-            <a:ext cx="4629613" cy="461665"/>
-          </a:xfrm>
-          <a:prstGeom prst="rect">
-            <a:avLst/>
-          </a:prstGeom>
-          <a:noFill/>
-        </p:spPr>
-        <p:txBody>
-          <a:bodyPr wrap="square" rtlCol="0">
-            <a:spAutoFit/>
-          </a:bodyPr>
-          <a:lstStyle/>
-          <a:p>
-            <a:pPr algn="ctr"/>
-            <a:r>
-              <a:rPr lang="ru-RU" sz="2400" dirty="0" smtClean="0"/>
-              <a:t>1000 подписок = 14000</a:t>
-            </a:r>
-            <a:r>
-              <a:rPr lang="en-US" sz="2400" dirty="0" smtClean="0"/>
-              <a:t>$ </a:t>
-            </a:r>
-            <a:r>
-              <a:rPr lang="ru-RU" sz="2400" dirty="0" smtClean="0"/>
-              <a:t>/ год</a:t>
-            </a:r>
-            <a:endParaRPr lang="ru-RU" sz="2400" dirty="0"/>
-          </a:p>
-        </p:txBody>
-      </p:sp>
-      <p:sp>
-        <p:nvSpPr>
-          <p:cNvPr id="4" name="TextBox 3"/>
-          <p:cNvSpPr txBox="1"/>
-          <p:nvPr/>
-        </p:nvSpPr>
-        <p:spPr>
-          <a:xfrm>
-            <a:off x="1089542" y="2316646"/>
-            <a:ext cx="9193300" cy="830997"/>
-          </a:xfrm>
-          <a:prstGeom prst="rect">
-            <a:avLst/>
-          </a:prstGeom>
-          <a:noFill/>
-        </p:spPr>
-        <p:txBody>
-          <a:bodyPr wrap="square" rtlCol="0">
-            <a:spAutoFit/>
-          </a:bodyPr>
-          <a:lstStyle/>
-          <a:p>
-            <a:pPr algn="ctr"/>
-            <a:r>
-              <a:rPr lang="ru-RU" sz="2400" dirty="0" smtClean="0"/>
-              <a:t>В среднем новые приложения без агрессивного маркетинга могут рассчитывать на несколько тысяч скачиваний в год.</a:t>
-            </a:r>
-            <a:endParaRPr lang="ru-RU" sz="2400" dirty="0"/>
+            <a:r>
+              <a:rPr lang="ru-RU" sz="2800" dirty="0" smtClean="0"/>
+              <a:t>Всего: 620 000</a:t>
+            </a:r>
+            <a:endParaRPr lang="ru-RU" sz="2800" dirty="0"/>
           </a:p>
         </p:txBody>
       </p:sp>
     </p:spTree>
     <p:extLst>
       <p:ext uri="{BB962C8B-B14F-4D97-AF65-F5344CB8AC3E}">
-        <p14:creationId xmlns:p14="http://schemas.microsoft.com/office/powerpoint/2010/main" val="1419292831"/>
+        <p14:creationId xmlns:p14="http://schemas.microsoft.com/office/powerpoint/2010/main" val="4163763532"/>
       </p:ext>
     </p:extLst>
   </p:cSld>
@@ -5095,7 +9166,7 @@
         <p:spPr>
           <a:xfrm>
             <a:off x="831850" y="514351"/>
-            <a:ext cx="10515600" cy="895350"/>
+            <a:ext cx="10515600" cy="787400"/>
           </a:xfrm>
         </p:spPr>
         <p:txBody>
@@ -5107,12 +9178,65 @@
             <a:pPr algn="ctr"/>
             <a:r>
               <a:rPr lang="ru-RU" dirty="0" smtClean="0"/>
-              <a:t>На что нужны деньги?</a:t>
+              <a:t>Статьи </a:t>
+            </a:r>
+            <a:r>
+              <a:rPr lang="ru-RU" dirty="0" smtClean="0"/>
+              <a:t>расходов</a:t>
             </a:r>
             <a:endParaRPr lang="ru-RU" dirty="0"/>
           </a:p>
         </p:txBody>
       </p:sp>
+      <p:sp>
+        <p:nvSpPr>
+          <p:cNvPr id="2" name="Номер слайда 1"/>
+          <p:cNvSpPr>
+            <a:spLocks noGrp="1"/>
+          </p:cNvSpPr>
+          <p:nvPr>
+            <p:ph type="sldNum" sz="quarter" idx="12"/>
+          </p:nvPr>
+        </p:nvSpPr>
+        <p:spPr/>
+        <p:txBody>
+          <a:bodyPr/>
+          <a:lstStyle/>
+          <a:p>
+            <a:fld id="{0C754EC7-573A-4167-8EBA-CF3C8BEA153C}" type="slidenum">
+              <a:rPr lang="ru-RU" sz="1400" smtClean="0"/>
+              <a:t>5</a:t>
+            </a:fld>
+            <a:endParaRPr lang="ru-RU" sz="1400" dirty="0"/>
+          </a:p>
+        </p:txBody>
+      </p:sp>
+      <p:graphicFrame>
+        <p:nvGraphicFramePr>
+          <p:cNvPr id="5" name="Диаграмма 4">
+            <a:extLst>
+              <a:ext uri="{FF2B5EF4-FFF2-40B4-BE49-F238E27FC236}">
+                <a16:creationId xmlns:a16="http://schemas.microsoft.com/office/drawing/2014/main" id="{8581A08A-8A19-3D1C-F320-BE340DF59948}"/>
+              </a:ext>
+            </a:extLst>
+          </p:cNvPr>
+          <p:cNvGraphicFramePr>
+            <a:graphicFrameLocks/>
+          </p:cNvGraphicFramePr>
+          <p:nvPr>
+            <p:extLst/>
+          </p:nvPr>
+        </p:nvGraphicFramePr>
+        <p:xfrm>
+          <a:off x="1695450" y="1409701"/>
+          <a:ext cx="8734425" cy="4946649"/>
+        </p:xfrm>
+        <a:graphic>
+          <a:graphicData uri="http://schemas.openxmlformats.org/drawingml/2006/chart">
+            <c:chart xmlns:c="http://schemas.openxmlformats.org/drawingml/2006/chart" xmlns:r="http://schemas.openxmlformats.org/officeDocument/2006/relationships" r:id="rId2"/>
+          </a:graphicData>
+        </a:graphic>
+      </p:graphicFrame>
       <p:sp>
         <p:nvSpPr>
           <p:cNvPr id="3" name="TextBox 2"/>
@@ -5121,8 +9245,8 @@
         </p:nvSpPr>
         <p:spPr>
           <a:xfrm>
-            <a:off x="751233" y="2988463"/>
-            <a:ext cx="10676833" cy="1754326"/>
+            <a:off x="8149243" y="3309930"/>
+            <a:ext cx="3665913" cy="1384995"/>
           </a:xfrm>
           <a:prstGeom prst="rect">
             <a:avLst/>
@@ -5135,62 +9259,51 @@
           </a:bodyPr>
           <a:lstStyle/>
           <a:p>
-            <a:pPr marL="342900" indent="-342900">
-              <a:buFont typeface="Arial" panose="020B0604020202020204" pitchFamily="34" charset="0"/>
-              <a:buChar char="•"/>
-            </a:pPr>
-            <a:r>
-              <a:rPr lang="ru-RU" sz="3600" dirty="0" smtClean="0"/>
-              <a:t>Небольшой офис</a:t>
-            </a:r>
-            <a:r>
-              <a:rPr lang="en-US" sz="3600" dirty="0" smtClean="0"/>
-              <a:t> </a:t>
-            </a:r>
-            <a:r>
-              <a:rPr lang="ru-RU" sz="3600" dirty="0" smtClean="0"/>
-              <a:t>на год с оборудованием – 10000</a:t>
-            </a:r>
-            <a:r>
-              <a:rPr lang="en-US" sz="3600" dirty="0" smtClean="0"/>
-              <a:t>$</a:t>
-            </a:r>
-          </a:p>
-          <a:p>
-            <a:pPr marL="342900" indent="-342900">
-              <a:buFont typeface="Arial" panose="020B0604020202020204" pitchFamily="34" charset="0"/>
-              <a:buChar char="•"/>
-            </a:pPr>
-            <a:r>
-              <a:rPr lang="ru-RU" sz="3600" dirty="0" smtClean="0"/>
-              <a:t>Долгосрочная маркетинговая кампания – 10000</a:t>
-            </a:r>
-            <a:r>
-              <a:rPr lang="en-US" sz="3600" dirty="0" smtClean="0"/>
-              <a:t>$</a:t>
-            </a:r>
-          </a:p>
-          <a:p>
-            <a:pPr marL="342900" indent="-342900">
-              <a:buFont typeface="Arial" panose="020B0604020202020204" pitchFamily="34" charset="0"/>
-              <a:buChar char="•"/>
-            </a:pPr>
-            <a:r>
-              <a:rPr lang="ru-RU" sz="3600" dirty="0" smtClean="0"/>
-              <a:t>Разработка и поддержка – 30000</a:t>
-            </a:r>
-            <a:r>
-              <a:rPr lang="en-US" sz="3600" dirty="0" smtClean="0"/>
-              <a:t>$</a:t>
-            </a:r>
-            <a:endParaRPr lang="ru-RU" sz="3600" dirty="0"/>
+            <a:r>
+              <a:rPr lang="ru-RU" sz="2800" dirty="0" smtClean="0"/>
+              <a:t>Маркетинг: 2 500 000</a:t>
+            </a:r>
+          </a:p>
+          <a:p>
+            <a:endParaRPr lang="ru-RU" sz="2800" dirty="0"/>
+          </a:p>
+          <a:p>
+            <a:r>
+              <a:rPr lang="ru-RU" sz="2800" dirty="0" smtClean="0"/>
+              <a:t>Итого: 3 120 000</a:t>
+            </a:r>
+            <a:endParaRPr lang="ru-RU" sz="2800" dirty="0"/>
           </a:p>
         </p:txBody>
       </p:sp>
+      <p:graphicFrame>
+        <p:nvGraphicFramePr>
+          <p:cNvPr id="6" name="Диаграмма 5"/>
+          <p:cNvGraphicFramePr>
+            <a:graphicFrameLocks/>
+          </p:cNvGraphicFramePr>
+          <p:nvPr>
+            <p:extLst>
+              <p:ext uri="{D42A27DB-BD31-4B8C-83A1-F6EECF244321}">
+                <p14:modId xmlns:p14="http://schemas.microsoft.com/office/powerpoint/2010/main" val="1166188113"/>
+              </p:ext>
+            </p:extLst>
+          </p:nvPr>
+        </p:nvGraphicFramePr>
+        <p:xfrm>
+          <a:off x="1695450" y="1561049"/>
+          <a:ext cx="6251475" cy="4643951"/>
+        </p:xfrm>
+        <a:graphic>
+          <a:graphicData uri="http://schemas.openxmlformats.org/drawingml/2006/chart">
+            <c:chart xmlns:c="http://schemas.openxmlformats.org/drawingml/2006/chart" xmlns:r="http://schemas.openxmlformats.org/officeDocument/2006/relationships" r:id="rId3"/>
+          </a:graphicData>
+        </a:graphic>
+      </p:graphicFrame>
     </p:spTree>
     <p:extLst>
       <p:ext uri="{BB962C8B-B14F-4D97-AF65-F5344CB8AC3E}">
-        <p14:creationId xmlns:p14="http://schemas.microsoft.com/office/powerpoint/2010/main" val="4163763532"/>
+        <p14:creationId xmlns:p14="http://schemas.microsoft.com/office/powerpoint/2010/main" val="2602357064"/>
       </p:ext>
     </p:extLst>
   </p:cSld>
@@ -5226,69 +9339,14 @@
       </p:grpSpPr>
       <p:sp>
         <p:nvSpPr>
-          <p:cNvPr id="7" name="Заголовок 6"/>
-          <p:cNvSpPr>
-            <a:spLocks noGrp="1"/>
-          </p:cNvSpPr>
-          <p:nvPr>
-            <p:ph type="title"/>
-          </p:nvPr>
-        </p:nvSpPr>
-        <p:spPr>
-          <a:xfrm>
-            <a:off x="831850" y="514351"/>
-            <a:ext cx="10515600" cy="895350"/>
-          </a:xfrm>
-        </p:spPr>
-        <p:txBody>
-          <a:bodyPr>
-            <a:normAutofit fontScale="90000"/>
-          </a:bodyPr>
-          <a:lstStyle/>
-          <a:p>
-            <a:pPr algn="ctr"/>
-            <a:r>
-              <a:rPr lang="ru-RU" dirty="0" smtClean="0"/>
-              <a:t>Сколько же мы получим?</a:t>
-            </a:r>
-            <a:endParaRPr lang="ru-RU" dirty="0"/>
-          </a:p>
-        </p:txBody>
-      </p:sp>
-      <p:graphicFrame>
-        <p:nvGraphicFramePr>
-          <p:cNvPr id="4" name="Диаграмма 3"/>
-          <p:cNvGraphicFramePr>
-            <a:graphicFrameLocks/>
-          </p:cNvGraphicFramePr>
-          <p:nvPr>
-            <p:extLst>
-              <p:ext uri="{D42A27DB-BD31-4B8C-83A1-F6EECF244321}">
-                <p14:modId xmlns:p14="http://schemas.microsoft.com/office/powerpoint/2010/main" val="334619398"/>
-              </p:ext>
-            </p:extLst>
-          </p:nvPr>
-        </p:nvGraphicFramePr>
-        <p:xfrm>
-          <a:off x="831850" y="1733898"/>
-          <a:ext cx="5070186" cy="4359331"/>
-        </p:xfrm>
-        <a:graphic>
-          <a:graphicData uri="http://schemas.openxmlformats.org/drawingml/2006/chart">
-            <c:chart xmlns:c="http://schemas.openxmlformats.org/drawingml/2006/chart" xmlns:r="http://schemas.openxmlformats.org/officeDocument/2006/relationships" r:id="rId2"/>
-          </a:graphicData>
-        </a:graphic>
-      </p:graphicFrame>
-      <p:sp>
-        <p:nvSpPr>
           <p:cNvPr id="2" name="TextBox 1"/>
           <p:cNvSpPr txBox="1"/>
           <p:nvPr/>
         </p:nvSpPr>
         <p:spPr>
           <a:xfrm>
-            <a:off x="6234545" y="2205403"/>
-            <a:ext cx="5810596" cy="3416320"/>
+            <a:off x="4060672" y="5422430"/>
+            <a:ext cx="5810596" cy="461665"/>
           </a:xfrm>
           <a:prstGeom prst="rect">
             <a:avLst/>
@@ -5301,85 +9359,108 @@
           </a:bodyPr>
           <a:lstStyle/>
           <a:p>
-            <a:pPr marL="285750" indent="-285750">
-              <a:buFont typeface="Arial" panose="020B0604020202020204" pitchFamily="34" charset="0"/>
-              <a:buChar char="•"/>
-            </a:pPr>
             <a:r>
               <a:rPr lang="ru-RU" sz="2400" dirty="0" smtClean="0"/>
-              <a:t>Индекс доходности – 1</a:t>
-            </a:r>
-            <a:r>
-              <a:rPr lang="en-US" sz="2400" dirty="0" smtClean="0"/>
-              <a:t>,</a:t>
+              <a:t>Срок </a:t>
             </a:r>
             <a:r>
               <a:rPr lang="ru-RU" sz="2400" dirty="0" smtClean="0"/>
-              <a:t>44</a:t>
-            </a:r>
-          </a:p>
-          <a:p>
-            <a:pPr marL="285750" indent="-285750">
-              <a:buFont typeface="Arial" panose="020B0604020202020204" pitchFamily="34" charset="0"/>
-              <a:buChar char="•"/>
-            </a:pPr>
-            <a:endParaRPr lang="ru-RU" sz="2400" dirty="0"/>
-          </a:p>
-          <a:p>
-            <a:pPr marL="285750" indent="-285750">
-              <a:buFont typeface="Arial" panose="020B0604020202020204" pitchFamily="34" charset="0"/>
-              <a:buChar char="•"/>
-            </a:pPr>
+              <a:t>окупаемости – </a:t>
+            </a:r>
+            <a:r>
+              <a:rPr lang="ru-RU" sz="2400" dirty="0" smtClean="0"/>
+              <a:t>1 год</a:t>
+            </a:r>
             <a:endParaRPr lang="ru-RU" sz="2400" dirty="0" smtClean="0"/>
           </a:p>
-          <a:p>
-            <a:pPr marL="285750" indent="-285750">
-              <a:buFont typeface="Arial" panose="020B0604020202020204" pitchFamily="34" charset="0"/>
-              <a:buChar char="•"/>
-            </a:pPr>
-            <a:endParaRPr lang="ru-RU" sz="2400" dirty="0" smtClean="0"/>
-          </a:p>
-          <a:p>
-            <a:pPr marL="285750" indent="-285750">
-              <a:buFont typeface="Arial" panose="020B0604020202020204" pitchFamily="34" charset="0"/>
-              <a:buChar char="•"/>
-            </a:pPr>
-            <a:r>
-              <a:rPr lang="ru-RU" sz="2400" dirty="0" smtClean="0"/>
-              <a:t>Срок окупаемости – 4 года</a:t>
-            </a:r>
-          </a:p>
-          <a:p>
-            <a:pPr marL="285750" indent="-285750">
-              <a:buFont typeface="Arial" panose="020B0604020202020204" pitchFamily="34" charset="0"/>
-              <a:buChar char="•"/>
-            </a:pPr>
-            <a:endParaRPr lang="ru-RU" sz="2400" dirty="0"/>
-          </a:p>
-          <a:p>
-            <a:pPr marL="285750" indent="-285750">
-              <a:buFont typeface="Arial" panose="020B0604020202020204" pitchFamily="34" charset="0"/>
-              <a:buChar char="•"/>
-            </a:pPr>
-            <a:endParaRPr lang="ru-RU" sz="2400" dirty="0" smtClean="0"/>
-          </a:p>
-          <a:p>
-            <a:pPr marL="285750" indent="-285750">
-              <a:buFont typeface="Arial" panose="020B0604020202020204" pitchFamily="34" charset="0"/>
-              <a:buChar char="•"/>
-            </a:pPr>
-            <a:endParaRPr lang="ru-RU" sz="2400" dirty="0" smtClean="0"/>
-          </a:p>
-          <a:p>
-            <a:pPr marL="285750" indent="-285750">
-              <a:buFont typeface="Arial" panose="020B0604020202020204" pitchFamily="34" charset="0"/>
-              <a:buChar char="•"/>
-            </a:pPr>
-            <a:r>
-              <a:rPr lang="ru-RU" sz="2400" dirty="0" smtClean="0"/>
-              <a:t>Внутренняя норма доходности – 23%</a:t>
-            </a:r>
-            <a:endParaRPr lang="ru-RU" sz="2400" dirty="0"/>
+        </p:txBody>
+      </p:sp>
+      <p:sp>
+        <p:nvSpPr>
+          <p:cNvPr id="3" name="Номер слайда 2"/>
+          <p:cNvSpPr>
+            <a:spLocks noGrp="1"/>
+          </p:cNvSpPr>
+          <p:nvPr>
+            <p:ph type="sldNum" sz="quarter" idx="12"/>
+          </p:nvPr>
+        </p:nvSpPr>
+        <p:spPr/>
+        <p:txBody>
+          <a:bodyPr/>
+          <a:lstStyle/>
+          <a:p>
+            <a:fld id="{0C754EC7-573A-4167-8EBA-CF3C8BEA153C}" type="slidenum">
+              <a:rPr lang="ru-RU" sz="1400" smtClean="0"/>
+              <a:t>6</a:t>
+            </a:fld>
+            <a:endParaRPr lang="ru-RU" sz="1400" dirty="0"/>
+          </a:p>
+        </p:txBody>
+      </p:sp>
+      <p:graphicFrame>
+        <p:nvGraphicFramePr>
+          <p:cNvPr id="5" name="Диаграмма 4"/>
+          <p:cNvGraphicFramePr>
+            <a:graphicFrameLocks/>
+          </p:cNvGraphicFramePr>
+          <p:nvPr>
+            <p:extLst>
+              <p:ext uri="{D42A27DB-BD31-4B8C-83A1-F6EECF244321}">
+                <p14:modId xmlns:p14="http://schemas.microsoft.com/office/powerpoint/2010/main" val="3665162305"/>
+              </p:ext>
+            </p:extLst>
+          </p:nvPr>
+        </p:nvGraphicFramePr>
+        <p:xfrm>
+          <a:off x="3311235" y="667549"/>
+          <a:ext cx="5491943" cy="3592725"/>
+        </p:xfrm>
+        <a:graphic>
+          <a:graphicData uri="http://schemas.openxmlformats.org/drawingml/2006/chart">
+            <c:chart xmlns:c="http://schemas.openxmlformats.org/drawingml/2006/chart" xmlns:r="http://schemas.openxmlformats.org/officeDocument/2006/relationships" r:id="rId2"/>
+          </a:graphicData>
+        </a:graphic>
+      </p:graphicFrame>
+      <p:sp>
+        <p:nvSpPr>
+          <p:cNvPr id="6" name="Прямоугольник 5"/>
+          <p:cNvSpPr/>
+          <p:nvPr/>
+        </p:nvSpPr>
+        <p:spPr>
+          <a:xfrm>
+            <a:off x="3467273" y="4533323"/>
+            <a:ext cx="5098896" cy="369332"/>
+          </a:xfrm>
+          <a:prstGeom prst="rect">
+            <a:avLst/>
+          </a:prstGeom>
+        </p:spPr>
+        <p:txBody>
+          <a:bodyPr wrap="none">
+            <a:spAutoFit/>
+          </a:bodyPr>
+          <a:lstStyle/>
+          <a:p>
+            <a:r>
+              <a:rPr lang="ru-RU" b="1" dirty="0" smtClean="0">
+                <a:solidFill>
+                  <a:srgbClr val="000000"/>
+                </a:solidFill>
+                <a:latin typeface="Calibri" panose="020F0502020204030204" pitchFamily="34" charset="0"/>
+              </a:rPr>
+              <a:t>Чистый дисконтированный доход: </a:t>
+            </a:r>
+            <a:r>
+              <a:rPr lang="ru-RU" b="1" dirty="0" smtClean="0"/>
+              <a:t>160 094 617,9</a:t>
+            </a:r>
+            <a:r>
+              <a:rPr lang="ru-RU" dirty="0" smtClean="0"/>
+              <a:t> </a:t>
+            </a:r>
+            <a:endParaRPr lang="ru-RU" dirty="0"/>
           </a:p>
         </p:txBody>
       </p:sp>
@@ -5422,72 +9503,7 @@
       </p:grpSpPr>
       <p:sp>
         <p:nvSpPr>
-          <p:cNvPr id="9" name="Заголовок 8"/>
-          <p:cNvSpPr>
-            <a:spLocks noGrp="1"/>
-          </p:cNvSpPr>
-          <p:nvPr>
-            <p:ph type="title"/>
-          </p:nvPr>
-        </p:nvSpPr>
-        <p:spPr>
-          <a:xfrm>
-            <a:off x="839788" y="365126"/>
-            <a:ext cx="10515600" cy="1015999"/>
-          </a:xfrm>
-        </p:spPr>
-        <p:txBody>
-          <a:bodyPr/>
-          <a:lstStyle/>
-          <a:p>
-            <a:pPr algn="ctr"/>
-            <a:r>
-              <a:rPr lang="ru-RU" dirty="0" smtClean="0"/>
-              <a:t>Информация о команде</a:t>
-            </a:r>
-            <a:endParaRPr lang="ru-RU" dirty="0"/>
-          </a:p>
-        </p:txBody>
-      </p:sp>
-      <p:sp>
-        <p:nvSpPr>
-          <p:cNvPr id="10" name="Текст 9"/>
-          <p:cNvSpPr>
-            <a:spLocks noGrp="1"/>
-          </p:cNvSpPr>
-          <p:nvPr>
-            <p:ph type="body" idx="1"/>
-          </p:nvPr>
-        </p:nvSpPr>
-        <p:spPr>
-          <a:xfrm>
-            <a:off x="839788" y="1416604"/>
-            <a:ext cx="5157787" cy="823912"/>
-          </a:xfrm>
-        </p:spPr>
-        <p:txBody>
-          <a:bodyPr>
-            <a:normAutofit lnSpcReduction="10000"/>
-          </a:bodyPr>
-          <a:lstStyle/>
-          <a:p>
-            <a:r>
-              <a:rPr lang="ru-RU" dirty="0" smtClean="0"/>
-              <a:t>Банных Мария Алексеевна</a:t>
-            </a:r>
-          </a:p>
-          <a:p>
-            <a:r>
-              <a:rPr lang="en-US" b="0" dirty="0" smtClean="0"/>
-              <a:t>mashabannykh@yandex.ru</a:t>
-            </a:r>
-            <a:endParaRPr lang="ru-RU" b="0" dirty="0"/>
-          </a:p>
-        </p:txBody>
-      </p:sp>
-      <p:sp>
-        <p:nvSpPr>
-          <p:cNvPr id="14" name="Текст 9"/>
+          <p:cNvPr id="15" name="Текст 9"/>
           <p:cNvSpPr txBox="1">
             <a:spLocks/>
           </p:cNvSpPr>
@@ -5495,8 +9511,8 @@
         </p:nvSpPr>
         <p:spPr>
           <a:xfrm>
-            <a:off x="6172200" y="4064681"/>
-            <a:ext cx="5157787" cy="823912"/>
+            <a:off x="368541" y="498753"/>
+            <a:ext cx="5561206" cy="2918690"/>
           </a:xfrm>
           <a:prstGeom prst="rect">
             <a:avLst/>
@@ -5504,7 +9520,7 @@
         </p:spPr>
         <p:txBody>
           <a:bodyPr vert="horz" lIns="91440" tIns="45720" rIns="91440" bIns="45720" rtlCol="0" anchor="b">
-            <a:normAutofit lnSpcReduction="10000"/>
+            <a:normAutofit/>
           </a:bodyPr>
           <a:lstStyle>
             <a:lvl1pPr marL="0" indent="0" algn="l" defTabSz="914400" rtl="0" eaLnBrk="1" latinLnBrk="0" hangingPunct="1">
@@ -5671,24 +9687,120 @@
             </a:lvl9pPr>
           </a:lstStyle>
           <a:p>
-            <a:r>
-              <a:rPr lang="ru-RU" dirty="0" smtClean="0"/>
-              <a:t>Мельников Артем Евгеньевич</a:t>
-            </a:r>
-            <a:endParaRPr lang="en-US" dirty="0" smtClean="0"/>
-          </a:p>
-          <a:p>
-            <a:r>
-              <a:rPr lang="en-US" b="0" dirty="0"/>
-              <a:t>melnikov18mail@yandex.ru</a:t>
-            </a:r>
-            <a:endParaRPr lang="ru-RU" dirty="0"/>
+            <a:pPr algn="ctr"/>
+            <a:r>
+              <a:rPr lang="ru-RU" sz="1800" dirty="0" err="1"/>
+              <a:t>Василения</a:t>
+            </a:r>
+            <a:r>
+              <a:rPr lang="ru-RU" sz="1800" dirty="0"/>
+              <a:t> Иван Валерьевич</a:t>
+            </a:r>
+            <a:endParaRPr lang="ru-RU" sz="1800" b="0" dirty="0" smtClean="0"/>
+          </a:p>
+          <a:p>
+            <a:pPr algn="ctr"/>
+            <a:r>
+              <a:rPr lang="en-US" sz="1800" b="0" dirty="0" smtClean="0"/>
+              <a:t>vasileniyaivanka@mail.ru</a:t>
+            </a:r>
+            <a:endParaRPr lang="ru-RU" sz="1800" b="0" dirty="0" smtClean="0"/>
+          </a:p>
+          <a:p>
+            <a:pPr algn="ctr"/>
+            <a:endParaRPr lang="en-US" sz="1800" b="0" dirty="0"/>
+          </a:p>
+          <a:p>
+            <a:pPr algn="just"/>
+            <a:r>
+              <a:rPr lang="ru-RU" sz="1800" b="0" dirty="0"/>
+              <a:t>В своей профессиональной деятельности </a:t>
+            </a:r>
+            <a:r>
+              <a:rPr lang="ru-RU" sz="1800" b="0" dirty="0" smtClean="0"/>
+              <a:t>работал </a:t>
+            </a:r>
+            <a:r>
+              <a:rPr lang="ru-RU" sz="1800" b="0" dirty="0"/>
+              <a:t>с различными </a:t>
+            </a:r>
+            <a:r>
+              <a:rPr lang="ru-RU" sz="1800" b="0" dirty="0" err="1"/>
+              <a:t>фреймворками</a:t>
+            </a:r>
+            <a:r>
+              <a:rPr lang="ru-RU" sz="1800" b="0" dirty="0"/>
+              <a:t> для веб-разработки и занимался мобильной разработкой. Создавал многопользовательские веб-приложения</a:t>
+            </a:r>
+            <a:r>
+              <a:rPr lang="ru-RU" sz="1800" b="0" dirty="0" smtClean="0"/>
+              <a:t>.</a:t>
+            </a:r>
+          </a:p>
+          <a:p>
+            <a:pPr algn="just"/>
+            <a:r>
+              <a:rPr lang="ru-RU" sz="1800" b="0" dirty="0"/>
+              <a:t>Участвовал в разработке учёта посещаемости для преподавателей </a:t>
+            </a:r>
+            <a:r>
+              <a:rPr lang="ru-RU" sz="1800" b="0" dirty="0" smtClean="0"/>
+              <a:t>ОГУ.</a:t>
+            </a:r>
+            <a:endParaRPr lang="ru-RU" sz="1800" b="0" dirty="0"/>
+          </a:p>
+        </p:txBody>
+      </p:sp>
+      <p:pic>
+        <p:nvPicPr>
+          <p:cNvPr id="20" name="Рисунок 19"/>
+          <p:cNvPicPr>
+            <a:picLocks noChangeAspect="1"/>
+          </p:cNvPicPr>
+          <p:nvPr/>
+        </p:nvPicPr>
+        <p:blipFill>
+          <a:blip r:embed="rId3"/>
+          <a:stretch>
+            <a:fillRect/>
+          </a:stretch>
+        </p:blipFill>
+        <p:spPr>
+          <a:xfrm>
+            <a:off x="455029" y="332499"/>
+            <a:ext cx="1225125" cy="1225125"/>
+          </a:xfrm>
+          <a:prstGeom prst="rect">
+            <a:avLst/>
+          </a:prstGeom>
+        </p:spPr>
+      </p:pic>
+      <p:sp>
+        <p:nvSpPr>
+          <p:cNvPr id="2" name="Номер слайда 1"/>
+          <p:cNvSpPr>
+            <a:spLocks noGrp="1"/>
+          </p:cNvSpPr>
+          <p:nvPr>
+            <p:ph type="sldNum" sz="quarter" idx="12"/>
+          </p:nvPr>
+        </p:nvSpPr>
+        <p:spPr/>
+        <p:txBody>
+          <a:bodyPr/>
+          <a:lstStyle/>
+          <a:p>
+            <a:fld id="{0C754EC7-573A-4167-8EBA-CF3C8BEA153C}" type="slidenum">
+              <a:rPr lang="ru-RU" sz="1400" smtClean="0"/>
+              <a:t>7</a:t>
+            </a:fld>
+            <a:endParaRPr lang="ru-RU" sz="1400" dirty="0"/>
           </a:p>
         </p:txBody>
       </p:sp>
       <p:sp>
         <p:nvSpPr>
-          <p:cNvPr id="15" name="Текст 9"/>
+          <p:cNvPr id="21" name="Текст 9"/>
           <p:cNvSpPr txBox="1">
             <a:spLocks/>
           </p:cNvSpPr>
@@ -5696,8 +9808,8 @@
         </p:nvSpPr>
         <p:spPr>
           <a:xfrm>
-            <a:off x="839788" y="4064681"/>
-            <a:ext cx="5157787" cy="823912"/>
+            <a:off x="368540" y="3530022"/>
+            <a:ext cx="5561207" cy="2826328"/>
           </a:xfrm>
           <a:prstGeom prst="rect">
             <a:avLst/>
@@ -5705,7 +9817,7 @@
         </p:spPr>
         <p:txBody>
           <a:bodyPr vert="horz" lIns="91440" tIns="45720" rIns="91440" bIns="45720" rtlCol="0" anchor="b">
-            <a:normAutofit lnSpcReduction="10000"/>
+            <a:noAutofit/>
           </a:bodyPr>
           <a:lstStyle>
             <a:lvl1pPr marL="0" indent="0" algn="l" defTabSz="914400" rtl="0" eaLnBrk="1" latinLnBrk="0" hangingPunct="1">
@@ -5872,89 +9984,371 @@
             </a:lvl9pPr>
           </a:lstStyle>
           <a:p>
-            <a:r>
-              <a:rPr lang="ru-RU" dirty="0" err="1" smtClean="0"/>
-              <a:t>Василения</a:t>
-            </a:r>
-            <a:r>
-              <a:rPr lang="ru-RU" dirty="0" smtClean="0"/>
-              <a:t> Иван Валерьевич</a:t>
-            </a:r>
-            <a:endParaRPr lang="en-US" dirty="0" smtClean="0"/>
-          </a:p>
-          <a:p>
-            <a:r>
-              <a:rPr lang="en-US" b="0" dirty="0" smtClean="0"/>
-              <a:t>vasileniyaivanka@mail.ru</a:t>
-            </a:r>
-            <a:endParaRPr lang="ru-RU" b="0" dirty="0"/>
-          </a:p>
-        </p:txBody>
-      </p:sp>
-      <p:sp>
-        <p:nvSpPr>
-          <p:cNvPr id="16" name="Текст 9"/>
-          <p:cNvSpPr>
-            <a:spLocks noGrp="1"/>
-          </p:cNvSpPr>
-          <p:nvPr>
-            <p:ph type="body" sz="quarter" idx="3"/>
-          </p:nvPr>
-        </p:nvSpPr>
-        <p:spPr>
-          <a:xfrm>
-            <a:off x="6172200" y="1416604"/>
-            <a:ext cx="5183188" cy="823912"/>
-          </a:xfrm>
-        </p:spPr>
-        <p:txBody>
-          <a:bodyPr>
-            <a:normAutofit lnSpcReduction="10000"/>
-          </a:bodyPr>
-          <a:lstStyle/>
-          <a:p>
-            <a:r>
-              <a:rPr lang="ru-RU" dirty="0" smtClean="0"/>
-              <a:t>Мельниченко Артем Олегович</a:t>
-            </a:r>
-            <a:endParaRPr lang="en-US" dirty="0" smtClean="0"/>
-          </a:p>
-          <a:p>
-            <a:r>
-              <a:rPr lang="en-US" b="0" dirty="0" smtClean="0"/>
-              <a:t>art1237@yandex.ru</a:t>
-            </a:r>
-            <a:endParaRPr lang="ru-RU" b="0" dirty="0"/>
+            <a:pPr algn="ctr">
+              <a:lnSpc>
+                <a:spcPct val="80000"/>
+              </a:lnSpc>
+            </a:pPr>
+            <a:r>
+              <a:rPr lang="ru-RU" sz="1800" dirty="0" smtClean="0"/>
+              <a:t>Банных Мария Алексеевна</a:t>
+            </a:r>
+            <a:endParaRPr lang="ru-RU" sz="1800" b="0" dirty="0" smtClean="0"/>
+          </a:p>
+          <a:p>
+            <a:pPr algn="ctr">
+              <a:lnSpc>
+                <a:spcPct val="80000"/>
+              </a:lnSpc>
+            </a:pPr>
+            <a:r>
+              <a:rPr lang="en-US" sz="1800" b="0" dirty="0" smtClean="0"/>
+              <a:t>mashabannykh@yande.ru</a:t>
+            </a:r>
+            <a:endParaRPr lang="ru-RU" sz="1800" b="0" dirty="0" smtClean="0"/>
+          </a:p>
+          <a:p>
+            <a:pPr algn="ctr">
+              <a:lnSpc>
+                <a:spcPct val="80000"/>
+              </a:lnSpc>
+            </a:pPr>
+            <a:endParaRPr lang="ru-RU" sz="1800" b="0" dirty="0" smtClean="0"/>
+          </a:p>
+          <a:p>
+            <a:pPr algn="just">
+              <a:lnSpc>
+                <a:spcPct val="80000"/>
+              </a:lnSpc>
+            </a:pPr>
+            <a:r>
+              <a:rPr lang="ru-RU" sz="1800" b="0" dirty="0"/>
+              <a:t>Имею опыт работы в области веб-разработки, а также </a:t>
+            </a:r>
+            <a:r>
+              <a:rPr lang="ru-RU" sz="1800" b="0" dirty="0" smtClean="0"/>
+              <a:t>хороший опыт работы и применения баз </a:t>
+            </a:r>
+            <a:r>
+              <a:rPr lang="ru-RU" sz="1800" b="0" dirty="0"/>
+              <a:t>данных.</a:t>
+            </a:r>
+            <a:endParaRPr lang="ru-RU" sz="1800" b="0" dirty="0" smtClean="0"/>
+          </a:p>
+          <a:p>
+            <a:pPr algn="just">
+              <a:lnSpc>
+                <a:spcPct val="80000"/>
+              </a:lnSpc>
+            </a:pPr>
+            <a:r>
+              <a:rPr lang="ru-RU" sz="1800" b="0" dirty="0" smtClean="0"/>
+              <a:t>Участвовала в разработке учёта посещаемости </a:t>
+            </a:r>
+            <a:r>
+              <a:rPr lang="ru-RU" sz="1800" b="0" dirty="0"/>
+              <a:t>для преподавателей ОГУ. </a:t>
+            </a:r>
+            <a:r>
+              <a:rPr lang="ru-RU" sz="1800" b="0" dirty="0" smtClean="0"/>
+              <a:t>В </a:t>
+            </a:r>
+            <a:r>
+              <a:rPr lang="ru-RU" sz="1800" b="0" dirty="0"/>
+              <a:t>данный момент </a:t>
+            </a:r>
+            <a:r>
+              <a:rPr lang="ru-RU" sz="1800" b="0" dirty="0" smtClean="0"/>
+              <a:t>участвую в создании раздела </a:t>
+            </a:r>
+            <a:r>
+              <a:rPr lang="ru-RU" sz="1800" b="0" dirty="0"/>
+              <a:t>"Фабрика Проектов", </a:t>
+            </a:r>
+            <a:r>
+              <a:rPr lang="ru-RU" sz="1800" b="0" dirty="0" smtClean="0"/>
+              <a:t>который объединяет заказчиков и исполнителей проектов.</a:t>
+            </a:r>
           </a:p>
         </p:txBody>
       </p:sp>
       <p:pic>
         <p:nvPicPr>
-          <p:cNvPr id="17" name="Рисунок 16"/>
+          <p:cNvPr id="22" name="Рисунок 21"/>
           <p:cNvPicPr>
             <a:picLocks noChangeAspect="1"/>
           </p:cNvPicPr>
           <p:nvPr/>
         </p:nvPicPr>
         <p:blipFill>
-          <a:blip r:embed="rId2"/>
+          <a:blip r:embed="rId4"/>
           <a:stretch>
             <a:fillRect/>
           </a:stretch>
         </p:blipFill>
         <p:spPr>
           <a:xfrm>
-            <a:off x="1856581" y="2195161"/>
-            <a:ext cx="1562100" cy="1562100"/>
+            <a:off x="439830" y="3530022"/>
+            <a:ext cx="1240324" cy="1240324"/>
           </a:xfrm>
           <a:prstGeom prst="rect">
             <a:avLst/>
           </a:prstGeom>
         </p:spPr>
       </p:pic>
+      <p:sp>
+        <p:nvSpPr>
+          <p:cNvPr id="25" name="Текст 9"/>
+          <p:cNvSpPr txBox="1">
+            <a:spLocks/>
+          </p:cNvSpPr>
+          <p:nvPr/>
+        </p:nvSpPr>
+        <p:spPr>
+          <a:xfrm>
+            <a:off x="6404671" y="3880574"/>
+            <a:ext cx="5594150" cy="2262908"/>
+          </a:xfrm>
+          <a:prstGeom prst="rect">
+            <a:avLst/>
+          </a:prstGeom>
+        </p:spPr>
+        <p:txBody>
+          <a:bodyPr vert="horz" lIns="91440" tIns="45720" rIns="91440" bIns="45720" rtlCol="0" anchor="b">
+            <a:normAutofit/>
+          </a:bodyPr>
+          <a:lstStyle>
+            <a:lvl1pPr marL="0" indent="0" algn="l" defTabSz="914400" rtl="0" eaLnBrk="1" latinLnBrk="0" hangingPunct="1">
+              <a:lnSpc>
+                <a:spcPct val="90000"/>
+              </a:lnSpc>
+              <a:spcBef>
+                <a:spcPts val="1000"/>
+              </a:spcBef>
+              <a:buFont typeface="Arial" panose="020B0604020202020204" pitchFamily="34" charset="0"/>
+              <a:buNone/>
+              <a:defRPr sz="2400" b="1" kern="1200">
+                <a:solidFill>
+                  <a:schemeClr val="tx1"/>
+                </a:solidFill>
+                <a:latin typeface="+mn-lt"/>
+                <a:ea typeface="+mn-ea"/>
+                <a:cs typeface="+mn-cs"/>
+              </a:defRPr>
+            </a:lvl1pPr>
+            <a:lvl2pPr marL="457200" indent="0" algn="l" defTabSz="914400" rtl="0" eaLnBrk="1" latinLnBrk="0" hangingPunct="1">
+              <a:lnSpc>
+                <a:spcPct val="90000"/>
+              </a:lnSpc>
+              <a:spcBef>
+                <a:spcPts val="500"/>
+              </a:spcBef>
+              <a:buFont typeface="Arial" panose="020B0604020202020204" pitchFamily="34" charset="0"/>
+              <a:buNone/>
+              <a:defRPr sz="2000" b="1" kern="1200">
+                <a:solidFill>
+                  <a:schemeClr val="tx1"/>
+                </a:solidFill>
+                <a:latin typeface="+mn-lt"/>
+                <a:ea typeface="+mn-ea"/>
+                <a:cs typeface="+mn-cs"/>
+              </a:defRPr>
+            </a:lvl2pPr>
+            <a:lvl3pPr marL="914400" indent="0" algn="l" defTabSz="914400" rtl="0" eaLnBrk="1" latinLnBrk="0" hangingPunct="1">
+              <a:lnSpc>
+                <a:spcPct val="90000"/>
+              </a:lnSpc>
+              <a:spcBef>
+                <a:spcPts val="500"/>
+              </a:spcBef>
+              <a:buFont typeface="Arial" panose="020B0604020202020204" pitchFamily="34" charset="0"/>
+              <a:buNone/>
+              <a:defRPr sz="1800" b="1" kern="1200">
+                <a:solidFill>
+                  <a:schemeClr val="tx1"/>
+                </a:solidFill>
+                <a:latin typeface="+mn-lt"/>
+                <a:ea typeface="+mn-ea"/>
+                <a:cs typeface="+mn-cs"/>
+              </a:defRPr>
+            </a:lvl3pPr>
+            <a:lvl4pPr marL="1371600" indent="0" algn="l" defTabSz="914400" rtl="0" eaLnBrk="1" latinLnBrk="0" hangingPunct="1">
+              <a:lnSpc>
+                <a:spcPct val="90000"/>
+              </a:lnSpc>
+              <a:spcBef>
+                <a:spcPts val="500"/>
+              </a:spcBef>
+              <a:buFont typeface="Arial" panose="020B0604020202020204" pitchFamily="34" charset="0"/>
+              <a:buNone/>
+              <a:defRPr sz="1600" b="1" kern="1200">
+                <a:solidFill>
+                  <a:schemeClr val="tx1"/>
+                </a:solidFill>
+                <a:latin typeface="+mn-lt"/>
+                <a:ea typeface="+mn-ea"/>
+                <a:cs typeface="+mn-cs"/>
+              </a:defRPr>
+            </a:lvl4pPr>
+            <a:lvl5pPr marL="1828800" indent="0" algn="l" defTabSz="914400" rtl="0" eaLnBrk="1" latinLnBrk="0" hangingPunct="1">
+              <a:lnSpc>
+                <a:spcPct val="90000"/>
+              </a:lnSpc>
+              <a:spcBef>
+                <a:spcPts val="500"/>
+              </a:spcBef>
+              <a:buFont typeface="Arial" panose="020B0604020202020204" pitchFamily="34" charset="0"/>
+              <a:buNone/>
+              <a:defRPr sz="1600" b="1" kern="1200">
+                <a:solidFill>
+                  <a:schemeClr val="tx1"/>
+                </a:solidFill>
+                <a:latin typeface="+mn-lt"/>
+                <a:ea typeface="+mn-ea"/>
+                <a:cs typeface="+mn-cs"/>
+              </a:defRPr>
+            </a:lvl5pPr>
+            <a:lvl6pPr marL="2286000" indent="0" algn="l" defTabSz="914400" rtl="0" eaLnBrk="1" latinLnBrk="0" hangingPunct="1">
+              <a:lnSpc>
+                <a:spcPct val="90000"/>
+              </a:lnSpc>
+              <a:spcBef>
+                <a:spcPts val="500"/>
+              </a:spcBef>
+              <a:buFont typeface="Arial" panose="020B0604020202020204" pitchFamily="34" charset="0"/>
+              <a:buNone/>
+              <a:defRPr sz="1600" b="1" kern="1200">
+                <a:solidFill>
+                  <a:schemeClr val="tx1"/>
+                </a:solidFill>
+                <a:latin typeface="+mn-lt"/>
+                <a:ea typeface="+mn-ea"/>
+                <a:cs typeface="+mn-cs"/>
+              </a:defRPr>
+            </a:lvl6pPr>
+            <a:lvl7pPr marL="2743200" indent="0" algn="l" defTabSz="914400" rtl="0" eaLnBrk="1" latinLnBrk="0" hangingPunct="1">
+              <a:lnSpc>
+                <a:spcPct val="90000"/>
+              </a:lnSpc>
+              <a:spcBef>
+                <a:spcPts val="500"/>
+              </a:spcBef>
+              <a:buFont typeface="Arial" panose="020B0604020202020204" pitchFamily="34" charset="0"/>
+              <a:buNone/>
+              <a:defRPr sz="1600" b="1" kern="1200">
+                <a:solidFill>
+                  <a:schemeClr val="tx1"/>
+                </a:solidFill>
+                <a:latin typeface="+mn-lt"/>
+                <a:ea typeface="+mn-ea"/>
+                <a:cs typeface="+mn-cs"/>
+              </a:defRPr>
+            </a:lvl7pPr>
+            <a:lvl8pPr marL="3200400" indent="0" algn="l" defTabSz="914400" rtl="0" eaLnBrk="1" latinLnBrk="0" hangingPunct="1">
+              <a:lnSpc>
+                <a:spcPct val="90000"/>
+              </a:lnSpc>
+              <a:spcBef>
+                <a:spcPts val="500"/>
+              </a:spcBef>
+              <a:buFont typeface="Arial" panose="020B0604020202020204" pitchFamily="34" charset="0"/>
+              <a:buNone/>
+              <a:defRPr sz="1600" b="1" kern="1200">
+                <a:solidFill>
+                  <a:schemeClr val="tx1"/>
+                </a:solidFill>
+                <a:latin typeface="+mn-lt"/>
+                <a:ea typeface="+mn-ea"/>
+                <a:cs typeface="+mn-cs"/>
+              </a:defRPr>
+            </a:lvl8pPr>
+            <a:lvl9pPr marL="3657600" indent="0" algn="l" defTabSz="914400" rtl="0" eaLnBrk="1" latinLnBrk="0" hangingPunct="1">
+              <a:lnSpc>
+                <a:spcPct val="90000"/>
+              </a:lnSpc>
+              <a:spcBef>
+                <a:spcPts val="500"/>
+              </a:spcBef>
+              <a:buFont typeface="Arial" panose="020B0604020202020204" pitchFamily="34" charset="0"/>
+              <a:buNone/>
+              <a:defRPr sz="1600" b="1" kern="1200">
+                <a:solidFill>
+                  <a:schemeClr val="tx1"/>
+                </a:solidFill>
+                <a:latin typeface="+mn-lt"/>
+                <a:ea typeface="+mn-ea"/>
+                <a:cs typeface="+mn-cs"/>
+              </a:defRPr>
+            </a:lvl9pPr>
+          </a:lstStyle>
+          <a:p>
+            <a:pPr algn="ctr"/>
+            <a:r>
+              <a:rPr lang="ru-RU" sz="1800" dirty="0" smtClean="0"/>
+              <a:t>          Мельниченко Артем Олегович</a:t>
+            </a:r>
+            <a:endParaRPr lang="ru-RU" sz="1800" b="0" dirty="0" smtClean="0"/>
+          </a:p>
+          <a:p>
+            <a:pPr algn="ctr"/>
+            <a:r>
+              <a:rPr lang="ru-RU" sz="1800" b="0" dirty="0" smtClean="0"/>
+              <a:t>         </a:t>
+            </a:r>
+            <a:r>
+              <a:rPr lang="en-US" sz="1800" b="0" dirty="0" smtClean="0"/>
+              <a:t>art1237@yandex.ru</a:t>
+            </a:r>
+            <a:endParaRPr lang="ru-RU" sz="1800" b="0" dirty="0" smtClean="0"/>
+          </a:p>
+          <a:p>
+            <a:pPr algn="ctr"/>
+            <a:endParaRPr lang="ru-RU" sz="1800" b="0" dirty="0"/>
+          </a:p>
+          <a:p>
+            <a:pPr algn="just"/>
+            <a:r>
+              <a:rPr lang="ru-RU" sz="1800" b="0" dirty="0"/>
+              <a:t>Профессиональный опыт включает работу с </a:t>
+            </a:r>
+            <a:r>
+              <a:rPr lang="ru-RU" sz="1800" b="0" dirty="0" err="1"/>
+              <a:t>фреймворком</a:t>
+            </a:r>
+            <a:r>
+              <a:rPr lang="ru-RU" sz="1800" b="0" dirty="0"/>
+              <a:t> </a:t>
+            </a:r>
+            <a:r>
+              <a:rPr lang="ru-RU" sz="1800" b="0" dirty="0" err="1"/>
+              <a:t>wxWidgets</a:t>
+            </a:r>
+            <a:r>
+              <a:rPr lang="ru-RU" sz="1800" b="0" dirty="0"/>
+              <a:t>, а также мобильную разработку на платформе </a:t>
+            </a:r>
+            <a:r>
+              <a:rPr lang="ru-RU" sz="1800" b="0" dirty="0" err="1"/>
+              <a:t>Android</a:t>
+            </a:r>
+            <a:r>
+              <a:rPr lang="ru-RU" sz="1800" b="0" dirty="0"/>
+              <a:t> с использованием языка программирования </a:t>
+            </a:r>
+            <a:r>
+              <a:rPr lang="ru-RU" sz="1800" b="0" dirty="0" err="1"/>
+              <a:t>Java</a:t>
+            </a:r>
+            <a:r>
+              <a:rPr lang="ru-RU" sz="1800" b="0" dirty="0"/>
+              <a:t> и веб-разработку.</a:t>
+            </a:r>
+          </a:p>
+        </p:txBody>
+      </p:sp>
       <p:pic>
         <p:nvPicPr>
-          <p:cNvPr id="18" name="Рисунок 17"/>
+          <p:cNvPr id="26" name="Рисунок 25"/>
           <p:cNvPicPr>
             <a:picLocks noChangeAspect="1"/>
           </p:cNvPicPr>
@@ -5968,56 +10362,292 @@
         </p:blipFill>
         <p:spPr>
           <a:xfrm>
-            <a:off x="7472363" y="4888593"/>
-            <a:ext cx="1614488" cy="1621928"/>
+            <a:off x="6458533" y="3786903"/>
+            <a:ext cx="1225125" cy="1225125"/>
           </a:xfrm>
           <a:prstGeom prst="rect">
             <a:avLst/>
           </a:prstGeom>
         </p:spPr>
       </p:pic>
+      <p:sp>
+        <p:nvSpPr>
+          <p:cNvPr id="27" name="Текст 9"/>
+          <p:cNvSpPr txBox="1">
+            <a:spLocks/>
+          </p:cNvSpPr>
+          <p:nvPr/>
+        </p:nvSpPr>
+        <p:spPr>
+          <a:xfrm>
+            <a:off x="6404671" y="374067"/>
+            <a:ext cx="5382949" cy="3168072"/>
+          </a:xfrm>
+          <a:prstGeom prst="rect">
+            <a:avLst/>
+          </a:prstGeom>
+        </p:spPr>
+        <p:txBody>
+          <a:bodyPr vert="horz" lIns="91440" tIns="45720" rIns="91440" bIns="45720" rtlCol="0" anchor="b">
+            <a:normAutofit fontScale="92500" lnSpcReduction="10000"/>
+          </a:bodyPr>
+          <a:lstStyle>
+            <a:lvl1pPr marL="0" indent="0" algn="l" defTabSz="914400" rtl="0" eaLnBrk="1" latinLnBrk="0" hangingPunct="1">
+              <a:lnSpc>
+                <a:spcPct val="90000"/>
+              </a:lnSpc>
+              <a:spcBef>
+                <a:spcPts val="1000"/>
+              </a:spcBef>
+              <a:buFont typeface="Arial" panose="020B0604020202020204" pitchFamily="34" charset="0"/>
+              <a:buNone/>
+              <a:defRPr sz="2400" b="1" kern="1200">
+                <a:solidFill>
+                  <a:schemeClr val="tx1"/>
+                </a:solidFill>
+                <a:latin typeface="+mn-lt"/>
+                <a:ea typeface="+mn-ea"/>
+                <a:cs typeface="+mn-cs"/>
+              </a:defRPr>
+            </a:lvl1pPr>
+            <a:lvl2pPr marL="457200" indent="0" algn="l" defTabSz="914400" rtl="0" eaLnBrk="1" latinLnBrk="0" hangingPunct="1">
+              <a:lnSpc>
+                <a:spcPct val="90000"/>
+              </a:lnSpc>
+              <a:spcBef>
+                <a:spcPts val="500"/>
+              </a:spcBef>
+              <a:buFont typeface="Arial" panose="020B0604020202020204" pitchFamily="34" charset="0"/>
+              <a:buNone/>
+              <a:defRPr sz="2000" b="1" kern="1200">
+                <a:solidFill>
+                  <a:schemeClr val="tx1"/>
+                </a:solidFill>
+                <a:latin typeface="+mn-lt"/>
+                <a:ea typeface="+mn-ea"/>
+                <a:cs typeface="+mn-cs"/>
+              </a:defRPr>
+            </a:lvl2pPr>
+            <a:lvl3pPr marL="914400" indent="0" algn="l" defTabSz="914400" rtl="0" eaLnBrk="1" latinLnBrk="0" hangingPunct="1">
+              <a:lnSpc>
+                <a:spcPct val="90000"/>
+              </a:lnSpc>
+              <a:spcBef>
+                <a:spcPts val="500"/>
+              </a:spcBef>
+              <a:buFont typeface="Arial" panose="020B0604020202020204" pitchFamily="34" charset="0"/>
+              <a:buNone/>
+              <a:defRPr sz="1800" b="1" kern="1200">
+                <a:solidFill>
+                  <a:schemeClr val="tx1"/>
+                </a:solidFill>
+                <a:latin typeface="+mn-lt"/>
+                <a:ea typeface="+mn-ea"/>
+                <a:cs typeface="+mn-cs"/>
+              </a:defRPr>
+            </a:lvl3pPr>
+            <a:lvl4pPr marL="1371600" indent="0" algn="l" defTabSz="914400" rtl="0" eaLnBrk="1" latinLnBrk="0" hangingPunct="1">
+              <a:lnSpc>
+                <a:spcPct val="90000"/>
+              </a:lnSpc>
+              <a:spcBef>
+                <a:spcPts val="500"/>
+              </a:spcBef>
+              <a:buFont typeface="Arial" panose="020B0604020202020204" pitchFamily="34" charset="0"/>
+              <a:buNone/>
+              <a:defRPr sz="1600" b="1" kern="1200">
+                <a:solidFill>
+                  <a:schemeClr val="tx1"/>
+                </a:solidFill>
+                <a:latin typeface="+mn-lt"/>
+                <a:ea typeface="+mn-ea"/>
+                <a:cs typeface="+mn-cs"/>
+              </a:defRPr>
+            </a:lvl4pPr>
+            <a:lvl5pPr marL="1828800" indent="0" algn="l" defTabSz="914400" rtl="0" eaLnBrk="1" latinLnBrk="0" hangingPunct="1">
+              <a:lnSpc>
+                <a:spcPct val="90000"/>
+              </a:lnSpc>
+              <a:spcBef>
+                <a:spcPts val="500"/>
+              </a:spcBef>
+              <a:buFont typeface="Arial" panose="020B0604020202020204" pitchFamily="34" charset="0"/>
+              <a:buNone/>
+              <a:defRPr sz="1600" b="1" kern="1200">
+                <a:solidFill>
+                  <a:schemeClr val="tx1"/>
+                </a:solidFill>
+                <a:latin typeface="+mn-lt"/>
+                <a:ea typeface="+mn-ea"/>
+                <a:cs typeface="+mn-cs"/>
+              </a:defRPr>
+            </a:lvl5pPr>
+            <a:lvl6pPr marL="2286000" indent="0" algn="l" defTabSz="914400" rtl="0" eaLnBrk="1" latinLnBrk="0" hangingPunct="1">
+              <a:lnSpc>
+                <a:spcPct val="90000"/>
+              </a:lnSpc>
+              <a:spcBef>
+                <a:spcPts val="500"/>
+              </a:spcBef>
+              <a:buFont typeface="Arial" panose="020B0604020202020204" pitchFamily="34" charset="0"/>
+              <a:buNone/>
+              <a:defRPr sz="1600" b="1" kern="1200">
+                <a:solidFill>
+                  <a:schemeClr val="tx1"/>
+                </a:solidFill>
+                <a:latin typeface="+mn-lt"/>
+                <a:ea typeface="+mn-ea"/>
+                <a:cs typeface="+mn-cs"/>
+              </a:defRPr>
+            </a:lvl6pPr>
+            <a:lvl7pPr marL="2743200" indent="0" algn="l" defTabSz="914400" rtl="0" eaLnBrk="1" latinLnBrk="0" hangingPunct="1">
+              <a:lnSpc>
+                <a:spcPct val="90000"/>
+              </a:lnSpc>
+              <a:spcBef>
+                <a:spcPts val="500"/>
+              </a:spcBef>
+              <a:buFont typeface="Arial" panose="020B0604020202020204" pitchFamily="34" charset="0"/>
+              <a:buNone/>
+              <a:defRPr sz="1600" b="1" kern="1200">
+                <a:solidFill>
+                  <a:schemeClr val="tx1"/>
+                </a:solidFill>
+                <a:latin typeface="+mn-lt"/>
+                <a:ea typeface="+mn-ea"/>
+                <a:cs typeface="+mn-cs"/>
+              </a:defRPr>
+            </a:lvl7pPr>
+            <a:lvl8pPr marL="3200400" indent="0" algn="l" defTabSz="914400" rtl="0" eaLnBrk="1" latinLnBrk="0" hangingPunct="1">
+              <a:lnSpc>
+                <a:spcPct val="90000"/>
+              </a:lnSpc>
+              <a:spcBef>
+                <a:spcPts val="500"/>
+              </a:spcBef>
+              <a:buFont typeface="Arial" panose="020B0604020202020204" pitchFamily="34" charset="0"/>
+              <a:buNone/>
+              <a:defRPr sz="1600" b="1" kern="1200">
+                <a:solidFill>
+                  <a:schemeClr val="tx1"/>
+                </a:solidFill>
+                <a:latin typeface="+mn-lt"/>
+                <a:ea typeface="+mn-ea"/>
+                <a:cs typeface="+mn-cs"/>
+              </a:defRPr>
+            </a:lvl8pPr>
+            <a:lvl9pPr marL="3657600" indent="0" algn="l" defTabSz="914400" rtl="0" eaLnBrk="1" latinLnBrk="0" hangingPunct="1">
+              <a:lnSpc>
+                <a:spcPct val="90000"/>
+              </a:lnSpc>
+              <a:spcBef>
+                <a:spcPts val="500"/>
+              </a:spcBef>
+              <a:buFont typeface="Arial" panose="020B0604020202020204" pitchFamily="34" charset="0"/>
+              <a:buNone/>
+              <a:defRPr sz="1600" b="1" kern="1200">
+                <a:solidFill>
+                  <a:schemeClr val="tx1"/>
+                </a:solidFill>
+                <a:latin typeface="+mn-lt"/>
+                <a:ea typeface="+mn-ea"/>
+                <a:cs typeface="+mn-cs"/>
+              </a:defRPr>
+            </a:lvl9pPr>
+          </a:lstStyle>
+          <a:p>
+            <a:pPr algn="ctr"/>
+            <a:r>
+              <a:rPr lang="ru-RU" sz="1800" dirty="0" smtClean="0"/>
+              <a:t>   Мельников Артем Евгеньевич</a:t>
+            </a:r>
+            <a:endParaRPr lang="ru-RU" sz="1800" b="0" dirty="0" smtClean="0"/>
+          </a:p>
+          <a:p>
+            <a:pPr algn="ctr"/>
+            <a:r>
+              <a:rPr lang="ru-RU" sz="1800" b="0" dirty="0" smtClean="0"/>
+              <a:t>    </a:t>
+            </a:r>
+            <a:r>
+              <a:rPr lang="en-US" sz="1800" b="0" dirty="0" smtClean="0"/>
+              <a:t>melnikov18mail@yandex.ru</a:t>
+            </a:r>
+            <a:endParaRPr lang="ru-RU" sz="1800" b="0" dirty="0" smtClean="0"/>
+          </a:p>
+          <a:p>
+            <a:pPr algn="ctr"/>
+            <a:endParaRPr lang="ru-RU" sz="1800" dirty="0"/>
+          </a:p>
+          <a:p>
+            <a:pPr algn="just"/>
+            <a:r>
+              <a:rPr lang="ru-RU" sz="1800" b="0" dirty="0"/>
+              <a:t>Дважды участвовал в ICPC - международной командной олимпиаде по программированию - с 2022 по 2024 год. Дважды прошёл в 1/4-финал. Один раз прошёл в 1/2-финал (всероссийский этап).</a:t>
+            </a:r>
+          </a:p>
+          <a:p>
+            <a:pPr algn="just"/>
+            <a:r>
+              <a:rPr lang="ru-RU" sz="1800" b="0" dirty="0"/>
+              <a:t>На ознакомительной практике </a:t>
+            </a:r>
+            <a:r>
+              <a:rPr lang="ru-RU" sz="1800" b="0" dirty="0" smtClean="0"/>
+              <a:t>полностью </a:t>
+            </a:r>
+            <a:r>
+              <a:rPr lang="ru-RU" sz="1800" b="0" dirty="0"/>
+              <a:t>реализовал приложение для игры в шахматы на </a:t>
+            </a:r>
+            <a:r>
+              <a:rPr lang="ru-RU" sz="1800" b="0" dirty="0" err="1"/>
+              <a:t>python</a:t>
+            </a:r>
+            <a:r>
+              <a:rPr lang="ru-RU" sz="1800" b="0" dirty="0"/>
+              <a:t>.</a:t>
+            </a:r>
+          </a:p>
+          <a:p>
+            <a:pPr algn="just"/>
+            <a:r>
+              <a:rPr lang="ru-RU" sz="1800" b="0" dirty="0" smtClean="0"/>
+              <a:t>Участвовал </a:t>
+            </a:r>
+            <a:r>
+              <a:rPr lang="ru-RU" sz="1800" b="0" dirty="0"/>
+              <a:t>в разработке учёта посещаемости </a:t>
+            </a:r>
+            <a:r>
+              <a:rPr lang="ru-RU" sz="1800" b="0" dirty="0" smtClean="0"/>
+              <a:t>и </a:t>
+            </a:r>
+            <a:r>
+              <a:rPr lang="ru-RU" sz="1800" b="0" dirty="0"/>
+              <a:t>сейчас работаю над созданием раздела "Фабрика Проектов".</a:t>
+            </a:r>
+          </a:p>
+        </p:txBody>
+      </p:sp>
       <p:pic>
         <p:nvPicPr>
-          <p:cNvPr id="19" name="Рисунок 18"/>
+          <p:cNvPr id="28" name="Рисунок 27"/>
           <p:cNvPicPr>
             <a:picLocks noChangeAspect="1"/>
           </p:cNvPicPr>
           <p:nvPr/>
         </p:nvPicPr>
         <p:blipFill>
-          <a:blip r:embed="rId4"/>
+          <a:blip r:embed="rId3"/>
           <a:stretch>
             <a:fillRect/>
           </a:stretch>
         </p:blipFill>
         <p:spPr>
           <a:xfrm>
-            <a:off x="7521972" y="2206290"/>
-            <a:ext cx="1515269" cy="1539841"/>
-          </a:xfrm>
-          <a:prstGeom prst="rect">
-            <a:avLst/>
-          </a:prstGeom>
-        </p:spPr>
-      </p:pic>
-      <p:pic>
-        <p:nvPicPr>
-          <p:cNvPr id="20" name="Рисунок 19"/>
-          <p:cNvPicPr>
-            <a:picLocks noChangeAspect="1"/>
-          </p:cNvPicPr>
-          <p:nvPr/>
-        </p:nvPicPr>
-        <p:blipFill>
-          <a:blip r:embed="rId5"/>
-          <a:stretch>
-            <a:fillRect/>
-          </a:stretch>
-        </p:blipFill>
-        <p:spPr>
-          <a:xfrm>
-            <a:off x="1856581" y="4924072"/>
-            <a:ext cx="1550970" cy="1550970"/>
+            <a:off x="6458533" y="332504"/>
+            <a:ext cx="1225125" cy="1225125"/>
           </a:xfrm>
           <a:prstGeom prst="rect">
             <a:avLst/>

--- a/Управление проектами/lab3/Презентация.pptx
+++ b/Управление проектами/lab3/Презентация.pptx
@@ -220,7 +220,6 @@
               <c:showBubbleSize val="0"/>
               <c:extLst>
                 <c:ext xmlns:c15="http://schemas.microsoft.com/office/drawing/2012/chart" uri="{CE6537A1-D6FC-4f65-9D91-7224C49458BB}">
-                  <c15:layout/>
                   <c15:dlblFieldTable/>
                   <c15:showDataLabelsRange val="0"/>
                 </c:ext>
@@ -262,7 +261,6 @@
               <c:showBubbleSize val="0"/>
               <c:extLst>
                 <c:ext xmlns:c15="http://schemas.microsoft.com/office/drawing/2012/chart" uri="{CE6537A1-D6FC-4f65-9D91-7224C49458BB}">
-                  <c15:layout/>
                   <c15:dlblFieldTable/>
                   <c15:showDataLabelsRange val="0"/>
                 </c:ext>
@@ -378,7 +376,6 @@
     </c:plotArea>
     <c:legend>
       <c:legendPos val="b"/>
-      <c:layout/>
       <c:overlay val="0"/>
       <c:spPr>
         <a:solidFill>
@@ -412,7 +409,6 @@
     </c:legend>
     <c:plotVisOnly val="1"/>
     <c:dispBlanksAs val="gap"/>
-    <c:showDLblsOverMax val="0"/>
     <c:extLst>
       <c:ext xmlns:c16r3="http://schemas.microsoft.com/office/drawing/2017/03/chart" uri="{56B9EC1D-385E-4148-901F-78D8002777C0}">
         <c16r3:dataDisplayOptions16>
@@ -420,6 +416,7 @@
         </c16r3:dataDisplayOptions16>
       </c:ext>
     </c:extLst>
+    <c:showDLblsOverMax val="0"/>
   </c:chart>
   <c:spPr>
     <a:solidFill>
@@ -681,7 +678,6 @@
     </c:plotArea>
     <c:plotVisOnly val="1"/>
     <c:dispBlanksAs val="gap"/>
-    <c:showDLblsOverMax val="0"/>
     <c:extLst>
       <c:ext xmlns:c16r3="http://schemas.microsoft.com/office/drawing/2017/03/chart" uri="{56B9EC1D-385E-4148-901F-78D8002777C0}">
         <c16r3:dataDisplayOptions16>
@@ -689,6 +685,7 @@
         </c16r3:dataDisplayOptions16>
       </c:ext>
     </c:extLst>
+    <c:showDLblsOverMax val="0"/>
   </c:chart>
   <c:spPr>
     <a:solidFill>
@@ -890,9 +887,7 @@
               <c:showPercent val="0"/>
               <c:showBubbleSize val="0"/>
               <c:extLst>
-                <c:ext xmlns:c15="http://schemas.microsoft.com/office/drawing/2012/chart" uri="{CE6537A1-D6FC-4f65-9D91-7224C49458BB}">
-                  <c15:layout/>
-                </c:ext>
+                <c:ext xmlns:c15="http://schemas.microsoft.com/office/drawing/2012/chart" uri="{CE6537A1-D6FC-4f65-9D91-7224C49458BB}"/>
                 <c:ext xmlns:c16="http://schemas.microsoft.com/office/drawing/2014/chart" uri="{C3380CC4-5D6E-409C-BE32-E72D297353CC}">
                   <c16:uniqueId val="{00000001-531F-4FD2-8EB3-C4DAFC4CE61E}"/>
                 </c:ext>
@@ -939,9 +934,7 @@
               <c:showPercent val="0"/>
               <c:showBubbleSize val="0"/>
               <c:extLst>
-                <c:ext xmlns:c15="http://schemas.microsoft.com/office/drawing/2012/chart" uri="{CE6537A1-D6FC-4f65-9D91-7224C49458BB}">
-                  <c15:layout/>
-                </c:ext>
+                <c:ext xmlns:c15="http://schemas.microsoft.com/office/drawing/2012/chart" uri="{CE6537A1-D6FC-4f65-9D91-7224C49458BB}"/>
                 <c:ext xmlns:c16="http://schemas.microsoft.com/office/drawing/2014/chart" uri="{C3380CC4-5D6E-409C-BE32-E72D297353CC}">
                   <c16:uniqueId val="{00000003-531F-4FD2-8EB3-C4DAFC4CE61E}"/>
                 </c:ext>
@@ -998,9 +991,7 @@
               </c:spPr>
             </c:leaderLines>
             <c:extLst>
-              <c:ext xmlns:c15="http://schemas.microsoft.com/office/drawing/2012/chart" uri="{CE6537A1-D6FC-4f65-9D91-7224C49458BB}">
-                <c15:layout/>
-              </c:ext>
+              <c:ext xmlns:c15="http://schemas.microsoft.com/office/drawing/2012/chart" uri="{CE6537A1-D6FC-4f65-9D91-7224C49458BB}"/>
             </c:extLst>
           </c:dLbls>
           <c:cat>
@@ -1100,7 +1091,7 @@
         <a:lstStyle/>
         <a:p>
           <a:pPr>
-            <a:defRPr sz="1600" b="0" i="0" u="none" strike="noStrike" kern="1200" baseline="0">
+            <a:defRPr sz="2000" b="0" i="0" u="none" strike="noStrike" kern="1200" baseline="0">
               <a:solidFill>
                 <a:schemeClr val="tx1">
                   <a:lumMod val="65000"/>
@@ -1118,7 +1109,6 @@
     </c:legend>
     <c:plotVisOnly val="1"/>
     <c:dispBlanksAs val="gap"/>
-    <c:showDLblsOverMax val="0"/>
     <c:extLst>
       <c:ext xmlns:c16r3="http://schemas.microsoft.com/office/drawing/2017/03/chart" uri="{56B9EC1D-385E-4148-901F-78D8002777C0}">
         <c16r3:dataDisplayOptions16>
@@ -1126,6 +1116,7 @@
         </c16r3:dataDisplayOptions16>
       </c:ext>
     </c:extLst>
+    <c:showDLblsOverMax val="0"/>
   </c:chart>
   <c:spPr>
     <a:solidFill>
@@ -1244,7 +1235,6 @@
     </c:legend>
     <c:plotVisOnly val="1"/>
     <c:dispBlanksAs val="gap"/>
-    <c:showDLblsOverMax val="0"/>
     <c:extLst>
       <c:ext xmlns:c16r3="http://schemas.microsoft.com/office/drawing/2017/03/chart" uri="{56B9EC1D-385E-4148-901F-78D8002777C0}">
         <c16r3:dataDisplayOptions16>
@@ -1252,6 +1242,7 @@
         </c16r3:dataDisplayOptions16>
       </c:ext>
     </c:extLst>
+    <c:showDLblsOverMax val="0"/>
   </c:chart>
   <c:spPr>
     <a:solidFill>
@@ -1519,9 +1510,7 @@
               </c:spPr>
             </c:leaderLines>
             <c:extLst>
-              <c:ext xmlns:c15="http://schemas.microsoft.com/office/drawing/2012/chart" uri="{CE6537A1-D6FC-4f65-9D91-7224C49458BB}">
-                <c15:layout/>
-              </c:ext>
+              <c:ext xmlns:c15="http://schemas.microsoft.com/office/drawing/2012/chart" uri="{CE6537A1-D6FC-4f65-9D91-7224C49458BB}"/>
             </c:extLst>
           </c:dLbls>
           <c:cat>
@@ -1725,7 +1714,6 @@
           </a:p>
         </c:rich>
       </c:tx>
-      <c:layout/>
       <c:overlay val="0"/>
       <c:spPr>
         <a:noFill/>
@@ -5406,7 +5394,7 @@
           <a:p>
             <a:fld id="{4321FB62-D18A-4E57-BB01-ACB74E262929}" type="datetimeFigureOut">
               <a:rPr lang="ru-RU" smtClean="0"/>
-              <a:t>08.04.2025</a:t>
+              <a:t>09.04.2025</a:t>
             </a:fld>
             <a:endParaRPr lang="ru-RU"/>
           </a:p>
@@ -5470,38 +5458,37 @@
           <a:p>
             <a:pPr lvl="0"/>
             <a:r>
-              <a:rPr lang="ru-RU" smtClean="0"/>
+              <a:rPr lang="ru-RU"/>
               <a:t>Образец текста</a:t>
             </a:r>
           </a:p>
           <a:p>
             <a:pPr lvl="1"/>
             <a:r>
-              <a:rPr lang="ru-RU" smtClean="0"/>
+              <a:rPr lang="ru-RU"/>
               <a:t>Второй уровень</a:t>
             </a:r>
           </a:p>
           <a:p>
             <a:pPr lvl="2"/>
             <a:r>
-              <a:rPr lang="ru-RU" smtClean="0"/>
+              <a:rPr lang="ru-RU"/>
               <a:t>Третий уровень</a:t>
             </a:r>
           </a:p>
           <a:p>
             <a:pPr lvl="3"/>
             <a:r>
-              <a:rPr lang="ru-RU" smtClean="0"/>
+              <a:rPr lang="ru-RU"/>
               <a:t>Четвертый уровень</a:t>
             </a:r>
           </a:p>
           <a:p>
             <a:pPr lvl="4"/>
             <a:r>
-              <a:rPr lang="ru-RU" smtClean="0"/>
+              <a:rPr lang="ru-RU"/>
               <a:t>Пятый уровень</a:t>
             </a:r>
-            <a:endParaRPr lang="ru-RU"/>
           </a:p>
         </p:txBody>
       </p:sp>
@@ -5800,10 +5787,9 @@
           </a:lstStyle>
           <a:p>
             <a:r>
-              <a:rPr lang="ru-RU" smtClean="0"/>
+              <a:rPr lang="ru-RU"/>
               <a:t>Образец заголовка</a:t>
             </a:r>
-            <a:endParaRPr lang="ru-RU"/>
           </a:p>
         </p:txBody>
       </p:sp>
@@ -5865,10 +5851,9 @@
           </a:lstStyle>
           <a:p>
             <a:r>
-              <a:rPr lang="ru-RU" smtClean="0"/>
+              <a:rPr lang="ru-RU"/>
               <a:t>Образец подзаголовка</a:t>
             </a:r>
-            <a:endParaRPr lang="ru-RU"/>
           </a:p>
         </p:txBody>
       </p:sp>
@@ -5889,7 +5874,7 @@
           <a:p>
             <a:fld id="{77813A42-1563-4389-B0CB-08B2349BA135}" type="datetime1">
               <a:rPr lang="ru-RU" smtClean="0"/>
-              <a:t>08.04.2025</a:t>
+              <a:t>09.04.2025</a:t>
             </a:fld>
             <a:endParaRPr lang="ru-RU"/>
           </a:p>
@@ -5983,10 +5968,9 @@
           <a:lstStyle/>
           <a:p>
             <a:r>
-              <a:rPr lang="ru-RU" smtClean="0"/>
+              <a:rPr lang="ru-RU"/>
               <a:t>Образец заголовка</a:t>
             </a:r>
-            <a:endParaRPr lang="ru-RU"/>
           </a:p>
         </p:txBody>
       </p:sp>
@@ -6007,38 +5991,37 @@
           <a:p>
             <a:pPr lvl="0"/>
             <a:r>
-              <a:rPr lang="ru-RU" smtClean="0"/>
+              <a:rPr lang="ru-RU"/>
               <a:t>Образец текста</a:t>
             </a:r>
           </a:p>
           <a:p>
             <a:pPr lvl="1"/>
             <a:r>
-              <a:rPr lang="ru-RU" smtClean="0"/>
+              <a:rPr lang="ru-RU"/>
               <a:t>Второй уровень</a:t>
             </a:r>
           </a:p>
           <a:p>
             <a:pPr lvl="2"/>
             <a:r>
-              <a:rPr lang="ru-RU" smtClean="0"/>
+              <a:rPr lang="ru-RU"/>
               <a:t>Третий уровень</a:t>
             </a:r>
           </a:p>
           <a:p>
             <a:pPr lvl="3"/>
             <a:r>
-              <a:rPr lang="ru-RU" smtClean="0"/>
+              <a:rPr lang="ru-RU"/>
               <a:t>Четвертый уровень</a:t>
             </a:r>
           </a:p>
           <a:p>
             <a:pPr lvl="4"/>
             <a:r>
-              <a:rPr lang="ru-RU" smtClean="0"/>
+              <a:rPr lang="ru-RU"/>
               <a:t>Пятый уровень</a:t>
             </a:r>
-            <a:endParaRPr lang="ru-RU"/>
           </a:p>
         </p:txBody>
       </p:sp>
@@ -6059,7 +6042,7 @@
           <a:p>
             <a:fld id="{EA713A6D-99A7-41D4-9EA4-6437FE3F9310}" type="datetime1">
               <a:rPr lang="ru-RU" smtClean="0"/>
-              <a:t>08.04.2025</a:t>
+              <a:t>09.04.2025</a:t>
             </a:fld>
             <a:endParaRPr lang="ru-RU"/>
           </a:p>
@@ -6158,10 +6141,9 @@
           <a:lstStyle/>
           <a:p>
             <a:r>
-              <a:rPr lang="ru-RU" smtClean="0"/>
+              <a:rPr lang="ru-RU"/>
               <a:t>Образец заголовка</a:t>
             </a:r>
-            <a:endParaRPr lang="ru-RU"/>
           </a:p>
         </p:txBody>
       </p:sp>
@@ -6187,38 +6169,37 @@
           <a:p>
             <a:pPr lvl="0"/>
             <a:r>
-              <a:rPr lang="ru-RU" smtClean="0"/>
+              <a:rPr lang="ru-RU"/>
               <a:t>Образец текста</a:t>
             </a:r>
           </a:p>
           <a:p>
             <a:pPr lvl="1"/>
             <a:r>
-              <a:rPr lang="ru-RU" smtClean="0"/>
+              <a:rPr lang="ru-RU"/>
               <a:t>Второй уровень</a:t>
             </a:r>
           </a:p>
           <a:p>
             <a:pPr lvl="2"/>
             <a:r>
-              <a:rPr lang="ru-RU" smtClean="0"/>
+              <a:rPr lang="ru-RU"/>
               <a:t>Третий уровень</a:t>
             </a:r>
           </a:p>
           <a:p>
             <a:pPr lvl="3"/>
             <a:r>
-              <a:rPr lang="ru-RU" smtClean="0"/>
+              <a:rPr lang="ru-RU"/>
               <a:t>Четвертый уровень</a:t>
             </a:r>
           </a:p>
           <a:p>
             <a:pPr lvl="4"/>
             <a:r>
-              <a:rPr lang="ru-RU" smtClean="0"/>
+              <a:rPr lang="ru-RU"/>
               <a:t>Пятый уровень</a:t>
             </a:r>
-            <a:endParaRPr lang="ru-RU"/>
           </a:p>
         </p:txBody>
       </p:sp>
@@ -6239,7 +6220,7 @@
           <a:p>
             <a:fld id="{BB4BBF68-E996-4B96-8999-0FE01009D7DB}" type="datetime1">
               <a:rPr lang="ru-RU" smtClean="0"/>
-              <a:t>08.04.2025</a:t>
+              <a:t>09.04.2025</a:t>
             </a:fld>
             <a:endParaRPr lang="ru-RU"/>
           </a:p>
@@ -6333,10 +6314,9 @@
           <a:lstStyle/>
           <a:p>
             <a:r>
-              <a:rPr lang="ru-RU" smtClean="0"/>
+              <a:rPr lang="ru-RU"/>
               <a:t>Образец заголовка</a:t>
             </a:r>
-            <a:endParaRPr lang="ru-RU"/>
           </a:p>
         </p:txBody>
       </p:sp>
@@ -6357,38 +6337,37 @@
           <a:p>
             <a:pPr lvl="0"/>
             <a:r>
-              <a:rPr lang="ru-RU" smtClean="0"/>
+              <a:rPr lang="ru-RU"/>
               <a:t>Образец текста</a:t>
             </a:r>
           </a:p>
           <a:p>
             <a:pPr lvl="1"/>
             <a:r>
-              <a:rPr lang="ru-RU" smtClean="0"/>
+              <a:rPr lang="ru-RU"/>
               <a:t>Второй уровень</a:t>
             </a:r>
           </a:p>
           <a:p>
             <a:pPr lvl="2"/>
             <a:r>
-              <a:rPr lang="ru-RU" smtClean="0"/>
+              <a:rPr lang="ru-RU"/>
               <a:t>Третий уровень</a:t>
             </a:r>
           </a:p>
           <a:p>
             <a:pPr lvl="3"/>
             <a:r>
-              <a:rPr lang="ru-RU" smtClean="0"/>
+              <a:rPr lang="ru-RU"/>
               <a:t>Четвертый уровень</a:t>
             </a:r>
           </a:p>
           <a:p>
             <a:pPr lvl="4"/>
             <a:r>
-              <a:rPr lang="ru-RU" smtClean="0"/>
+              <a:rPr lang="ru-RU"/>
               <a:t>Пятый уровень</a:t>
             </a:r>
-            <a:endParaRPr lang="ru-RU"/>
           </a:p>
         </p:txBody>
       </p:sp>
@@ -6409,7 +6388,7 @@
           <a:p>
             <a:fld id="{9AA802F1-17AB-468A-B551-11180D3540E6}" type="datetime1">
               <a:rPr lang="ru-RU" smtClean="0"/>
-              <a:t>08.04.2025</a:t>
+              <a:t>09.04.2025</a:t>
             </a:fld>
             <a:endParaRPr lang="ru-RU"/>
           </a:p>
@@ -6512,10 +6491,9 @@
           </a:lstStyle>
           <a:p>
             <a:r>
-              <a:rPr lang="ru-RU" smtClean="0"/>
+              <a:rPr lang="ru-RU"/>
               <a:t>Образец заголовка</a:t>
             </a:r>
-            <a:endParaRPr lang="ru-RU"/>
           </a:p>
         </p:txBody>
       </p:sp>
@@ -6632,7 +6610,7 @@
           <a:p>
             <a:pPr lvl="0"/>
             <a:r>
-              <a:rPr lang="ru-RU" smtClean="0"/>
+              <a:rPr lang="ru-RU"/>
               <a:t>Образец текста</a:t>
             </a:r>
           </a:p>
@@ -6655,7 +6633,7 @@
           <a:p>
             <a:fld id="{C085F898-E0AD-4364-86AA-FF2C1ED21A58}" type="datetime1">
               <a:rPr lang="ru-RU" smtClean="0"/>
-              <a:t>08.04.2025</a:t>
+              <a:t>09.04.2025</a:t>
             </a:fld>
             <a:endParaRPr lang="ru-RU"/>
           </a:p>
@@ -6749,10 +6727,9 @@
           <a:lstStyle/>
           <a:p>
             <a:r>
-              <a:rPr lang="ru-RU" smtClean="0"/>
+              <a:rPr lang="ru-RU"/>
               <a:t>Образец заголовка</a:t>
             </a:r>
-            <a:endParaRPr lang="ru-RU"/>
           </a:p>
         </p:txBody>
       </p:sp>
@@ -6778,38 +6755,37 @@
           <a:p>
             <a:pPr lvl="0"/>
             <a:r>
-              <a:rPr lang="ru-RU" smtClean="0"/>
+              <a:rPr lang="ru-RU"/>
               <a:t>Образец текста</a:t>
             </a:r>
           </a:p>
           <a:p>
             <a:pPr lvl="1"/>
             <a:r>
-              <a:rPr lang="ru-RU" smtClean="0"/>
+              <a:rPr lang="ru-RU"/>
               <a:t>Второй уровень</a:t>
             </a:r>
           </a:p>
           <a:p>
             <a:pPr lvl="2"/>
             <a:r>
-              <a:rPr lang="ru-RU" smtClean="0"/>
+              <a:rPr lang="ru-RU"/>
               <a:t>Третий уровень</a:t>
             </a:r>
           </a:p>
           <a:p>
             <a:pPr lvl="3"/>
             <a:r>
-              <a:rPr lang="ru-RU" smtClean="0"/>
+              <a:rPr lang="ru-RU"/>
               <a:t>Четвертый уровень</a:t>
             </a:r>
           </a:p>
           <a:p>
             <a:pPr lvl="4"/>
             <a:r>
-              <a:rPr lang="ru-RU" smtClean="0"/>
+              <a:rPr lang="ru-RU"/>
               <a:t>Пятый уровень</a:t>
             </a:r>
-            <a:endParaRPr lang="ru-RU"/>
           </a:p>
         </p:txBody>
       </p:sp>
@@ -6835,38 +6811,37 @@
           <a:p>
             <a:pPr lvl="0"/>
             <a:r>
-              <a:rPr lang="ru-RU" smtClean="0"/>
+              <a:rPr lang="ru-RU"/>
               <a:t>Образец текста</a:t>
             </a:r>
           </a:p>
           <a:p>
             <a:pPr lvl="1"/>
             <a:r>
-              <a:rPr lang="ru-RU" smtClean="0"/>
+              <a:rPr lang="ru-RU"/>
               <a:t>Второй уровень</a:t>
             </a:r>
           </a:p>
           <a:p>
             <a:pPr lvl="2"/>
             <a:r>
-              <a:rPr lang="ru-RU" smtClean="0"/>
+              <a:rPr lang="ru-RU"/>
               <a:t>Третий уровень</a:t>
             </a:r>
           </a:p>
           <a:p>
             <a:pPr lvl="3"/>
             <a:r>
-              <a:rPr lang="ru-RU" smtClean="0"/>
+              <a:rPr lang="ru-RU"/>
               <a:t>Четвертый уровень</a:t>
             </a:r>
           </a:p>
           <a:p>
             <a:pPr lvl="4"/>
             <a:r>
-              <a:rPr lang="ru-RU" smtClean="0"/>
+              <a:rPr lang="ru-RU"/>
               <a:t>Пятый уровень</a:t>
             </a:r>
-            <a:endParaRPr lang="ru-RU"/>
           </a:p>
         </p:txBody>
       </p:sp>
@@ -6887,7 +6862,7 @@
           <a:p>
             <a:fld id="{DF7E2CC3-F0F2-4AF6-802F-5B8C7A735C8D}" type="datetime1">
               <a:rPr lang="ru-RU" smtClean="0"/>
-              <a:t>08.04.2025</a:t>
+              <a:t>09.04.2025</a:t>
             </a:fld>
             <a:endParaRPr lang="ru-RU"/>
           </a:p>
@@ -6986,10 +6961,9 @@
           <a:lstStyle/>
           <a:p>
             <a:r>
-              <a:rPr lang="ru-RU" smtClean="0"/>
+              <a:rPr lang="ru-RU"/>
               <a:t>Образец заголовка</a:t>
             </a:r>
-            <a:endParaRPr lang="ru-RU"/>
           </a:p>
         </p:txBody>
       </p:sp>
@@ -7052,7 +7026,7 @@
           <a:p>
             <a:pPr lvl="0"/>
             <a:r>
-              <a:rPr lang="ru-RU" smtClean="0"/>
+              <a:rPr lang="ru-RU"/>
               <a:t>Образец текста</a:t>
             </a:r>
           </a:p>
@@ -7080,38 +7054,37 @@
           <a:p>
             <a:pPr lvl="0"/>
             <a:r>
-              <a:rPr lang="ru-RU" smtClean="0"/>
+              <a:rPr lang="ru-RU"/>
               <a:t>Образец текста</a:t>
             </a:r>
           </a:p>
           <a:p>
             <a:pPr lvl="1"/>
             <a:r>
-              <a:rPr lang="ru-RU" smtClean="0"/>
+              <a:rPr lang="ru-RU"/>
               <a:t>Второй уровень</a:t>
             </a:r>
           </a:p>
           <a:p>
             <a:pPr lvl="2"/>
             <a:r>
-              <a:rPr lang="ru-RU" smtClean="0"/>
+              <a:rPr lang="ru-RU"/>
               <a:t>Третий уровень</a:t>
             </a:r>
           </a:p>
           <a:p>
             <a:pPr lvl="3"/>
             <a:r>
-              <a:rPr lang="ru-RU" smtClean="0"/>
+              <a:rPr lang="ru-RU"/>
               <a:t>Четвертый уровень</a:t>
             </a:r>
           </a:p>
           <a:p>
             <a:pPr lvl="4"/>
             <a:r>
-              <a:rPr lang="ru-RU" smtClean="0"/>
+              <a:rPr lang="ru-RU"/>
               <a:t>Пятый уровень</a:t>
             </a:r>
-            <a:endParaRPr lang="ru-RU"/>
           </a:p>
         </p:txBody>
       </p:sp>
@@ -7174,7 +7147,7 @@
           <a:p>
             <a:pPr lvl="0"/>
             <a:r>
-              <a:rPr lang="ru-RU" smtClean="0"/>
+              <a:rPr lang="ru-RU"/>
               <a:t>Образец текста</a:t>
             </a:r>
           </a:p>
@@ -7202,38 +7175,37 @@
           <a:p>
             <a:pPr lvl="0"/>
             <a:r>
-              <a:rPr lang="ru-RU" smtClean="0"/>
+              <a:rPr lang="ru-RU"/>
               <a:t>Образец текста</a:t>
             </a:r>
           </a:p>
           <a:p>
             <a:pPr lvl="1"/>
             <a:r>
-              <a:rPr lang="ru-RU" smtClean="0"/>
+              <a:rPr lang="ru-RU"/>
               <a:t>Второй уровень</a:t>
             </a:r>
           </a:p>
           <a:p>
             <a:pPr lvl="2"/>
             <a:r>
-              <a:rPr lang="ru-RU" smtClean="0"/>
+              <a:rPr lang="ru-RU"/>
               <a:t>Третий уровень</a:t>
             </a:r>
           </a:p>
           <a:p>
             <a:pPr lvl="3"/>
             <a:r>
-              <a:rPr lang="ru-RU" smtClean="0"/>
+              <a:rPr lang="ru-RU"/>
               <a:t>Четвертый уровень</a:t>
             </a:r>
           </a:p>
           <a:p>
             <a:pPr lvl="4"/>
             <a:r>
-              <a:rPr lang="ru-RU" smtClean="0"/>
+              <a:rPr lang="ru-RU"/>
               <a:t>Пятый уровень</a:t>
             </a:r>
-            <a:endParaRPr lang="ru-RU"/>
           </a:p>
         </p:txBody>
       </p:sp>
@@ -7254,7 +7226,7 @@
           <a:p>
             <a:fld id="{273ADA17-C6CE-4210-8451-A5B8C49AB2AC}" type="datetime1">
               <a:rPr lang="ru-RU" smtClean="0"/>
-              <a:t>08.04.2025</a:t>
+              <a:t>09.04.2025</a:t>
             </a:fld>
             <a:endParaRPr lang="ru-RU"/>
           </a:p>
@@ -7348,10 +7320,9 @@
           <a:lstStyle/>
           <a:p>
             <a:r>
-              <a:rPr lang="ru-RU" smtClean="0"/>
+              <a:rPr lang="ru-RU"/>
               <a:t>Образец заголовка</a:t>
             </a:r>
-            <a:endParaRPr lang="ru-RU"/>
           </a:p>
         </p:txBody>
       </p:sp>
@@ -7372,7 +7343,7 @@
           <a:p>
             <a:fld id="{77489695-FA64-487E-9567-DDC06A08D302}" type="datetime1">
               <a:rPr lang="ru-RU" smtClean="0"/>
-              <a:t>08.04.2025</a:t>
+              <a:t>09.04.2025</a:t>
             </a:fld>
             <a:endParaRPr lang="ru-RU"/>
           </a:p>
@@ -7467,7 +7438,7 @@
           <a:p>
             <a:fld id="{E74C9373-BCD5-4817-AE75-2C52D91E0815}" type="datetime1">
               <a:rPr lang="ru-RU" smtClean="0"/>
-              <a:t>08.04.2025</a:t>
+              <a:t>09.04.2025</a:t>
             </a:fld>
             <a:endParaRPr lang="ru-RU"/>
           </a:p>
@@ -7570,10 +7541,9 @@
           </a:lstStyle>
           <a:p>
             <a:r>
-              <a:rPr lang="ru-RU" smtClean="0"/>
+              <a:rPr lang="ru-RU"/>
               <a:t>Образец заголовка</a:t>
             </a:r>
-            <a:endParaRPr lang="ru-RU"/>
           </a:p>
         </p:txBody>
       </p:sp>
@@ -7627,38 +7597,37 @@
           <a:p>
             <a:pPr lvl="0"/>
             <a:r>
-              <a:rPr lang="ru-RU" smtClean="0"/>
+              <a:rPr lang="ru-RU"/>
               <a:t>Образец текста</a:t>
             </a:r>
           </a:p>
           <a:p>
             <a:pPr lvl="1"/>
             <a:r>
-              <a:rPr lang="ru-RU" smtClean="0"/>
+              <a:rPr lang="ru-RU"/>
               <a:t>Второй уровень</a:t>
             </a:r>
           </a:p>
           <a:p>
             <a:pPr lvl="2"/>
             <a:r>
-              <a:rPr lang="ru-RU" smtClean="0"/>
+              <a:rPr lang="ru-RU"/>
               <a:t>Третий уровень</a:t>
             </a:r>
           </a:p>
           <a:p>
             <a:pPr lvl="3"/>
             <a:r>
-              <a:rPr lang="ru-RU" smtClean="0"/>
+              <a:rPr lang="ru-RU"/>
               <a:t>Четвертый уровень</a:t>
             </a:r>
           </a:p>
           <a:p>
             <a:pPr lvl="4"/>
             <a:r>
-              <a:rPr lang="ru-RU" smtClean="0"/>
+              <a:rPr lang="ru-RU"/>
               <a:t>Пятый уровень</a:t>
             </a:r>
-            <a:endParaRPr lang="ru-RU"/>
           </a:p>
         </p:txBody>
       </p:sp>
@@ -7721,7 +7690,7 @@
           <a:p>
             <a:pPr lvl="0"/>
             <a:r>
-              <a:rPr lang="ru-RU" smtClean="0"/>
+              <a:rPr lang="ru-RU"/>
               <a:t>Образец текста</a:t>
             </a:r>
           </a:p>
@@ -7744,7 +7713,7 @@
           <a:p>
             <a:fld id="{291F6D60-9042-4CDA-9E6B-4508012467C4}" type="datetime1">
               <a:rPr lang="ru-RU" smtClean="0"/>
-              <a:t>08.04.2025</a:t>
+              <a:t>09.04.2025</a:t>
             </a:fld>
             <a:endParaRPr lang="ru-RU"/>
           </a:p>
@@ -7847,10 +7816,9 @@
           </a:lstStyle>
           <a:p>
             <a:r>
-              <a:rPr lang="ru-RU" smtClean="0"/>
+              <a:rPr lang="ru-RU"/>
               <a:t>Образец заголовка</a:t>
             </a:r>
-            <a:endParaRPr lang="ru-RU"/>
           </a:p>
         </p:txBody>
       </p:sp>
@@ -7974,7 +7942,7 @@
           <a:p>
             <a:pPr lvl="0"/>
             <a:r>
-              <a:rPr lang="ru-RU" smtClean="0"/>
+              <a:rPr lang="ru-RU"/>
               <a:t>Образец текста</a:t>
             </a:r>
           </a:p>
@@ -7997,7 +7965,7 @@
           <a:p>
             <a:fld id="{3BC11127-6070-4969-BCBA-B51A5241952A}" type="datetime1">
               <a:rPr lang="ru-RU" smtClean="0"/>
-              <a:t>08.04.2025</a:t>
+              <a:t>09.04.2025</a:t>
             </a:fld>
             <a:endParaRPr lang="ru-RU"/>
           </a:p>
@@ -8106,10 +8074,9 @@
           <a:lstStyle/>
           <a:p>
             <a:r>
-              <a:rPr lang="ru-RU" smtClean="0"/>
+              <a:rPr lang="ru-RU"/>
               <a:t>Образец заголовка</a:t>
             </a:r>
-            <a:endParaRPr lang="ru-RU"/>
           </a:p>
         </p:txBody>
       </p:sp>
@@ -8140,38 +8107,37 @@
           <a:p>
             <a:pPr lvl="0"/>
             <a:r>
-              <a:rPr lang="ru-RU" smtClean="0"/>
+              <a:rPr lang="ru-RU"/>
               <a:t>Образец текста</a:t>
             </a:r>
           </a:p>
           <a:p>
             <a:pPr lvl="1"/>
             <a:r>
-              <a:rPr lang="ru-RU" smtClean="0"/>
+              <a:rPr lang="ru-RU"/>
               <a:t>Второй уровень</a:t>
             </a:r>
           </a:p>
           <a:p>
             <a:pPr lvl="2"/>
             <a:r>
-              <a:rPr lang="ru-RU" smtClean="0"/>
+              <a:rPr lang="ru-RU"/>
               <a:t>Третий уровень</a:t>
             </a:r>
           </a:p>
           <a:p>
             <a:pPr lvl="3"/>
             <a:r>
-              <a:rPr lang="ru-RU" smtClean="0"/>
+              <a:rPr lang="ru-RU"/>
               <a:t>Четвертый уровень</a:t>
             </a:r>
           </a:p>
           <a:p>
             <a:pPr lvl="4"/>
             <a:r>
-              <a:rPr lang="ru-RU" smtClean="0"/>
+              <a:rPr lang="ru-RU"/>
               <a:t>Пятый уровень</a:t>
             </a:r>
-            <a:endParaRPr lang="ru-RU"/>
           </a:p>
         </p:txBody>
       </p:sp>
@@ -8210,7 +8176,7 @@
           <a:p>
             <a:fld id="{4075E8DD-4B05-44A6-A92B-D75F880F0A7D}" type="datetime1">
               <a:rPr lang="ru-RU" smtClean="0"/>
-              <a:t>08.04.2025</a:t>
+              <a:t>09.04.2025</a:t>
             </a:fld>
             <a:endParaRPr lang="ru-RU"/>
           </a:p>
@@ -8637,7 +8603,7 @@
           <a:lstStyle/>
           <a:p>
             <a:r>
-              <a:rPr lang="en-US" sz="8000" dirty="0" err="1" smtClean="0"/>
+              <a:rPr lang="en-US" sz="8000" dirty="0" err="1"/>
               <a:t>UnforPillable</a:t>
             </a:r>
             <a:endParaRPr lang="ru-RU" dirty="0"/>
@@ -8707,13 +8673,6 @@
   <p:clrMapOvr>
     <a:masterClrMapping/>
   </p:clrMapOvr>
-  <p:timing>
-    <p:tnLst>
-      <p:par>
-        <p:cTn id="1" dur="indefinite" restart="never" nodeType="tmRoot"/>
-      </p:par>
-    </p:tnLst>
-  </p:timing>
 </p:sld>
 </file>
 
@@ -8757,7 +8716,7 @@
           <a:lstStyle/>
           <a:p>
             <a:r>
-              <a:rPr lang="ru-RU" sz="8000" dirty="0" smtClean="0"/>
+              <a:rPr lang="ru-RU" sz="8000" dirty="0"/>
               <a:t>Статистика запросов</a:t>
             </a:r>
             <a:endParaRPr lang="ru-RU" dirty="0"/>
@@ -8827,13 +8786,6 @@
   <p:clrMapOvr>
     <a:masterClrMapping/>
   </p:clrMapOvr>
-  <p:timing>
-    <p:tnLst>
-      <p:par>
-        <p:cTn id="1" dur="indefinite" restart="never" nodeType="tmRoot"/>
-      </p:par>
-    </p:tnLst>
-  </p:timing>
 </p:sld>
 </file>
 
@@ -8877,31 +8829,31 @@
           <a:lstStyle/>
           <a:p>
             <a:r>
-              <a:rPr lang="ru-RU" dirty="0" smtClean="0"/>
+              <a:rPr lang="ru-RU" dirty="0"/>
               <a:t>Напоминание о пополнении запаса лекарств</a:t>
             </a:r>
           </a:p>
           <a:p>
             <a:r>
-              <a:rPr lang="ru-RU" dirty="0" smtClean="0"/>
+              <a:rPr lang="ru-RU" dirty="0"/>
               <a:t>Уведомление семейной группы о состоянии здоровья</a:t>
             </a:r>
           </a:p>
           <a:p>
             <a:r>
-              <a:rPr lang="ru-RU" dirty="0" smtClean="0"/>
+              <a:rPr lang="ru-RU" dirty="0"/>
               <a:t>Предоставление статистики в удобном формате</a:t>
             </a:r>
           </a:p>
           <a:p>
             <a:r>
-              <a:rPr lang="ru-RU" dirty="0" smtClean="0"/>
+              <a:rPr lang="ru-RU" dirty="0"/>
               <a:t>Формирование данных для медицинских работников</a:t>
             </a:r>
           </a:p>
           <a:p>
             <a:r>
-              <a:rPr lang="ru-RU" dirty="0" smtClean="0"/>
+              <a:rPr lang="ru-RU" dirty="0"/>
               <a:t>Удобный и простой интерфейс</a:t>
             </a:r>
           </a:p>
@@ -8931,10 +8883,9 @@
           <a:p>
             <a:pPr algn="ctr"/>
             <a:r>
-              <a:rPr lang="ru-RU" sz="2800" b="1" dirty="0" smtClean="0"/>
+              <a:rPr lang="ru-RU" sz="2800" b="1" dirty="0"/>
               <a:t>В отличие от конкурентов наше приложение имеет:</a:t>
             </a:r>
-            <a:endParaRPr lang="ru-RU" sz="2800" b="1" dirty="0"/>
           </a:p>
         </p:txBody>
       </p:sp>
@@ -8971,13 +8922,6 @@
   <p:clrMapOvr>
     <a:masterClrMapping/>
   </p:clrMapOvr>
-  <p:timing>
-    <p:tnLst>
-      <p:par>
-        <p:cTn id="1" dur="indefinite" restart="never" nodeType="tmRoot"/>
-      </p:par>
-    </p:tnLst>
-  </p:timing>
 </p:sld>
 </file>
 
@@ -9022,14 +8966,9 @@
           <a:p>
             <a:pPr algn="ctr"/>
             <a:r>
-              <a:rPr lang="ru-RU" dirty="0" smtClean="0"/>
-              <a:t>Статьи </a:t>
-            </a:r>
-            <a:r>
-              <a:rPr lang="ru-RU" dirty="0" smtClean="0"/>
-              <a:t>расходов</a:t>
-            </a:r>
-            <a:endParaRPr lang="ru-RU" dirty="0"/>
+              <a:rPr lang="ru-RU" dirty="0"/>
+              <a:t>Статьи расходов</a:t>
+            </a:r>
           </a:p>
         </p:txBody>
       </p:sp>
@@ -9071,7 +9010,7 @@
           <p:nvPr>
             <p:extLst>
               <p:ext uri="{D42A27DB-BD31-4B8C-83A1-F6EECF244321}">
-                <p14:modId xmlns:p14="http://schemas.microsoft.com/office/powerpoint/2010/main" val="3040581560"/>
+                <p14:modId xmlns:p14="http://schemas.microsoft.com/office/powerpoint/2010/main" val="4112559311"/>
               </p:ext>
             </p:extLst>
           </p:nvPr>
@@ -9109,10 +9048,9 @@
           <a:lstStyle/>
           <a:p>
             <a:r>
-              <a:rPr lang="ru-RU" sz="2800" dirty="0" smtClean="0"/>
+              <a:rPr lang="ru-RU" sz="2800" dirty="0"/>
               <a:t>Всего: 620 000</a:t>
             </a:r>
-            <a:endParaRPr lang="ru-RU" sz="2800" dirty="0"/>
           </a:p>
         </p:txBody>
       </p:sp>
@@ -9126,13 +9064,6 @@
   <p:clrMapOvr>
     <a:masterClrMapping/>
   </p:clrMapOvr>
-  <p:timing>
-    <p:tnLst>
-      <p:par>
-        <p:cTn id="1" dur="indefinite" restart="never" nodeType="tmRoot"/>
-      </p:par>
-    </p:tnLst>
-  </p:timing>
 </p:sld>
 </file>
 
@@ -9177,14 +9108,9 @@
           <a:p>
             <a:pPr algn="ctr"/>
             <a:r>
-              <a:rPr lang="ru-RU" dirty="0" smtClean="0"/>
-              <a:t>Статьи </a:t>
-            </a:r>
-            <a:r>
-              <a:rPr lang="ru-RU" dirty="0" smtClean="0"/>
-              <a:t>расходов</a:t>
-            </a:r>
-            <a:endParaRPr lang="ru-RU" dirty="0"/>
+              <a:rPr lang="ru-RU" dirty="0"/>
+              <a:t>Статьи расходов</a:t>
+            </a:r>
           </a:p>
         </p:txBody>
       </p:sp>
@@ -9223,9 +9149,7 @@
           <p:cNvGraphicFramePr>
             <a:graphicFrameLocks/>
           </p:cNvGraphicFramePr>
-          <p:nvPr>
-            <p:extLst/>
-          </p:nvPr>
+          <p:nvPr/>
         </p:nvGraphicFramePr>
         <p:xfrm>
           <a:off x="1695450" y="1409701"/>
@@ -9260,7 +9184,7 @@
           <a:lstStyle/>
           <a:p>
             <a:r>
-              <a:rPr lang="ru-RU" sz="2800" dirty="0" smtClean="0"/>
+              <a:rPr lang="ru-RU" sz="2800" dirty="0"/>
               <a:t>Маркетинг: 2 500 000</a:t>
             </a:r>
           </a:p>
@@ -9269,10 +9193,9 @@
           </a:p>
           <a:p>
             <a:r>
-              <a:rPr lang="ru-RU" sz="2800" dirty="0" smtClean="0"/>
+              <a:rPr lang="ru-RU" sz="2800" dirty="0"/>
               <a:t>Итого: 3 120 000</a:t>
             </a:r>
-            <a:endParaRPr lang="ru-RU" sz="2800" dirty="0"/>
           </a:p>
         </p:txBody>
       </p:sp>
@@ -9310,13 +9233,6 @@
   <p:clrMapOvr>
     <a:masterClrMapping/>
   </p:clrMapOvr>
-  <p:timing>
-    <p:tnLst>
-      <p:par>
-        <p:cTn id="1" dur="indefinite" restart="never" nodeType="tmRoot"/>
-      </p:par>
-    </p:tnLst>
-  </p:timing>
 </p:sld>
 </file>
 
@@ -9360,18 +9276,9 @@
           <a:lstStyle/>
           <a:p>
             <a:r>
-              <a:rPr lang="ru-RU" sz="2400" dirty="0" smtClean="0"/>
-              <a:t>Срок </a:t>
-            </a:r>
-            <a:r>
-              <a:rPr lang="ru-RU" sz="2400" dirty="0" smtClean="0"/>
-              <a:t>окупаемости – </a:t>
-            </a:r>
-            <a:r>
-              <a:rPr lang="ru-RU" sz="2400" dirty="0" smtClean="0"/>
-              <a:t>1 год</a:t>
-            </a:r>
-            <a:endParaRPr lang="ru-RU" sz="2400" dirty="0" smtClean="0"/>
+              <a:rPr lang="ru-RU" sz="2400" dirty="0"/>
+              <a:t>Срок окупаемости – 1 год</a:t>
+            </a:r>
           </a:p>
         </p:txBody>
       </p:sp>
@@ -9444,7 +9351,7 @@
           <a:lstStyle/>
           <a:p>
             <a:r>
-              <a:rPr lang="ru-RU" b="1" dirty="0" smtClean="0">
+              <a:rPr lang="ru-RU" b="1" dirty="0">
                 <a:solidFill>
                   <a:srgbClr val="000000"/>
                 </a:solidFill>
@@ -9453,14 +9360,13 @@
               <a:t>Чистый дисконтированный доход: </a:t>
             </a:r>
             <a:r>
-              <a:rPr lang="ru-RU" b="1" dirty="0" smtClean="0"/>
+              <a:rPr lang="ru-RU" b="1" dirty="0"/>
               <a:t>160 094 617,9</a:t>
             </a:r>
             <a:r>
-              <a:rPr lang="ru-RU" dirty="0" smtClean="0"/>
+              <a:rPr lang="ru-RU" dirty="0"/>
               <a:t> </a:t>
             </a:r>
-            <a:endParaRPr lang="ru-RU" dirty="0"/>
           </a:p>
         </p:txBody>
       </p:sp>
@@ -9474,13 +9380,6 @@
   <p:clrMapOvr>
     <a:masterClrMapping/>
   </p:clrMapOvr>
-  <p:timing>
-    <p:tnLst>
-      <p:par>
-        <p:cTn id="1" dur="indefinite" restart="never" nodeType="tmRoot"/>
-      </p:par>
-    </p:tnLst>
-  </p:timing>
 </p:sld>
 </file>
 
@@ -9696,15 +9595,15 @@
               <a:rPr lang="ru-RU" sz="1800" dirty="0"/>
               <a:t> Иван Валерьевич</a:t>
             </a:r>
-            <a:endParaRPr lang="ru-RU" sz="1800" b="0" dirty="0" smtClean="0"/>
+            <a:endParaRPr lang="ru-RU" sz="1800" b="0" dirty="0"/>
           </a:p>
           <a:p>
             <a:pPr algn="ctr"/>
             <a:r>
-              <a:rPr lang="en-US" sz="1800" b="0" dirty="0" smtClean="0"/>
+              <a:rPr lang="en-US" sz="1800" b="0" dirty="0"/>
               <a:t>vasileniyaivanka@mail.ru</a:t>
             </a:r>
-            <a:endParaRPr lang="ru-RU" sz="1800" b="0" dirty="0" smtClean="0"/>
+            <a:endParaRPr lang="ru-RU" sz="1800" b="0" dirty="0"/>
           </a:p>
           <a:p>
             <a:pPr algn="ctr"/>
@@ -9714,15 +9613,7 @@
             <a:pPr algn="just"/>
             <a:r>
               <a:rPr lang="ru-RU" sz="1800" b="0" dirty="0"/>
-              <a:t>В своей профессиональной деятельности </a:t>
-            </a:r>
-            <a:r>
-              <a:rPr lang="ru-RU" sz="1800" b="0" dirty="0" smtClean="0"/>
-              <a:t>работал </a:t>
-            </a:r>
-            <a:r>
-              <a:rPr lang="ru-RU" sz="1800" b="0" dirty="0"/>
-              <a:t>с различными </a:t>
+              <a:t>В своей профессиональной деятельности работал с различными </a:t>
             </a:r>
             <a:r>
               <a:rPr lang="ru-RU" sz="1800" b="0" dirty="0" err="1"/>
@@ -9730,24 +9621,15 @@
             </a:r>
             <a:r>
               <a:rPr lang="ru-RU" sz="1800" b="0" dirty="0"/>
-              <a:t> для веб-разработки и занимался мобильной разработкой. Создавал многопользовательские веб-приложения</a:t>
-            </a:r>
-            <a:r>
-              <a:rPr lang="ru-RU" sz="1800" b="0" dirty="0" smtClean="0"/>
-              <a:t>.</a:t>
+              <a:t> для веб-разработки и занимался мобильной разработкой. Создавал многопользовательские веб-приложения.</a:t>
             </a:r>
           </a:p>
           <a:p>
             <a:pPr algn="just"/>
             <a:r>
               <a:rPr lang="ru-RU" sz="1800" b="0" dirty="0"/>
-              <a:t>Участвовал в разработке учёта посещаемости для преподавателей </a:t>
-            </a:r>
-            <a:r>
-              <a:rPr lang="ru-RU" sz="1800" b="0" dirty="0" smtClean="0"/>
-              <a:t>ОГУ.</a:t>
-            </a:r>
-            <a:endParaRPr lang="ru-RU" sz="1800" b="0" dirty="0"/>
+              <a:t>Участвовал в разработке учёта посещаемости для преподавателей ОГУ.</a:t>
+            </a:r>
           </a:p>
         </p:txBody>
       </p:sp>
@@ -9990,10 +9872,10 @@
               </a:lnSpc>
             </a:pPr>
             <a:r>
-              <a:rPr lang="ru-RU" sz="1800" dirty="0" smtClean="0"/>
+              <a:rPr lang="ru-RU" sz="1800" dirty="0"/>
               <a:t>Банных Мария Алексеевна</a:t>
             </a:r>
-            <a:endParaRPr lang="ru-RU" sz="1800" b="0" dirty="0" smtClean="0"/>
+            <a:endParaRPr lang="ru-RU" sz="1800" b="0" dirty="0"/>
           </a:p>
           <a:p>
             <a:pPr algn="ctr">
@@ -10002,10 +9884,10 @@
               </a:lnSpc>
             </a:pPr>
             <a:r>
-              <a:rPr lang="en-US" sz="1800" b="0" dirty="0" smtClean="0"/>
+              <a:rPr lang="en-US" sz="1800" b="0" dirty="0"/>
               <a:t>mashabannykh@yande.ru</a:t>
             </a:r>
-            <a:endParaRPr lang="ru-RU" sz="1800" b="0" dirty="0" smtClean="0"/>
+            <a:endParaRPr lang="ru-RU" sz="1800" b="0" dirty="0"/>
           </a:p>
           <a:p>
             <a:pPr algn="ctr">
@@ -10013,7 +9895,7 @@
                 <a:spcPct val="80000"/>
               </a:lnSpc>
             </a:pPr>
-            <a:endParaRPr lang="ru-RU" sz="1800" b="0" dirty="0" smtClean="0"/>
+            <a:endParaRPr lang="ru-RU" sz="1800" b="0" dirty="0"/>
           </a:p>
           <a:p>
             <a:pPr algn="just">
@@ -10023,17 +9905,8 @@
             </a:pPr>
             <a:r>
               <a:rPr lang="ru-RU" sz="1800" b="0" dirty="0"/>
-              <a:t>Имею опыт работы в области веб-разработки, а также </a:t>
-            </a:r>
-            <a:r>
-              <a:rPr lang="ru-RU" sz="1800" b="0" dirty="0" smtClean="0"/>
-              <a:t>хороший опыт работы и применения баз </a:t>
-            </a:r>
-            <a:r>
-              <a:rPr lang="ru-RU" sz="1800" b="0" dirty="0"/>
-              <a:t>данных.</a:t>
-            </a:r>
-            <a:endParaRPr lang="ru-RU" sz="1800" b="0" dirty="0" smtClean="0"/>
+              <a:t>Имею опыт работы в области веб-разработки, а также хороший опыт работы и применения баз данных.</a:t>
+            </a:r>
           </a:p>
           <a:p>
             <a:pPr algn="just">
@@ -10042,32 +9915,8 @@
               </a:lnSpc>
             </a:pPr>
             <a:r>
-              <a:rPr lang="ru-RU" sz="1800" b="0" dirty="0" smtClean="0"/>
-              <a:t>Участвовала в разработке учёта посещаемости </a:t>
-            </a:r>
-            <a:r>
               <a:rPr lang="ru-RU" sz="1800" b="0" dirty="0"/>
-              <a:t>для преподавателей ОГУ. </a:t>
-            </a:r>
-            <a:r>
-              <a:rPr lang="ru-RU" sz="1800" b="0" dirty="0" smtClean="0"/>
-              <a:t>В </a:t>
-            </a:r>
-            <a:r>
-              <a:rPr lang="ru-RU" sz="1800" b="0" dirty="0"/>
-              <a:t>данный момент </a:t>
-            </a:r>
-            <a:r>
-              <a:rPr lang="ru-RU" sz="1800" b="0" dirty="0" smtClean="0"/>
-              <a:t>участвую в создании раздела </a:t>
-            </a:r>
-            <a:r>
-              <a:rPr lang="ru-RU" sz="1800" b="0" dirty="0"/>
-              <a:t>"Фабрика Проектов", </a:t>
-            </a:r>
-            <a:r>
-              <a:rPr lang="ru-RU" sz="1800" b="0" dirty="0" smtClean="0"/>
-              <a:t>который объединяет заказчиков и исполнителей проектов.</a:t>
+              <a:t>Участвовала в разработке учёта посещаемости для преподавателей ОГУ. В данный момент участвую в создании раздела "Фабрика Проектов", который объединяет заказчиков и исполнителей проектов.</a:t>
             </a:r>
           </a:p>
         </p:txBody>
@@ -10284,22 +10133,22 @@
           <a:p>
             <a:pPr algn="ctr"/>
             <a:r>
-              <a:rPr lang="ru-RU" sz="1800" dirty="0" smtClean="0"/>
+              <a:rPr lang="ru-RU" sz="1800" dirty="0"/>
               <a:t>          Мельниченко Артем Олегович</a:t>
             </a:r>
-            <a:endParaRPr lang="ru-RU" sz="1800" b="0" dirty="0" smtClean="0"/>
+            <a:endParaRPr lang="ru-RU" sz="1800" b="0" dirty="0"/>
           </a:p>
           <a:p>
             <a:pPr algn="ctr"/>
             <a:r>
-              <a:rPr lang="ru-RU" sz="1800" b="0" dirty="0" smtClean="0"/>
+              <a:rPr lang="ru-RU" sz="1800" b="0" dirty="0"/>
               <a:t>         </a:t>
             </a:r>
             <a:r>
-              <a:rPr lang="en-US" sz="1800" b="0" dirty="0" smtClean="0"/>
+              <a:rPr lang="en-US" sz="1800" b="0" dirty="0"/>
               <a:t>art1237@yandex.ru</a:t>
             </a:r>
-            <a:endParaRPr lang="ru-RU" sz="1800" b="0" dirty="0" smtClean="0"/>
+            <a:endParaRPr lang="ru-RU" sz="1800" b="0" dirty="0"/>
           </a:p>
           <a:p>
             <a:pPr algn="ctr"/>
@@ -10558,22 +10407,22 @@
           <a:p>
             <a:pPr algn="ctr"/>
             <a:r>
-              <a:rPr lang="ru-RU" sz="1800" dirty="0" smtClean="0"/>
+              <a:rPr lang="ru-RU" sz="1800" dirty="0"/>
               <a:t>   Мельников Артем Евгеньевич</a:t>
             </a:r>
-            <a:endParaRPr lang="ru-RU" sz="1800" b="0" dirty="0" smtClean="0"/>
+            <a:endParaRPr lang="ru-RU" sz="1800" b="0" dirty="0"/>
           </a:p>
           <a:p>
             <a:pPr algn="ctr"/>
             <a:r>
-              <a:rPr lang="ru-RU" sz="1800" b="0" dirty="0" smtClean="0"/>
+              <a:rPr lang="ru-RU" sz="1800" b="0" dirty="0"/>
               <a:t>    </a:t>
             </a:r>
             <a:r>
-              <a:rPr lang="en-US" sz="1800" b="0" dirty="0" smtClean="0"/>
+              <a:rPr lang="en-US" sz="1800" b="0" dirty="0"/>
               <a:t>melnikov18mail@yandex.ru</a:t>
             </a:r>
-            <a:endParaRPr lang="ru-RU" sz="1800" b="0" dirty="0" smtClean="0"/>
+            <a:endParaRPr lang="ru-RU" sz="1800" b="0" dirty="0"/>
           </a:p>
           <a:p>
             <a:pPr algn="ctr"/>
@@ -10590,15 +10439,7 @@
             <a:pPr algn="just"/>
             <a:r>
               <a:rPr lang="ru-RU" sz="1800" b="0" dirty="0"/>
-              <a:t>На ознакомительной практике </a:t>
-            </a:r>
-            <a:r>
-              <a:rPr lang="ru-RU" sz="1800" b="0" dirty="0" smtClean="0"/>
-              <a:t>полностью </a:t>
-            </a:r>
-            <a:r>
-              <a:rPr lang="ru-RU" sz="1800" b="0" dirty="0"/>
-              <a:t>реализовал приложение для игры в шахматы на </a:t>
+              <a:t>На ознакомительной практике полностью реализовал приложение для игры в шахматы на </a:t>
             </a:r>
             <a:r>
               <a:rPr lang="ru-RU" sz="1800" b="0" dirty="0" err="1"/>
@@ -10612,20 +10453,8 @@
           <a:p>
             <a:pPr algn="just"/>
             <a:r>
-              <a:rPr lang="ru-RU" sz="1800" b="0" dirty="0" smtClean="0"/>
-              <a:t>Участвовал </a:t>
-            </a:r>
-            <a:r>
               <a:rPr lang="ru-RU" sz="1800" b="0" dirty="0"/>
-              <a:t>в разработке учёта посещаемости </a:t>
-            </a:r>
-            <a:r>
-              <a:rPr lang="ru-RU" sz="1800" b="0" dirty="0" smtClean="0"/>
-              <a:t>и </a:t>
-            </a:r>
-            <a:r>
-              <a:rPr lang="ru-RU" sz="1800" b="0" dirty="0"/>
-              <a:t>сейчас работаю над созданием раздела "Фабрика Проектов".</a:t>
+              <a:t>Участвовал в разработке учёта посещаемости и сейчас работаю над созданием раздела "Фабрика Проектов".</a:t>
             </a:r>
           </a:p>
         </p:txBody>
@@ -10664,13 +10493,6 @@
   <p:clrMapOvr>
     <a:masterClrMapping/>
   </p:clrMapOvr>
-  <p:timing>
-    <p:tnLst>
-      <p:par>
-        <p:cTn id="1" dur="indefinite" restart="never" nodeType="tmRoot"/>
-      </p:par>
-    </p:tnLst>
-  </p:timing>
 </p:sld>
 </file>
 
